--- a/prezentace.pptx
+++ b/prezentace.pptx
@@ -5,10 +5,10 @@
     <p:sldMasterId id="2147483649" r:id="rId1"/>
   </p:sldMasterIdLst>
   <p:notesMasterIdLst>
-    <p:notesMasterId r:id="rId8"/>
+    <p:notesMasterId r:id="rId13"/>
   </p:notesMasterIdLst>
   <p:handoutMasterIdLst>
-    <p:handoutMasterId r:id="rId9"/>
+    <p:handoutMasterId r:id="rId14"/>
   </p:handoutMasterIdLst>
   <p:sldIdLst>
     <p:sldId id="256" r:id="rId2"/>
@@ -16,7 +16,12 @@
     <p:sldId id="260" r:id="rId4"/>
     <p:sldId id="261" r:id="rId5"/>
     <p:sldId id="262" r:id="rId6"/>
-    <p:sldId id="259" r:id="rId7"/>
+    <p:sldId id="263" r:id="rId7"/>
+    <p:sldId id="268" r:id="rId8"/>
+    <p:sldId id="270" r:id="rId9"/>
+    <p:sldId id="264" r:id="rId10"/>
+    <p:sldId id="269" r:id="rId11"/>
+    <p:sldId id="266" r:id="rId12"/>
   </p:sldIdLst>
   <p:sldSz cx="12192000" cy="6858000"/>
   <p:notesSz cx="6858000" cy="9144000"/>
@@ -1012,6 +1017,91 @@
 </p:notes>
 </file>
 
+<file path=ppt/notesSlides/notesSlide10.xml><?xml version="1.0" encoding="utf-8"?>
+<p:notes xmlns:a="http://schemas.openxmlformats.org/drawingml/2006/main" xmlns:r="http://schemas.openxmlformats.org/officeDocument/2006/relationships" xmlns:p="http://schemas.openxmlformats.org/presentationml/2006/main">
+  <p:cSld>
+    <p:spTree>
+      <p:nvGrpSpPr>
+        <p:cNvPr id="1" name=""/>
+        <p:cNvGrpSpPr/>
+        <p:nvPr/>
+      </p:nvGrpSpPr>
+      <p:grpSpPr>
+        <a:xfrm>
+          <a:off x="0" y="0"/>
+          <a:ext cx="0" cy="0"/>
+          <a:chOff x="0" y="0"/>
+          <a:chExt cx="0" cy="0"/>
+        </a:xfrm>
+      </p:grpSpPr>
+      <p:sp>
+        <p:nvSpPr>
+          <p:cNvPr id="2" name="Zástupný symbol pro obrázek snímku 1"/>
+          <p:cNvSpPr>
+            <a:spLocks noGrp="1" noRot="1" noChangeAspect="1"/>
+          </p:cNvSpPr>
+          <p:nvPr>
+            <p:ph type="sldImg"/>
+          </p:nvPr>
+        </p:nvSpPr>
+        <p:spPr/>
+      </p:sp>
+      <p:sp>
+        <p:nvSpPr>
+          <p:cNvPr id="3" name="Zástupný symbol pro poznámky 2"/>
+          <p:cNvSpPr>
+            <a:spLocks noGrp="1"/>
+          </p:cNvSpPr>
+          <p:nvPr>
+            <p:ph type="body" idx="1"/>
+          </p:nvPr>
+        </p:nvSpPr>
+        <p:spPr/>
+        <p:txBody>
+          <a:bodyPr/>
+          <a:lstStyle/>
+          <a:p>
+            <a:endParaRPr lang="cs-CZ"/>
+          </a:p>
+        </p:txBody>
+      </p:sp>
+      <p:sp>
+        <p:nvSpPr>
+          <p:cNvPr id="4" name="Zástupný symbol pro číslo snímku 3"/>
+          <p:cNvSpPr>
+            <a:spLocks noGrp="1"/>
+          </p:cNvSpPr>
+          <p:nvPr>
+            <p:ph type="sldNum" sz="quarter" idx="10"/>
+          </p:nvPr>
+        </p:nvSpPr>
+        <p:spPr/>
+        <p:txBody>
+          <a:bodyPr/>
+          <a:lstStyle/>
+          <a:p>
+            <a:fld id="{511FA9D6-BDC7-4110-B055-029A3A5CC98B}" type="slidenum">
+              <a:rPr lang="cs-CZ" altLang="cs-CZ" smtClean="0"/>
+              <a:pPr/>
+              <a:t>11</a:t>
+            </a:fld>
+            <a:endParaRPr lang="cs-CZ" altLang="cs-CZ"/>
+          </a:p>
+        </p:txBody>
+      </p:sp>
+    </p:spTree>
+    <p:extLst>
+      <p:ext uri="{BB962C8B-B14F-4D97-AF65-F5344CB8AC3E}">
+        <p14:creationId xmlns:p14="http://schemas.microsoft.com/office/powerpoint/2010/main" val="2934100790"/>
+      </p:ext>
+    </p:extLst>
+  </p:cSld>
+  <p:clrMapOvr>
+    <a:masterClrMapping/>
+  </p:clrMapOvr>
+</p:notes>
+</file>
+
 <file path=ppt/notesSlides/notesSlide2.xml><?xml version="1.0" encoding="utf-8"?>
 <p:notes xmlns:a="http://schemas.openxmlformats.org/drawingml/2006/main" xmlns:r="http://schemas.openxmlformats.org/officeDocument/2006/relationships" xmlns:p="http://schemas.openxmlformats.org/presentationml/2006/main">
   <p:cSld>
@@ -1258,6 +1348,431 @@
     <p:extLst>
       <p:ext uri="{BB962C8B-B14F-4D97-AF65-F5344CB8AC3E}">
         <p14:creationId xmlns:p14="http://schemas.microsoft.com/office/powerpoint/2010/main" val="3620993741"/>
+      </p:ext>
+    </p:extLst>
+  </p:cSld>
+  <p:clrMapOvr>
+    <a:masterClrMapping/>
+  </p:clrMapOvr>
+</p:notes>
+</file>
+
+<file path=ppt/notesSlides/notesSlide5.xml><?xml version="1.0" encoding="utf-8"?>
+<p:notes xmlns:a="http://schemas.openxmlformats.org/drawingml/2006/main" xmlns:r="http://schemas.openxmlformats.org/officeDocument/2006/relationships" xmlns:p="http://schemas.openxmlformats.org/presentationml/2006/main">
+  <p:cSld>
+    <p:spTree>
+      <p:nvGrpSpPr>
+        <p:cNvPr id="1" name=""/>
+        <p:cNvGrpSpPr/>
+        <p:nvPr/>
+      </p:nvGrpSpPr>
+      <p:grpSpPr>
+        <a:xfrm>
+          <a:off x="0" y="0"/>
+          <a:ext cx="0" cy="0"/>
+          <a:chOff x="0" y="0"/>
+          <a:chExt cx="0" cy="0"/>
+        </a:xfrm>
+      </p:grpSpPr>
+      <p:sp>
+        <p:nvSpPr>
+          <p:cNvPr id="2" name="Zástupný symbol pro obrázek snímku 1"/>
+          <p:cNvSpPr>
+            <a:spLocks noGrp="1" noRot="1" noChangeAspect="1"/>
+          </p:cNvSpPr>
+          <p:nvPr>
+            <p:ph type="sldImg"/>
+          </p:nvPr>
+        </p:nvSpPr>
+        <p:spPr/>
+      </p:sp>
+      <p:sp>
+        <p:nvSpPr>
+          <p:cNvPr id="3" name="Zástupný symbol pro poznámky 2"/>
+          <p:cNvSpPr>
+            <a:spLocks noGrp="1"/>
+          </p:cNvSpPr>
+          <p:nvPr>
+            <p:ph type="body" idx="1"/>
+          </p:nvPr>
+        </p:nvSpPr>
+        <p:spPr/>
+        <p:txBody>
+          <a:bodyPr/>
+          <a:lstStyle/>
+          <a:p>
+            <a:endParaRPr lang="cs-CZ"/>
+          </a:p>
+        </p:txBody>
+      </p:sp>
+      <p:sp>
+        <p:nvSpPr>
+          <p:cNvPr id="4" name="Zástupný symbol pro číslo snímku 3"/>
+          <p:cNvSpPr>
+            <a:spLocks noGrp="1"/>
+          </p:cNvSpPr>
+          <p:nvPr>
+            <p:ph type="sldNum" sz="quarter" idx="10"/>
+          </p:nvPr>
+        </p:nvSpPr>
+        <p:spPr/>
+        <p:txBody>
+          <a:bodyPr/>
+          <a:lstStyle/>
+          <a:p>
+            <a:fld id="{511FA9D6-BDC7-4110-B055-029A3A5CC98B}" type="slidenum">
+              <a:rPr lang="cs-CZ" altLang="cs-CZ" smtClean="0"/>
+              <a:pPr/>
+              <a:t>6</a:t>
+            </a:fld>
+            <a:endParaRPr lang="cs-CZ" altLang="cs-CZ"/>
+          </a:p>
+        </p:txBody>
+      </p:sp>
+    </p:spTree>
+    <p:extLst>
+      <p:ext uri="{BB962C8B-B14F-4D97-AF65-F5344CB8AC3E}">
+        <p14:creationId xmlns:p14="http://schemas.microsoft.com/office/powerpoint/2010/main" val="2919725827"/>
+      </p:ext>
+    </p:extLst>
+  </p:cSld>
+  <p:clrMapOvr>
+    <a:masterClrMapping/>
+  </p:clrMapOvr>
+</p:notes>
+</file>
+
+<file path=ppt/notesSlides/notesSlide6.xml><?xml version="1.0" encoding="utf-8"?>
+<p:notes xmlns:a="http://schemas.openxmlformats.org/drawingml/2006/main" xmlns:r="http://schemas.openxmlformats.org/officeDocument/2006/relationships" xmlns:p="http://schemas.openxmlformats.org/presentationml/2006/main">
+  <p:cSld>
+    <p:spTree>
+      <p:nvGrpSpPr>
+        <p:cNvPr id="1" name=""/>
+        <p:cNvGrpSpPr/>
+        <p:nvPr/>
+      </p:nvGrpSpPr>
+      <p:grpSpPr>
+        <a:xfrm>
+          <a:off x="0" y="0"/>
+          <a:ext cx="0" cy="0"/>
+          <a:chOff x="0" y="0"/>
+          <a:chExt cx="0" cy="0"/>
+        </a:xfrm>
+      </p:grpSpPr>
+      <p:sp>
+        <p:nvSpPr>
+          <p:cNvPr id="2" name="Zástupný symbol pro obrázek snímku 1"/>
+          <p:cNvSpPr>
+            <a:spLocks noGrp="1" noRot="1" noChangeAspect="1"/>
+          </p:cNvSpPr>
+          <p:nvPr>
+            <p:ph type="sldImg"/>
+          </p:nvPr>
+        </p:nvSpPr>
+        <p:spPr/>
+      </p:sp>
+      <p:sp>
+        <p:nvSpPr>
+          <p:cNvPr id="3" name="Zástupný symbol pro poznámky 2"/>
+          <p:cNvSpPr>
+            <a:spLocks noGrp="1"/>
+          </p:cNvSpPr>
+          <p:nvPr>
+            <p:ph type="body" idx="1"/>
+          </p:nvPr>
+        </p:nvSpPr>
+        <p:spPr/>
+        <p:txBody>
+          <a:bodyPr/>
+          <a:lstStyle/>
+          <a:p>
+            <a:endParaRPr lang="cs-CZ"/>
+          </a:p>
+        </p:txBody>
+      </p:sp>
+      <p:sp>
+        <p:nvSpPr>
+          <p:cNvPr id="4" name="Zástupný symbol pro číslo snímku 3"/>
+          <p:cNvSpPr>
+            <a:spLocks noGrp="1"/>
+          </p:cNvSpPr>
+          <p:nvPr>
+            <p:ph type="sldNum" sz="quarter" idx="10"/>
+          </p:nvPr>
+        </p:nvSpPr>
+        <p:spPr/>
+        <p:txBody>
+          <a:bodyPr/>
+          <a:lstStyle/>
+          <a:p>
+            <a:fld id="{511FA9D6-BDC7-4110-B055-029A3A5CC98B}" type="slidenum">
+              <a:rPr lang="cs-CZ" altLang="cs-CZ" smtClean="0"/>
+              <a:pPr/>
+              <a:t>7</a:t>
+            </a:fld>
+            <a:endParaRPr lang="cs-CZ" altLang="cs-CZ"/>
+          </a:p>
+        </p:txBody>
+      </p:sp>
+    </p:spTree>
+    <p:extLst>
+      <p:ext uri="{BB962C8B-B14F-4D97-AF65-F5344CB8AC3E}">
+        <p14:creationId xmlns:p14="http://schemas.microsoft.com/office/powerpoint/2010/main" val="672997039"/>
+      </p:ext>
+    </p:extLst>
+  </p:cSld>
+  <p:clrMapOvr>
+    <a:masterClrMapping/>
+  </p:clrMapOvr>
+</p:notes>
+</file>
+
+<file path=ppt/notesSlides/notesSlide7.xml><?xml version="1.0" encoding="utf-8"?>
+<p:notes xmlns:a="http://schemas.openxmlformats.org/drawingml/2006/main" xmlns:r="http://schemas.openxmlformats.org/officeDocument/2006/relationships" xmlns:p="http://schemas.openxmlformats.org/presentationml/2006/main">
+  <p:cSld>
+    <p:spTree>
+      <p:nvGrpSpPr>
+        <p:cNvPr id="1" name=""/>
+        <p:cNvGrpSpPr/>
+        <p:nvPr/>
+      </p:nvGrpSpPr>
+      <p:grpSpPr>
+        <a:xfrm>
+          <a:off x="0" y="0"/>
+          <a:ext cx="0" cy="0"/>
+          <a:chOff x="0" y="0"/>
+          <a:chExt cx="0" cy="0"/>
+        </a:xfrm>
+      </p:grpSpPr>
+      <p:sp>
+        <p:nvSpPr>
+          <p:cNvPr id="2" name="Zástupný symbol pro obrázek snímku 1"/>
+          <p:cNvSpPr>
+            <a:spLocks noGrp="1" noRot="1" noChangeAspect="1"/>
+          </p:cNvSpPr>
+          <p:nvPr>
+            <p:ph type="sldImg"/>
+          </p:nvPr>
+        </p:nvSpPr>
+        <p:spPr/>
+      </p:sp>
+      <p:sp>
+        <p:nvSpPr>
+          <p:cNvPr id="3" name="Zástupný symbol pro poznámky 2"/>
+          <p:cNvSpPr>
+            <a:spLocks noGrp="1"/>
+          </p:cNvSpPr>
+          <p:nvPr>
+            <p:ph type="body" idx="1"/>
+          </p:nvPr>
+        </p:nvSpPr>
+        <p:spPr/>
+        <p:txBody>
+          <a:bodyPr/>
+          <a:lstStyle/>
+          <a:p>
+            <a:endParaRPr lang="cs-CZ"/>
+          </a:p>
+        </p:txBody>
+      </p:sp>
+      <p:sp>
+        <p:nvSpPr>
+          <p:cNvPr id="4" name="Zástupný symbol pro číslo snímku 3"/>
+          <p:cNvSpPr>
+            <a:spLocks noGrp="1"/>
+          </p:cNvSpPr>
+          <p:nvPr>
+            <p:ph type="sldNum" sz="quarter" idx="10"/>
+          </p:nvPr>
+        </p:nvSpPr>
+        <p:spPr/>
+        <p:txBody>
+          <a:bodyPr/>
+          <a:lstStyle/>
+          <a:p>
+            <a:fld id="{511FA9D6-BDC7-4110-B055-029A3A5CC98B}" type="slidenum">
+              <a:rPr lang="cs-CZ" altLang="cs-CZ" smtClean="0"/>
+              <a:pPr/>
+              <a:t>8</a:t>
+            </a:fld>
+            <a:endParaRPr lang="cs-CZ" altLang="cs-CZ"/>
+          </a:p>
+        </p:txBody>
+      </p:sp>
+    </p:spTree>
+    <p:extLst>
+      <p:ext uri="{BB962C8B-B14F-4D97-AF65-F5344CB8AC3E}">
+        <p14:creationId xmlns:p14="http://schemas.microsoft.com/office/powerpoint/2010/main" val="755988624"/>
+      </p:ext>
+    </p:extLst>
+  </p:cSld>
+  <p:clrMapOvr>
+    <a:masterClrMapping/>
+  </p:clrMapOvr>
+</p:notes>
+</file>
+
+<file path=ppt/notesSlides/notesSlide8.xml><?xml version="1.0" encoding="utf-8"?>
+<p:notes xmlns:a="http://schemas.openxmlformats.org/drawingml/2006/main" xmlns:r="http://schemas.openxmlformats.org/officeDocument/2006/relationships" xmlns:p="http://schemas.openxmlformats.org/presentationml/2006/main">
+  <p:cSld>
+    <p:spTree>
+      <p:nvGrpSpPr>
+        <p:cNvPr id="1" name=""/>
+        <p:cNvGrpSpPr/>
+        <p:nvPr/>
+      </p:nvGrpSpPr>
+      <p:grpSpPr>
+        <a:xfrm>
+          <a:off x="0" y="0"/>
+          <a:ext cx="0" cy="0"/>
+          <a:chOff x="0" y="0"/>
+          <a:chExt cx="0" cy="0"/>
+        </a:xfrm>
+      </p:grpSpPr>
+      <p:sp>
+        <p:nvSpPr>
+          <p:cNvPr id="2" name="Zástupný symbol pro obrázek snímku 1"/>
+          <p:cNvSpPr>
+            <a:spLocks noGrp="1" noRot="1" noChangeAspect="1"/>
+          </p:cNvSpPr>
+          <p:nvPr>
+            <p:ph type="sldImg"/>
+          </p:nvPr>
+        </p:nvSpPr>
+        <p:spPr/>
+      </p:sp>
+      <p:sp>
+        <p:nvSpPr>
+          <p:cNvPr id="3" name="Zástupný symbol pro poznámky 2"/>
+          <p:cNvSpPr>
+            <a:spLocks noGrp="1"/>
+          </p:cNvSpPr>
+          <p:nvPr>
+            <p:ph type="body" idx="1"/>
+          </p:nvPr>
+        </p:nvSpPr>
+        <p:spPr/>
+        <p:txBody>
+          <a:bodyPr/>
+          <a:lstStyle/>
+          <a:p>
+            <a:endParaRPr lang="cs-CZ"/>
+          </a:p>
+        </p:txBody>
+      </p:sp>
+      <p:sp>
+        <p:nvSpPr>
+          <p:cNvPr id="4" name="Zástupný symbol pro číslo snímku 3"/>
+          <p:cNvSpPr>
+            <a:spLocks noGrp="1"/>
+          </p:cNvSpPr>
+          <p:nvPr>
+            <p:ph type="sldNum" sz="quarter" idx="10"/>
+          </p:nvPr>
+        </p:nvSpPr>
+        <p:spPr/>
+        <p:txBody>
+          <a:bodyPr/>
+          <a:lstStyle/>
+          <a:p>
+            <a:fld id="{511FA9D6-BDC7-4110-B055-029A3A5CC98B}" type="slidenum">
+              <a:rPr lang="cs-CZ" altLang="cs-CZ" smtClean="0"/>
+              <a:pPr/>
+              <a:t>9</a:t>
+            </a:fld>
+            <a:endParaRPr lang="cs-CZ" altLang="cs-CZ"/>
+          </a:p>
+        </p:txBody>
+      </p:sp>
+    </p:spTree>
+    <p:extLst>
+      <p:ext uri="{BB962C8B-B14F-4D97-AF65-F5344CB8AC3E}">
+        <p14:creationId xmlns:p14="http://schemas.microsoft.com/office/powerpoint/2010/main" val="398333428"/>
+      </p:ext>
+    </p:extLst>
+  </p:cSld>
+  <p:clrMapOvr>
+    <a:masterClrMapping/>
+  </p:clrMapOvr>
+</p:notes>
+</file>
+
+<file path=ppt/notesSlides/notesSlide9.xml><?xml version="1.0" encoding="utf-8"?>
+<p:notes xmlns:a="http://schemas.openxmlformats.org/drawingml/2006/main" xmlns:r="http://schemas.openxmlformats.org/officeDocument/2006/relationships" xmlns:p="http://schemas.openxmlformats.org/presentationml/2006/main">
+  <p:cSld>
+    <p:spTree>
+      <p:nvGrpSpPr>
+        <p:cNvPr id="1" name=""/>
+        <p:cNvGrpSpPr/>
+        <p:nvPr/>
+      </p:nvGrpSpPr>
+      <p:grpSpPr>
+        <a:xfrm>
+          <a:off x="0" y="0"/>
+          <a:ext cx="0" cy="0"/>
+          <a:chOff x="0" y="0"/>
+          <a:chExt cx="0" cy="0"/>
+        </a:xfrm>
+      </p:grpSpPr>
+      <p:sp>
+        <p:nvSpPr>
+          <p:cNvPr id="2" name="Zástupný symbol pro obrázek snímku 1"/>
+          <p:cNvSpPr>
+            <a:spLocks noGrp="1" noRot="1" noChangeAspect="1"/>
+          </p:cNvSpPr>
+          <p:nvPr>
+            <p:ph type="sldImg"/>
+          </p:nvPr>
+        </p:nvSpPr>
+        <p:spPr/>
+      </p:sp>
+      <p:sp>
+        <p:nvSpPr>
+          <p:cNvPr id="3" name="Zástupný symbol pro poznámky 2"/>
+          <p:cNvSpPr>
+            <a:spLocks noGrp="1"/>
+          </p:cNvSpPr>
+          <p:nvPr>
+            <p:ph type="body" idx="1"/>
+          </p:nvPr>
+        </p:nvSpPr>
+        <p:spPr/>
+        <p:txBody>
+          <a:bodyPr/>
+          <a:lstStyle/>
+          <a:p>
+            <a:endParaRPr lang="cs-CZ"/>
+          </a:p>
+        </p:txBody>
+      </p:sp>
+      <p:sp>
+        <p:nvSpPr>
+          <p:cNvPr id="4" name="Zástupný symbol pro číslo snímku 3"/>
+          <p:cNvSpPr>
+            <a:spLocks noGrp="1"/>
+          </p:cNvSpPr>
+          <p:nvPr>
+            <p:ph type="sldNum" sz="quarter" idx="10"/>
+          </p:nvPr>
+        </p:nvSpPr>
+        <p:spPr/>
+        <p:txBody>
+          <a:bodyPr/>
+          <a:lstStyle/>
+          <a:p>
+            <a:fld id="{511FA9D6-BDC7-4110-B055-029A3A5CC98B}" type="slidenum">
+              <a:rPr lang="cs-CZ" altLang="cs-CZ" smtClean="0"/>
+              <a:pPr/>
+              <a:t>10</a:t>
+            </a:fld>
+            <a:endParaRPr lang="cs-CZ" altLang="cs-CZ"/>
+          </a:p>
+        </p:txBody>
+      </p:sp>
+    </p:spTree>
+    <p:extLst>
+      <p:ext uri="{BB962C8B-B14F-4D97-AF65-F5344CB8AC3E}">
+        <p14:creationId xmlns:p14="http://schemas.microsoft.com/office/powerpoint/2010/main" val="64179793"/>
       </p:ext>
     </p:extLst>
   </p:cSld>
@@ -4042,6 +4557,1770 @@
 </p:sld>
 </file>
 
+<file path=ppt/slides/slide10.xml><?xml version="1.0" encoding="utf-8"?>
+<p:sld xmlns:a="http://schemas.openxmlformats.org/drawingml/2006/main" xmlns:r="http://schemas.openxmlformats.org/officeDocument/2006/relationships" xmlns:p="http://schemas.openxmlformats.org/presentationml/2006/main">
+  <p:cSld>
+    <p:spTree>
+      <p:nvGrpSpPr>
+        <p:cNvPr id="1" name=""/>
+        <p:cNvGrpSpPr/>
+        <p:nvPr/>
+      </p:nvGrpSpPr>
+      <p:grpSpPr>
+        <a:xfrm>
+          <a:off x="0" y="0"/>
+          <a:ext cx="0" cy="0"/>
+          <a:chOff x="0" y="0"/>
+          <a:chExt cx="0" cy="0"/>
+        </a:xfrm>
+      </p:grpSpPr>
+      <p:sp>
+        <p:nvSpPr>
+          <p:cNvPr id="2" name="Nadpis 1"/>
+          <p:cNvSpPr>
+            <a:spLocks noGrp="1"/>
+          </p:cNvSpPr>
+          <p:nvPr>
+            <p:ph type="title"/>
+          </p:nvPr>
+        </p:nvSpPr>
+        <p:spPr/>
+        <p:txBody>
+          <a:bodyPr/>
+          <a:lstStyle/>
+          <a:p>
+            <a:r>
+              <a:rPr lang="cs-CZ" dirty="0"/>
+              <a:t>Vliv tvaru okolí pixelu (rozšíření pro předmět BIN)</a:t>
+            </a:r>
+          </a:p>
+        </p:txBody>
+      </p:sp>
+      <p:sp>
+        <p:nvSpPr>
+          <p:cNvPr id="5" name="Zástupný symbol pro zápatí 3">
+            <a:extLst>
+              <a:ext uri="{FF2B5EF4-FFF2-40B4-BE49-F238E27FC236}">
+                <a16:creationId xmlns:a16="http://schemas.microsoft.com/office/drawing/2014/main" id="{3DE61977-3B64-3A40-2C61-7D194B9677EC}"/>
+              </a:ext>
+            </a:extLst>
+          </p:cNvPr>
+          <p:cNvSpPr>
+            <a:spLocks noGrp="1"/>
+          </p:cNvSpPr>
+          <p:nvPr>
+            <p:ph type="ftr" sz="quarter" idx="10"/>
+          </p:nvPr>
+        </p:nvSpPr>
+        <p:spPr>
+          <a:xfrm>
+            <a:off x="1631504" y="6518422"/>
+            <a:ext cx="10464800" cy="333375"/>
+          </a:xfrm>
+        </p:spPr>
+        <p:txBody>
+          <a:bodyPr/>
+          <a:lstStyle/>
+          <a:p>
+            <a:pPr>
+              <a:defRPr/>
+            </a:pPr>
+            <a:r>
+              <a:rPr lang="cs-CZ" dirty="0"/>
+              <a:t>1/x</a:t>
+            </a:r>
+          </a:p>
+        </p:txBody>
+      </p:sp>
+      <p:pic>
+        <p:nvPicPr>
+          <p:cNvPr id="4" name="Obrázek 3" descr="Obsah obrázku text, venku, mrakodrap, Výšková budova&#10;&#10;Popis byl vytvořen automaticky">
+            <a:extLst>
+              <a:ext uri="{FF2B5EF4-FFF2-40B4-BE49-F238E27FC236}">
+                <a16:creationId xmlns:a16="http://schemas.microsoft.com/office/drawing/2014/main" id="{FE118B9F-F3D9-98B8-5F33-A144D02B9A69}"/>
+              </a:ext>
+            </a:extLst>
+          </p:cNvPr>
+          <p:cNvPicPr>
+            <a:picLocks noChangeAspect="1"/>
+          </p:cNvPicPr>
+          <p:nvPr/>
+        </p:nvPicPr>
+        <p:blipFill>
+          <a:blip r:embed="rId3">
+            <a:extLst>
+              <a:ext uri="{28A0092B-C50C-407E-A947-70E740481C1C}">
+                <a14:useLocalDpi xmlns:a14="http://schemas.microsoft.com/office/drawing/2010/main" val="0"/>
+              </a:ext>
+            </a:extLst>
+          </a:blip>
+          <a:stretch>
+            <a:fillRect/>
+          </a:stretch>
+        </p:blipFill>
+        <p:spPr>
+          <a:xfrm>
+            <a:off x="9984432" y="4282631"/>
+            <a:ext cx="1817804" cy="1817804"/>
+          </a:xfrm>
+          <a:prstGeom prst="rect">
+            <a:avLst/>
+          </a:prstGeom>
+        </p:spPr>
+      </p:pic>
+      <p:pic>
+        <p:nvPicPr>
+          <p:cNvPr id="7" name="Obrázek 6" descr="Obsah obrázku text, černobílá, snímek obrazovky, černobílý&#10;&#10;Popis byl vytvořen automaticky">
+            <a:extLst>
+              <a:ext uri="{FF2B5EF4-FFF2-40B4-BE49-F238E27FC236}">
+                <a16:creationId xmlns:a16="http://schemas.microsoft.com/office/drawing/2014/main" id="{32382090-9624-9C61-9CFF-82AECC9507C6}"/>
+              </a:ext>
+            </a:extLst>
+          </p:cNvPr>
+          <p:cNvPicPr>
+            <a:picLocks noChangeAspect="1"/>
+          </p:cNvPicPr>
+          <p:nvPr/>
+        </p:nvPicPr>
+        <p:blipFill>
+          <a:blip r:embed="rId4">
+            <a:extLst>
+              <a:ext uri="{28A0092B-C50C-407E-A947-70E740481C1C}">
+                <a14:useLocalDpi xmlns:a14="http://schemas.microsoft.com/office/drawing/2010/main" val="0"/>
+              </a:ext>
+            </a:extLst>
+          </a:blip>
+          <a:stretch>
+            <a:fillRect/>
+          </a:stretch>
+        </p:blipFill>
+        <p:spPr>
+          <a:xfrm>
+            <a:off x="9984432" y="2225546"/>
+            <a:ext cx="1817804" cy="1817804"/>
+          </a:xfrm>
+          <a:prstGeom prst="rect">
+            <a:avLst/>
+          </a:prstGeom>
+        </p:spPr>
+      </p:pic>
+      <p:pic>
+        <p:nvPicPr>
+          <p:cNvPr id="11" name="Obrázek 10" descr="Obsah obrázku venku, budova, obloha, mrakodrap&#10;&#10;Popis byl vytvořen automaticky">
+            <a:extLst>
+              <a:ext uri="{FF2B5EF4-FFF2-40B4-BE49-F238E27FC236}">
+                <a16:creationId xmlns:a16="http://schemas.microsoft.com/office/drawing/2014/main" id="{E1D62402-E01D-1558-684C-8C208A45CB7E}"/>
+              </a:ext>
+            </a:extLst>
+          </p:cNvPr>
+          <p:cNvPicPr>
+            <a:picLocks noChangeAspect="1"/>
+          </p:cNvPicPr>
+          <p:nvPr/>
+        </p:nvPicPr>
+        <p:blipFill>
+          <a:blip r:embed="rId5">
+            <a:extLst>
+              <a:ext uri="{28A0092B-C50C-407E-A947-70E740481C1C}">
+                <a14:useLocalDpi xmlns:a14="http://schemas.microsoft.com/office/drawing/2010/main" val="0"/>
+              </a:ext>
+            </a:extLst>
+          </a:blip>
+          <a:stretch>
+            <a:fillRect/>
+          </a:stretch>
+        </p:blipFill>
+        <p:spPr>
+          <a:xfrm>
+            <a:off x="839414" y="4312858"/>
+            <a:ext cx="1817805" cy="1817805"/>
+          </a:xfrm>
+          <a:prstGeom prst="rect">
+            <a:avLst/>
+          </a:prstGeom>
+        </p:spPr>
+      </p:pic>
+      <p:pic>
+        <p:nvPicPr>
+          <p:cNvPr id="15" name="Obrázek 14" descr="Obsah obrázku bílé, design&#10;&#10;Popis byl vytvořen automaticky">
+            <a:extLst>
+              <a:ext uri="{FF2B5EF4-FFF2-40B4-BE49-F238E27FC236}">
+                <a16:creationId xmlns:a16="http://schemas.microsoft.com/office/drawing/2014/main" id="{67911A85-DF22-16FF-554B-54A9BD4EB6CA}"/>
+              </a:ext>
+            </a:extLst>
+          </p:cNvPr>
+          <p:cNvPicPr>
+            <a:picLocks noChangeAspect="1"/>
+          </p:cNvPicPr>
+          <p:nvPr/>
+        </p:nvPicPr>
+        <p:blipFill>
+          <a:blip r:embed="rId6">
+            <a:extLst>
+              <a:ext uri="{28A0092B-C50C-407E-A947-70E740481C1C}">
+                <a14:useLocalDpi xmlns:a14="http://schemas.microsoft.com/office/drawing/2010/main" val="0"/>
+              </a:ext>
+            </a:extLst>
+          </a:blip>
+          <a:stretch>
+            <a:fillRect/>
+          </a:stretch>
+        </p:blipFill>
+        <p:spPr>
+          <a:xfrm>
+            <a:off x="2927648" y="2237266"/>
+            <a:ext cx="1817804" cy="1817804"/>
+          </a:xfrm>
+          <a:prstGeom prst="rect">
+            <a:avLst/>
+          </a:prstGeom>
+          <a:ln>
+            <a:solidFill>
+              <a:schemeClr val="tx1"/>
+            </a:solidFill>
+          </a:ln>
+        </p:spPr>
+      </p:pic>
+      <p:pic>
+        <p:nvPicPr>
+          <p:cNvPr id="17" name="Obrázek 16" descr="Obsah obrázku skica, kresba, černobílá, Černobílá fotografie&#10;&#10;Popis byl vytvořen automaticky">
+            <a:extLst>
+              <a:ext uri="{FF2B5EF4-FFF2-40B4-BE49-F238E27FC236}">
+                <a16:creationId xmlns:a16="http://schemas.microsoft.com/office/drawing/2014/main" id="{C20D6CD2-682A-8B26-14C9-3EFF162F7E62}"/>
+              </a:ext>
+            </a:extLst>
+          </p:cNvPr>
+          <p:cNvPicPr>
+            <a:picLocks noChangeAspect="1"/>
+          </p:cNvPicPr>
+          <p:nvPr/>
+        </p:nvPicPr>
+        <p:blipFill>
+          <a:blip r:embed="rId7">
+            <a:extLst>
+              <a:ext uri="{28A0092B-C50C-407E-A947-70E740481C1C}">
+                <a14:useLocalDpi xmlns:a14="http://schemas.microsoft.com/office/drawing/2010/main" val="0"/>
+              </a:ext>
+            </a:extLst>
+          </a:blip>
+          <a:stretch>
+            <a:fillRect/>
+          </a:stretch>
+        </p:blipFill>
+        <p:spPr>
+          <a:xfrm>
+            <a:off x="7896201" y="2220540"/>
+            <a:ext cx="1817804" cy="1817804"/>
+          </a:xfrm>
+          <a:prstGeom prst="rect">
+            <a:avLst/>
+          </a:prstGeom>
+        </p:spPr>
+      </p:pic>
+      <p:pic>
+        <p:nvPicPr>
+          <p:cNvPr id="19" name="Obrázek 18" descr="Obsah obrázku mrakodrap, budova, venku, Výšková budova&#10;&#10;Popis byl vytvořen automaticky">
+            <a:extLst>
+              <a:ext uri="{FF2B5EF4-FFF2-40B4-BE49-F238E27FC236}">
+                <a16:creationId xmlns:a16="http://schemas.microsoft.com/office/drawing/2014/main" id="{FCBF538E-91D9-4B88-A446-5D3894BAD965}"/>
+              </a:ext>
+            </a:extLst>
+          </p:cNvPr>
+          <p:cNvPicPr>
+            <a:picLocks noChangeAspect="1"/>
+          </p:cNvPicPr>
+          <p:nvPr/>
+        </p:nvPicPr>
+        <p:blipFill>
+          <a:blip r:embed="rId8">
+            <a:extLst>
+              <a:ext uri="{28A0092B-C50C-407E-A947-70E740481C1C}">
+                <a14:useLocalDpi xmlns:a14="http://schemas.microsoft.com/office/drawing/2010/main" val="0"/>
+              </a:ext>
+            </a:extLst>
+          </a:blip>
+          <a:stretch>
+            <a:fillRect/>
+          </a:stretch>
+        </p:blipFill>
+        <p:spPr>
+          <a:xfrm>
+            <a:off x="7943212" y="4282631"/>
+            <a:ext cx="1817804" cy="1817804"/>
+          </a:xfrm>
+          <a:prstGeom prst="rect">
+            <a:avLst/>
+          </a:prstGeom>
+        </p:spPr>
+      </p:pic>
+      <p:sp>
+        <p:nvSpPr>
+          <p:cNvPr id="20" name="TextovéPole 19">
+            <a:extLst>
+              <a:ext uri="{FF2B5EF4-FFF2-40B4-BE49-F238E27FC236}">
+                <a16:creationId xmlns:a16="http://schemas.microsoft.com/office/drawing/2014/main" id="{19381E42-A43B-AE22-6348-8D2E0EBC10B6}"/>
+              </a:ext>
+            </a:extLst>
+          </p:cNvPr>
+          <p:cNvSpPr txBox="1"/>
+          <p:nvPr/>
+        </p:nvSpPr>
+        <p:spPr>
+          <a:xfrm>
+            <a:off x="2976377" y="628981"/>
+            <a:ext cx="1720343" cy="492443"/>
+          </a:xfrm>
+          <a:prstGeom prst="rect">
+            <a:avLst/>
+          </a:prstGeom>
+          <a:noFill/>
+        </p:spPr>
+        <p:txBody>
+          <a:bodyPr wrap="none" rtlCol="0">
+            <a:spAutoFit/>
+          </a:bodyPr>
+          <a:lstStyle/>
+          <a:p>
+            <a:pPr algn="l">
+              <a:buNone/>
+            </a:pPr>
+            <a:r>
+              <a:rPr lang="cs-CZ" sz="2600" b="0" dirty="0">
+                <a:solidFill>
+                  <a:schemeClr val="tx1"/>
+                </a:solidFill>
+                <a:latin typeface="Calibri" panose="020F0502020204030204" pitchFamily="34" charset="0"/>
+                <a:ea typeface="Calibri" panose="020F0502020204030204" pitchFamily="34" charset="0"/>
+                <a:cs typeface="Calibri" panose="020F0502020204030204" pitchFamily="34" charset="0"/>
+              </a:rPr>
+              <a:t>Gauss. šum</a:t>
+            </a:r>
+          </a:p>
+        </p:txBody>
+      </p:sp>
+      <p:pic>
+        <p:nvPicPr>
+          <p:cNvPr id="21" name="Grafický objekt 20">
+            <a:extLst>
+              <a:ext uri="{FF2B5EF4-FFF2-40B4-BE49-F238E27FC236}">
+                <a16:creationId xmlns:a16="http://schemas.microsoft.com/office/drawing/2014/main" id="{7AA676E6-5D4C-9AC8-CE15-49ED7D01340D}"/>
+              </a:ext>
+            </a:extLst>
+          </p:cNvPr>
+          <p:cNvPicPr>
+            <a:picLocks noChangeAspect="1"/>
+          </p:cNvPicPr>
+          <p:nvPr/>
+        </p:nvPicPr>
+        <p:blipFill>
+          <a:blip r:embed="rId9">
+            <a:extLst>
+              <a:ext uri="{96DAC541-7B7A-43D3-8B79-37D633B846F1}">
+                <asvg:svgBlip xmlns:asvg="http://schemas.microsoft.com/office/drawing/2016/SVG/main" r:embed="rId10"/>
+              </a:ext>
+            </a:extLst>
+          </a:blip>
+          <a:stretch>
+            <a:fillRect/>
+          </a:stretch>
+        </p:blipFill>
+        <p:spPr>
+          <a:xfrm>
+            <a:off x="1454370" y="1355571"/>
+            <a:ext cx="613105" cy="613659"/>
+          </a:xfrm>
+          <a:prstGeom prst="rect">
+            <a:avLst/>
+          </a:prstGeom>
+        </p:spPr>
+      </p:pic>
+      <p:pic>
+        <p:nvPicPr>
+          <p:cNvPr id="22" name="Obrázek 21" descr="Obsah obrázku skica, kresba, text, umění&#10;&#10;Popis byl vytvořen automaticky">
+            <a:extLst>
+              <a:ext uri="{FF2B5EF4-FFF2-40B4-BE49-F238E27FC236}">
+                <a16:creationId xmlns:a16="http://schemas.microsoft.com/office/drawing/2014/main" id="{57E32EAB-3043-F258-BBF0-DFF3A4AE5A31}"/>
+              </a:ext>
+            </a:extLst>
+          </p:cNvPr>
+          <p:cNvPicPr>
+            <a:picLocks noChangeAspect="1"/>
+          </p:cNvPicPr>
+          <p:nvPr/>
+        </p:nvPicPr>
+        <p:blipFill>
+          <a:blip r:embed="rId11">
+            <a:extLst>
+              <a:ext uri="{28A0092B-C50C-407E-A947-70E740481C1C}">
+                <a14:useLocalDpi xmlns:a14="http://schemas.microsoft.com/office/drawing/2010/main" val="0"/>
+              </a:ext>
+            </a:extLst>
+          </a:blip>
+          <a:stretch>
+            <a:fillRect/>
+          </a:stretch>
+        </p:blipFill>
+        <p:spPr>
+          <a:xfrm>
+            <a:off x="839414" y="2254255"/>
+            <a:ext cx="1817805" cy="1817805"/>
+          </a:xfrm>
+          <a:prstGeom prst="rect">
+            <a:avLst/>
+          </a:prstGeom>
+        </p:spPr>
+      </p:pic>
+      <p:pic>
+        <p:nvPicPr>
+          <p:cNvPr id="28" name="Obrázek 27" descr="Obsah obrázku černobílá, venku, budova, obloha&#10;&#10;Popis byl vytvořen automaticky">
+            <a:extLst>
+              <a:ext uri="{FF2B5EF4-FFF2-40B4-BE49-F238E27FC236}">
+                <a16:creationId xmlns:a16="http://schemas.microsoft.com/office/drawing/2014/main" id="{F22B9E93-2C05-B0E2-A977-C710C1E8098F}"/>
+              </a:ext>
+            </a:extLst>
+          </p:cNvPr>
+          <p:cNvPicPr>
+            <a:picLocks noChangeAspect="1"/>
+          </p:cNvPicPr>
+          <p:nvPr/>
+        </p:nvPicPr>
+        <p:blipFill>
+          <a:blip r:embed="rId12">
+            <a:extLst>
+              <a:ext uri="{28A0092B-C50C-407E-A947-70E740481C1C}">
+                <a14:useLocalDpi xmlns:a14="http://schemas.microsoft.com/office/drawing/2010/main" val="0"/>
+              </a:ext>
+            </a:extLst>
+          </a:blip>
+          <a:stretch>
+            <a:fillRect/>
+          </a:stretch>
+        </p:blipFill>
+        <p:spPr>
+          <a:xfrm>
+            <a:off x="2927647" y="4309560"/>
+            <a:ext cx="1817805" cy="1817805"/>
+          </a:xfrm>
+          <a:prstGeom prst="rect">
+            <a:avLst/>
+          </a:prstGeom>
+        </p:spPr>
+      </p:pic>
+      <p:pic>
+        <p:nvPicPr>
+          <p:cNvPr id="30" name="Grafický objekt 29">
+            <a:extLst>
+              <a:ext uri="{FF2B5EF4-FFF2-40B4-BE49-F238E27FC236}">
+                <a16:creationId xmlns:a16="http://schemas.microsoft.com/office/drawing/2014/main" id="{8218D1B3-126C-4F1A-6FAD-5DE096FBE02B}"/>
+              </a:ext>
+            </a:extLst>
+          </p:cNvPr>
+          <p:cNvPicPr>
+            <a:picLocks noChangeAspect="1"/>
+          </p:cNvPicPr>
+          <p:nvPr/>
+        </p:nvPicPr>
+        <p:blipFill>
+          <a:blip r:embed="rId13">
+            <a:extLst>
+              <a:ext uri="{96DAC541-7B7A-43D3-8B79-37D633B846F1}">
+                <asvg:svgBlip xmlns:asvg="http://schemas.microsoft.com/office/drawing/2016/SVG/main" r:embed="rId14"/>
+              </a:ext>
+            </a:extLst>
+          </a:blip>
+          <a:stretch>
+            <a:fillRect/>
+          </a:stretch>
+        </p:blipFill>
+        <p:spPr>
+          <a:xfrm>
+            <a:off x="3592277" y="1439183"/>
+            <a:ext cx="391081" cy="391435"/>
+          </a:xfrm>
+          <a:prstGeom prst="rect">
+            <a:avLst/>
+          </a:prstGeom>
+        </p:spPr>
+      </p:pic>
+      <p:pic>
+        <p:nvPicPr>
+          <p:cNvPr id="32" name="Grafický objekt 31">
+            <a:extLst>
+              <a:ext uri="{FF2B5EF4-FFF2-40B4-BE49-F238E27FC236}">
+                <a16:creationId xmlns:a16="http://schemas.microsoft.com/office/drawing/2014/main" id="{3DC2BD8B-5DF2-404F-F626-53B728DD0605}"/>
+              </a:ext>
+            </a:extLst>
+          </p:cNvPr>
+          <p:cNvPicPr>
+            <a:picLocks noChangeAspect="1"/>
+          </p:cNvPicPr>
+          <p:nvPr/>
+        </p:nvPicPr>
+        <p:blipFill>
+          <a:blip r:embed="rId15">
+            <a:extLst>
+              <a:ext uri="{96DAC541-7B7A-43D3-8B79-37D633B846F1}">
+                <asvg:svgBlip xmlns:asvg="http://schemas.microsoft.com/office/drawing/2016/SVG/main" r:embed="rId16"/>
+              </a:ext>
+            </a:extLst>
+          </a:blip>
+          <a:stretch>
+            <a:fillRect/>
+          </a:stretch>
+        </p:blipFill>
+        <p:spPr>
+          <a:xfrm>
+            <a:off x="10814754" y="1516200"/>
+            <a:ext cx="157160" cy="453030"/>
+          </a:xfrm>
+          <a:prstGeom prst="rect">
+            <a:avLst/>
+          </a:prstGeom>
+        </p:spPr>
+      </p:pic>
+      <p:pic>
+        <p:nvPicPr>
+          <p:cNvPr id="34" name="Grafický objekt 33">
+            <a:extLst>
+              <a:ext uri="{FF2B5EF4-FFF2-40B4-BE49-F238E27FC236}">
+                <a16:creationId xmlns:a16="http://schemas.microsoft.com/office/drawing/2014/main" id="{9D016ECE-7B78-D974-C2E5-9AD6C07BD976}"/>
+              </a:ext>
+            </a:extLst>
+          </p:cNvPr>
+          <p:cNvPicPr>
+            <a:picLocks noChangeAspect="1"/>
+          </p:cNvPicPr>
+          <p:nvPr/>
+        </p:nvPicPr>
+        <p:blipFill>
+          <a:blip r:embed="rId17">
+            <a:extLst>
+              <a:ext uri="{96DAC541-7B7A-43D3-8B79-37D633B846F1}">
+                <asvg:svgBlip xmlns:asvg="http://schemas.microsoft.com/office/drawing/2016/SVG/main" r:embed="rId18"/>
+              </a:ext>
+            </a:extLst>
+          </a:blip>
+          <a:stretch>
+            <a:fillRect/>
+          </a:stretch>
+        </p:blipFill>
+        <p:spPr>
+          <a:xfrm>
+            <a:off x="8647151" y="1558934"/>
+            <a:ext cx="409925" cy="410296"/>
+          </a:xfrm>
+          <a:prstGeom prst="rect">
+            <a:avLst/>
+          </a:prstGeom>
+        </p:spPr>
+      </p:pic>
+      <p:pic>
+        <p:nvPicPr>
+          <p:cNvPr id="37" name="Obrázek 36" descr="Obsah obrázku venku, budova, obloha, mrakodrap&#10;&#10;Popis byl vytvořen automaticky">
+            <a:extLst>
+              <a:ext uri="{FF2B5EF4-FFF2-40B4-BE49-F238E27FC236}">
+                <a16:creationId xmlns:a16="http://schemas.microsoft.com/office/drawing/2014/main" id="{19C78D57-F3E1-C622-3B7C-CFA082630036}"/>
+              </a:ext>
+            </a:extLst>
+          </p:cNvPr>
+          <p:cNvPicPr>
+            <a:picLocks noChangeAspect="1"/>
+          </p:cNvPicPr>
+          <p:nvPr/>
+        </p:nvPicPr>
+        <p:blipFill>
+          <a:blip r:embed="rId19">
+            <a:extLst>
+              <a:ext uri="{28A0092B-C50C-407E-A947-70E740481C1C}">
+                <a14:useLocalDpi xmlns:a14="http://schemas.microsoft.com/office/drawing/2010/main" val="0"/>
+              </a:ext>
+            </a:extLst>
+          </a:blip>
+          <a:stretch>
+            <a:fillRect/>
+          </a:stretch>
+        </p:blipFill>
+        <p:spPr>
+          <a:xfrm>
+            <a:off x="5000458" y="4309561"/>
+            <a:ext cx="1817804" cy="1817804"/>
+          </a:xfrm>
+          <a:prstGeom prst="rect">
+            <a:avLst/>
+          </a:prstGeom>
+        </p:spPr>
+      </p:pic>
+      <p:pic>
+        <p:nvPicPr>
+          <p:cNvPr id="45" name="Obrázek 44" descr="Obsah obrázku budova, kresba, mrakodrap, skica&#10;&#10;Popis byl vytvořen automaticky">
+            <a:extLst>
+              <a:ext uri="{FF2B5EF4-FFF2-40B4-BE49-F238E27FC236}">
+                <a16:creationId xmlns:a16="http://schemas.microsoft.com/office/drawing/2014/main" id="{38F09579-64ED-5D4B-BF36-FD358DA62774}"/>
+              </a:ext>
+            </a:extLst>
+          </p:cNvPr>
+          <p:cNvPicPr>
+            <a:picLocks noChangeAspect="1"/>
+          </p:cNvPicPr>
+          <p:nvPr/>
+        </p:nvPicPr>
+        <p:blipFill>
+          <a:blip r:embed="rId20">
+            <a:extLst>
+              <a:ext uri="{28A0092B-C50C-407E-A947-70E740481C1C}">
+                <a14:useLocalDpi xmlns:a14="http://schemas.microsoft.com/office/drawing/2010/main" val="0"/>
+              </a:ext>
+            </a:extLst>
+          </a:blip>
+          <a:stretch>
+            <a:fillRect/>
+          </a:stretch>
+        </p:blipFill>
+        <p:spPr>
+          <a:xfrm>
+            <a:off x="4960656" y="2217776"/>
+            <a:ext cx="1857606" cy="1857606"/>
+          </a:xfrm>
+          <a:prstGeom prst="rect">
+            <a:avLst/>
+          </a:prstGeom>
+        </p:spPr>
+      </p:pic>
+      <p:pic>
+        <p:nvPicPr>
+          <p:cNvPr id="48" name="Grafický objekt 47">
+            <a:extLst>
+              <a:ext uri="{FF2B5EF4-FFF2-40B4-BE49-F238E27FC236}">
+                <a16:creationId xmlns:a16="http://schemas.microsoft.com/office/drawing/2014/main" id="{ADF0A1F7-72DB-F8E1-2BFE-7C8560E334B5}"/>
+              </a:ext>
+            </a:extLst>
+          </p:cNvPr>
+          <p:cNvPicPr>
+            <a:picLocks noChangeAspect="1"/>
+          </p:cNvPicPr>
+          <p:nvPr/>
+        </p:nvPicPr>
+        <p:blipFill>
+          <a:blip r:embed="rId17">
+            <a:extLst>
+              <a:ext uri="{96DAC541-7B7A-43D3-8B79-37D633B846F1}">
+                <asvg:svgBlip xmlns:asvg="http://schemas.microsoft.com/office/drawing/2016/SVG/main" r:embed="rId18"/>
+              </a:ext>
+            </a:extLst>
+          </a:blip>
+          <a:stretch>
+            <a:fillRect/>
+          </a:stretch>
+        </p:blipFill>
+        <p:spPr>
+          <a:xfrm>
+            <a:off x="5766798" y="1429752"/>
+            <a:ext cx="409925" cy="410296"/>
+          </a:xfrm>
+          <a:prstGeom prst="rect">
+            <a:avLst/>
+          </a:prstGeom>
+        </p:spPr>
+      </p:pic>
+      <p:sp>
+        <p:nvSpPr>
+          <p:cNvPr id="49" name="TextovéPole 48">
+            <a:extLst>
+              <a:ext uri="{FF2B5EF4-FFF2-40B4-BE49-F238E27FC236}">
+                <a16:creationId xmlns:a16="http://schemas.microsoft.com/office/drawing/2014/main" id="{973A8AE2-E9B3-49F5-F76C-659FD6EE3012}"/>
+              </a:ext>
+            </a:extLst>
+          </p:cNvPr>
+          <p:cNvSpPr txBox="1"/>
+          <p:nvPr/>
+        </p:nvSpPr>
+        <p:spPr>
+          <a:xfrm>
+            <a:off x="8218147" y="843602"/>
+            <a:ext cx="1173911" cy="492443"/>
+          </a:xfrm>
+          <a:prstGeom prst="rect">
+            <a:avLst/>
+          </a:prstGeom>
+          <a:noFill/>
+        </p:spPr>
+        <p:txBody>
+          <a:bodyPr wrap="none" rtlCol="0">
+            <a:spAutoFit/>
+          </a:bodyPr>
+          <a:lstStyle/>
+          <a:p>
+            <a:pPr algn="l">
+              <a:buNone/>
+            </a:pPr>
+            <a:r>
+              <a:rPr lang="cs-CZ" sz="2600" b="0" dirty="0">
+                <a:solidFill>
+                  <a:schemeClr val="tx1"/>
+                </a:solidFill>
+                <a:latin typeface="Calibri" panose="020F0502020204030204" pitchFamily="34" charset="0"/>
+                <a:ea typeface="Calibri" panose="020F0502020204030204" pitchFamily="34" charset="0"/>
+                <a:cs typeface="Calibri" panose="020F0502020204030204" pitchFamily="34" charset="0"/>
+              </a:rPr>
+              <a:t>D. linky</a:t>
+            </a:r>
+          </a:p>
+        </p:txBody>
+      </p:sp>
+      <p:sp>
+        <p:nvSpPr>
+          <p:cNvPr id="50" name="TextovéPole 49">
+            <a:extLst>
+              <a:ext uri="{FF2B5EF4-FFF2-40B4-BE49-F238E27FC236}">
+                <a16:creationId xmlns:a16="http://schemas.microsoft.com/office/drawing/2014/main" id="{4342880B-882C-A572-C9D2-B6EB131C7ADE}"/>
+              </a:ext>
+            </a:extLst>
+          </p:cNvPr>
+          <p:cNvSpPr txBox="1"/>
+          <p:nvPr/>
+        </p:nvSpPr>
+        <p:spPr>
+          <a:xfrm>
+            <a:off x="10306378" y="814763"/>
+            <a:ext cx="1184940" cy="492443"/>
+          </a:xfrm>
+          <a:prstGeom prst="rect">
+            <a:avLst/>
+          </a:prstGeom>
+          <a:noFill/>
+        </p:spPr>
+        <p:txBody>
+          <a:bodyPr wrap="none" rtlCol="0">
+            <a:spAutoFit/>
+          </a:bodyPr>
+          <a:lstStyle/>
+          <a:p>
+            <a:pPr algn="l">
+              <a:buNone/>
+            </a:pPr>
+            <a:r>
+              <a:rPr lang="cs-CZ" sz="2600" b="0" dirty="0">
+                <a:solidFill>
+                  <a:schemeClr val="tx1"/>
+                </a:solidFill>
+                <a:latin typeface="Calibri" panose="020F0502020204030204" pitchFamily="34" charset="0"/>
+                <a:ea typeface="Calibri" panose="020F0502020204030204" pitchFamily="34" charset="0"/>
+                <a:cs typeface="Calibri" panose="020F0502020204030204" pitchFamily="34" charset="0"/>
+              </a:rPr>
+              <a:t>H. linky</a:t>
+            </a:r>
+          </a:p>
+        </p:txBody>
+      </p:sp>
+    </p:spTree>
+    <p:extLst>
+      <p:ext uri="{BB962C8B-B14F-4D97-AF65-F5344CB8AC3E}">
+        <p14:creationId xmlns:p14="http://schemas.microsoft.com/office/powerpoint/2010/main" val="527857523"/>
+      </p:ext>
+    </p:extLst>
+  </p:cSld>
+  <p:clrMapOvr>
+    <a:masterClrMapping/>
+  </p:clrMapOvr>
+</p:sld>
+</file>
+
+<file path=ppt/slides/slide11.xml><?xml version="1.0" encoding="utf-8"?>
+<p:sld xmlns:a="http://schemas.openxmlformats.org/drawingml/2006/main" xmlns:r="http://schemas.openxmlformats.org/officeDocument/2006/relationships" xmlns:p="http://schemas.openxmlformats.org/presentationml/2006/main">
+  <p:cSld>
+    <p:spTree>
+      <p:nvGrpSpPr>
+        <p:cNvPr id="1" name=""/>
+        <p:cNvGrpSpPr/>
+        <p:nvPr/>
+      </p:nvGrpSpPr>
+      <p:grpSpPr>
+        <a:xfrm>
+          <a:off x="0" y="0"/>
+          <a:ext cx="0" cy="0"/>
+          <a:chOff x="0" y="0"/>
+          <a:chExt cx="0" cy="0"/>
+        </a:xfrm>
+      </p:grpSpPr>
+      <p:sp>
+        <p:nvSpPr>
+          <p:cNvPr id="2" name="Nadpis 1"/>
+          <p:cNvSpPr>
+            <a:spLocks noGrp="1"/>
+          </p:cNvSpPr>
+          <p:nvPr>
+            <p:ph type="title"/>
+          </p:nvPr>
+        </p:nvSpPr>
+        <p:spPr/>
+        <p:txBody>
+          <a:bodyPr/>
+          <a:lstStyle/>
+          <a:p>
+            <a:r>
+              <a:rPr lang="cs-CZ" dirty="0"/>
+              <a:t>Děkuji za pozornost!</a:t>
+            </a:r>
+          </a:p>
+        </p:txBody>
+      </p:sp>
+      <p:sp>
+        <p:nvSpPr>
+          <p:cNvPr id="5" name="Zástupný symbol pro zápatí 3">
+            <a:extLst>
+              <a:ext uri="{FF2B5EF4-FFF2-40B4-BE49-F238E27FC236}">
+                <a16:creationId xmlns:a16="http://schemas.microsoft.com/office/drawing/2014/main" id="{3DE61977-3B64-3A40-2C61-7D194B9677EC}"/>
+              </a:ext>
+            </a:extLst>
+          </p:cNvPr>
+          <p:cNvSpPr>
+            <a:spLocks noGrp="1"/>
+          </p:cNvSpPr>
+          <p:nvPr>
+            <p:ph type="ftr" sz="quarter" idx="10"/>
+          </p:nvPr>
+        </p:nvSpPr>
+        <p:spPr>
+          <a:xfrm>
+            <a:off x="1631504" y="6518422"/>
+            <a:ext cx="10464800" cy="333375"/>
+          </a:xfrm>
+        </p:spPr>
+        <p:txBody>
+          <a:bodyPr/>
+          <a:lstStyle/>
+          <a:p>
+            <a:pPr>
+              <a:defRPr/>
+            </a:pPr>
+            <a:r>
+              <a:rPr lang="cs-CZ" dirty="0"/>
+              <a:t>1/x</a:t>
+            </a:r>
+          </a:p>
+        </p:txBody>
+      </p:sp>
+      <p:grpSp>
+        <p:nvGrpSpPr>
+          <p:cNvPr id="50" name="Skupina 49">
+            <a:extLst>
+              <a:ext uri="{FF2B5EF4-FFF2-40B4-BE49-F238E27FC236}">
+                <a16:creationId xmlns:a16="http://schemas.microsoft.com/office/drawing/2014/main" id="{3E061BB6-753F-1B77-85DE-BE69AB330935}"/>
+              </a:ext>
+            </a:extLst>
+          </p:cNvPr>
+          <p:cNvGrpSpPr/>
+          <p:nvPr/>
+        </p:nvGrpSpPr>
+        <p:grpSpPr>
+          <a:xfrm>
+            <a:off x="8760296" y="1196752"/>
+            <a:ext cx="1388382" cy="5109704"/>
+            <a:chOff x="5132058" y="912982"/>
+            <a:chExt cx="1388382" cy="5109704"/>
+          </a:xfrm>
+        </p:grpSpPr>
+        <p:pic>
+          <p:nvPicPr>
+            <p:cNvPr id="19" name="Obrázek 18" descr="Obsah obrázku černobílá, kresba, skica, umění&#10;&#10;Popis byl vytvořen automaticky">
+              <a:extLst>
+                <a:ext uri="{FF2B5EF4-FFF2-40B4-BE49-F238E27FC236}">
+                  <a16:creationId xmlns:a16="http://schemas.microsoft.com/office/drawing/2014/main" id="{1955872D-7B41-BF3E-0D52-4706C313CFE7}"/>
+                </a:ext>
+              </a:extLst>
+            </p:cNvPr>
+            <p:cNvPicPr>
+              <a:picLocks noChangeAspect="1"/>
+            </p:cNvPicPr>
+            <p:nvPr/>
+          </p:nvPicPr>
+          <p:blipFill>
+            <a:blip r:embed="rId3">
+              <a:extLst>
+                <a:ext uri="{28A0092B-C50C-407E-A947-70E740481C1C}">
+                  <a14:useLocalDpi xmlns:a14="http://schemas.microsoft.com/office/drawing/2010/main" val="0"/>
+                </a:ext>
+              </a:extLst>
+            </a:blip>
+            <a:stretch>
+              <a:fillRect/>
+            </a:stretch>
+          </p:blipFill>
+          <p:spPr>
+            <a:xfrm>
+              <a:off x="5143593" y="912982"/>
+              <a:ext cx="1372260" cy="1372260"/>
+            </a:xfrm>
+            <a:prstGeom prst="rect">
+              <a:avLst/>
+            </a:prstGeom>
+          </p:spPr>
+        </p:pic>
+        <p:pic>
+          <p:nvPicPr>
+            <p:cNvPr id="37" name="Obrázek 36" descr="Obsah obrázku pokrývka hlavy, Lidská tvář, oblečení, klobouk&#10;&#10;Popis byl vytvořen automaticky">
+              <a:extLst>
+                <a:ext uri="{FF2B5EF4-FFF2-40B4-BE49-F238E27FC236}">
+                  <a16:creationId xmlns:a16="http://schemas.microsoft.com/office/drawing/2014/main" id="{D0589C98-C2B8-E31B-71F1-3F806ED9C366}"/>
+                </a:ext>
+              </a:extLst>
+            </p:cNvPr>
+            <p:cNvPicPr>
+              <a:picLocks noChangeAspect="1"/>
+            </p:cNvPicPr>
+            <p:nvPr/>
+          </p:nvPicPr>
+          <p:blipFill>
+            <a:blip r:embed="rId4">
+              <a:extLst>
+                <a:ext uri="{28A0092B-C50C-407E-A947-70E740481C1C}">
+                  <a14:useLocalDpi xmlns:a14="http://schemas.microsoft.com/office/drawing/2010/main" val="0"/>
+                </a:ext>
+              </a:extLst>
+            </a:blip>
+            <a:stretch>
+              <a:fillRect/>
+            </a:stretch>
+          </p:blipFill>
+          <p:spPr>
+            <a:xfrm>
+              <a:off x="5148180" y="4650426"/>
+              <a:ext cx="1372260" cy="1372260"/>
+            </a:xfrm>
+            <a:prstGeom prst="rect">
+              <a:avLst/>
+            </a:prstGeom>
+          </p:spPr>
+        </p:pic>
+        <p:pic>
+          <p:nvPicPr>
+            <p:cNvPr id="39" name="Obrázek 38" descr="Obsah obrázku umění, černobílá, vzor, černobílý&#10;&#10;Popis byl vytvořen automaticky">
+              <a:extLst>
+                <a:ext uri="{FF2B5EF4-FFF2-40B4-BE49-F238E27FC236}">
+                  <a16:creationId xmlns:a16="http://schemas.microsoft.com/office/drawing/2014/main" id="{787F4F00-724A-E8E4-8EB1-6730BBCC12E7}"/>
+                </a:ext>
+              </a:extLst>
+            </p:cNvPr>
+            <p:cNvPicPr>
+              <a:picLocks noChangeAspect="1"/>
+            </p:cNvPicPr>
+            <p:nvPr/>
+          </p:nvPicPr>
+          <p:blipFill>
+            <a:blip r:embed="rId5">
+              <a:extLst>
+                <a:ext uri="{28A0092B-C50C-407E-A947-70E740481C1C}">
+                  <a14:useLocalDpi xmlns:a14="http://schemas.microsoft.com/office/drawing/2010/main" val="0"/>
+                </a:ext>
+              </a:extLst>
+            </a:blip>
+            <a:stretch>
+              <a:fillRect/>
+            </a:stretch>
+          </p:blipFill>
+          <p:spPr>
+            <a:xfrm>
+              <a:off x="5132058" y="2738293"/>
+              <a:ext cx="1372260" cy="1372260"/>
+            </a:xfrm>
+            <a:prstGeom prst="rect">
+              <a:avLst/>
+            </a:prstGeom>
+          </p:spPr>
+        </p:pic>
+      </p:grpSp>
+      <p:grpSp>
+        <p:nvGrpSpPr>
+          <p:cNvPr id="51" name="Skupina 50">
+            <a:extLst>
+              <a:ext uri="{FF2B5EF4-FFF2-40B4-BE49-F238E27FC236}">
+                <a16:creationId xmlns:a16="http://schemas.microsoft.com/office/drawing/2014/main" id="{F7B70BED-A1C7-8D11-0D19-F8A7DBDAF6FB}"/>
+              </a:ext>
+            </a:extLst>
+          </p:cNvPr>
+          <p:cNvGrpSpPr/>
+          <p:nvPr/>
+        </p:nvGrpSpPr>
+        <p:grpSpPr>
+          <a:xfrm>
+            <a:off x="7056749" y="1196752"/>
+            <a:ext cx="1385344" cy="5087918"/>
+            <a:chOff x="6479781" y="949616"/>
+            <a:chExt cx="1385344" cy="5087918"/>
+          </a:xfrm>
+        </p:grpSpPr>
+        <p:pic>
+          <p:nvPicPr>
+            <p:cNvPr id="17" name="Obrázek 16" descr="Obsah obrázku černobílá, černobílý, Černobílá fotografie, umění&#10;&#10;Popis byl vytvořen automaticky">
+              <a:extLst>
+                <a:ext uri="{FF2B5EF4-FFF2-40B4-BE49-F238E27FC236}">
+                  <a16:creationId xmlns:a16="http://schemas.microsoft.com/office/drawing/2014/main" id="{F4D341FF-28E9-53F8-0F8D-A72D2705AB5A}"/>
+                </a:ext>
+              </a:extLst>
+            </p:cNvPr>
+            <p:cNvPicPr>
+              <a:picLocks noChangeAspect="1"/>
+            </p:cNvPicPr>
+            <p:nvPr/>
+          </p:nvPicPr>
+          <p:blipFill>
+            <a:blip r:embed="rId6">
+              <a:extLst>
+                <a:ext uri="{28A0092B-C50C-407E-A947-70E740481C1C}">
+                  <a14:useLocalDpi xmlns:a14="http://schemas.microsoft.com/office/drawing/2010/main" val="0"/>
+                </a:ext>
+              </a:extLst>
+            </a:blip>
+            <a:stretch>
+              <a:fillRect/>
+            </a:stretch>
+          </p:blipFill>
+          <p:spPr>
+            <a:xfrm>
+              <a:off x="6479781" y="949616"/>
+              <a:ext cx="1372260" cy="1372260"/>
+            </a:xfrm>
+            <a:prstGeom prst="rect">
+              <a:avLst/>
+            </a:prstGeom>
+          </p:spPr>
+        </p:pic>
+        <p:pic>
+          <p:nvPicPr>
+            <p:cNvPr id="41" name="Obrázek 40" descr="Obsah obrázku pokrývka hlavy, oblečení, klobouk, Lidská tvář&#10;&#10;Popis byl vytvořen automaticky">
+              <a:extLst>
+                <a:ext uri="{FF2B5EF4-FFF2-40B4-BE49-F238E27FC236}">
+                  <a16:creationId xmlns:a16="http://schemas.microsoft.com/office/drawing/2014/main" id="{993B3124-2437-372B-B2A9-4CFAEDB6C16D}"/>
+                </a:ext>
+              </a:extLst>
+            </p:cNvPr>
+            <p:cNvPicPr>
+              <a:picLocks noChangeAspect="1"/>
+            </p:cNvPicPr>
+            <p:nvPr/>
+          </p:nvPicPr>
+          <p:blipFill>
+            <a:blip r:embed="rId7">
+              <a:extLst>
+                <a:ext uri="{28A0092B-C50C-407E-A947-70E740481C1C}">
+                  <a14:useLocalDpi xmlns:a14="http://schemas.microsoft.com/office/drawing/2010/main" val="0"/>
+                </a:ext>
+              </a:extLst>
+            </a:blip>
+            <a:stretch>
+              <a:fillRect/>
+            </a:stretch>
+          </p:blipFill>
+          <p:spPr>
+            <a:xfrm>
+              <a:off x="6492865" y="4665274"/>
+              <a:ext cx="1372260" cy="1372260"/>
+            </a:xfrm>
+            <a:prstGeom prst="rect">
+              <a:avLst/>
+            </a:prstGeom>
+          </p:spPr>
+        </p:pic>
+        <p:pic>
+          <p:nvPicPr>
+            <p:cNvPr id="43" name="Obrázek 42" descr="Obsah obrázku text, skica, umění, kresba&#10;&#10;Popis byl vytvořen automaticky">
+              <a:extLst>
+                <a:ext uri="{FF2B5EF4-FFF2-40B4-BE49-F238E27FC236}">
+                  <a16:creationId xmlns:a16="http://schemas.microsoft.com/office/drawing/2014/main" id="{27B1F0CC-BA24-D0BA-BBEA-83536CFFA72B}"/>
+                </a:ext>
+              </a:extLst>
+            </p:cNvPr>
+            <p:cNvPicPr>
+              <a:picLocks noChangeAspect="1"/>
+            </p:cNvPicPr>
+            <p:nvPr/>
+          </p:nvPicPr>
+          <p:blipFill>
+            <a:blip r:embed="rId8">
+              <a:extLst>
+                <a:ext uri="{28A0092B-C50C-407E-A947-70E740481C1C}">
+                  <a14:useLocalDpi xmlns:a14="http://schemas.microsoft.com/office/drawing/2010/main" val="0"/>
+                </a:ext>
+              </a:extLst>
+            </a:blip>
+            <a:stretch>
+              <a:fillRect/>
+            </a:stretch>
+          </p:blipFill>
+          <p:spPr>
+            <a:xfrm>
+              <a:off x="6483150" y="2802764"/>
+              <a:ext cx="1372260" cy="1372260"/>
+            </a:xfrm>
+            <a:prstGeom prst="rect">
+              <a:avLst/>
+            </a:prstGeom>
+          </p:spPr>
+        </p:pic>
+      </p:grpSp>
+      <p:grpSp>
+        <p:nvGrpSpPr>
+          <p:cNvPr id="53" name="Skupina 52">
+            <a:extLst>
+              <a:ext uri="{FF2B5EF4-FFF2-40B4-BE49-F238E27FC236}">
+                <a16:creationId xmlns:a16="http://schemas.microsoft.com/office/drawing/2014/main" id="{E727B4C8-C6FF-B6DD-C019-82AA3012AB27}"/>
+              </a:ext>
+            </a:extLst>
+          </p:cNvPr>
+          <p:cNvGrpSpPr/>
+          <p:nvPr/>
+        </p:nvGrpSpPr>
+        <p:grpSpPr>
+          <a:xfrm>
+            <a:off x="10466878" y="1196752"/>
+            <a:ext cx="1372260" cy="5079046"/>
+            <a:chOff x="9621472" y="953807"/>
+            <a:chExt cx="1372260" cy="5079046"/>
+          </a:xfrm>
+        </p:grpSpPr>
+        <p:pic>
+          <p:nvPicPr>
+            <p:cNvPr id="32" name="Obrázek 31" descr="Obsah obrázku černobílá, harfa, umění, černobílý&#10;&#10;Popis byl vytvořen automaticky">
+              <a:extLst>
+                <a:ext uri="{FF2B5EF4-FFF2-40B4-BE49-F238E27FC236}">
+                  <a16:creationId xmlns:a16="http://schemas.microsoft.com/office/drawing/2014/main" id="{353D0A4F-B25F-BBD7-1CD0-CC3466E1D07F}"/>
+                </a:ext>
+              </a:extLst>
+            </p:cNvPr>
+            <p:cNvPicPr>
+              <a:picLocks noChangeAspect="1"/>
+            </p:cNvPicPr>
+            <p:nvPr/>
+          </p:nvPicPr>
+          <p:blipFill>
+            <a:blip r:embed="rId9">
+              <a:extLst>
+                <a:ext uri="{28A0092B-C50C-407E-A947-70E740481C1C}">
+                  <a14:useLocalDpi xmlns:a14="http://schemas.microsoft.com/office/drawing/2010/main" val="0"/>
+                </a:ext>
+              </a:extLst>
+            </a:blip>
+            <a:stretch>
+              <a:fillRect/>
+            </a:stretch>
+          </p:blipFill>
+          <p:spPr>
+            <a:xfrm>
+              <a:off x="9621472" y="953807"/>
+              <a:ext cx="1372260" cy="1372260"/>
+            </a:xfrm>
+            <a:prstGeom prst="rect">
+              <a:avLst/>
+            </a:prstGeom>
+          </p:spPr>
+        </p:pic>
+        <p:pic>
+          <p:nvPicPr>
+            <p:cNvPr id="47" name="Obrázek 46" descr="Obsah obrázku text, černobílá, skica, účtenka&#10;&#10;Popis byl vytvořen automaticky">
+              <a:extLst>
+                <a:ext uri="{FF2B5EF4-FFF2-40B4-BE49-F238E27FC236}">
+                  <a16:creationId xmlns:a16="http://schemas.microsoft.com/office/drawing/2014/main" id="{64D0D7E4-CD2F-2DA2-9370-E7852DC35E8E}"/>
+                </a:ext>
+              </a:extLst>
+            </p:cNvPr>
+            <p:cNvPicPr>
+              <a:picLocks noChangeAspect="1"/>
+            </p:cNvPicPr>
+            <p:nvPr/>
+          </p:nvPicPr>
+          <p:blipFill>
+            <a:blip r:embed="rId10">
+              <a:extLst>
+                <a:ext uri="{28A0092B-C50C-407E-A947-70E740481C1C}">
+                  <a14:useLocalDpi xmlns:a14="http://schemas.microsoft.com/office/drawing/2010/main" val="0"/>
+                </a:ext>
+              </a:extLst>
+            </a:blip>
+            <a:stretch>
+              <a:fillRect/>
+            </a:stretch>
+          </p:blipFill>
+          <p:spPr>
+            <a:xfrm>
+              <a:off x="9621472" y="2803938"/>
+              <a:ext cx="1372260" cy="1372260"/>
+            </a:xfrm>
+            <a:prstGeom prst="rect">
+              <a:avLst/>
+            </a:prstGeom>
+          </p:spPr>
+        </p:pic>
+        <p:pic>
+          <p:nvPicPr>
+            <p:cNvPr id="49" name="Obrázek 48" descr="Obsah obrázku text, skica, černobílý, kresba&#10;&#10;Popis byl vytvořen automaticky">
+              <a:extLst>
+                <a:ext uri="{FF2B5EF4-FFF2-40B4-BE49-F238E27FC236}">
+                  <a16:creationId xmlns:a16="http://schemas.microsoft.com/office/drawing/2014/main" id="{B18B4556-06B2-B5E5-60BD-2FB66AE8DC84}"/>
+                </a:ext>
+              </a:extLst>
+            </p:cNvPr>
+            <p:cNvPicPr>
+              <a:picLocks noChangeAspect="1"/>
+            </p:cNvPicPr>
+            <p:nvPr/>
+          </p:nvPicPr>
+          <p:blipFill>
+            <a:blip r:embed="rId11">
+              <a:extLst>
+                <a:ext uri="{28A0092B-C50C-407E-A947-70E740481C1C}">
+                  <a14:useLocalDpi xmlns:a14="http://schemas.microsoft.com/office/drawing/2010/main" val="0"/>
+                </a:ext>
+              </a:extLst>
+            </a:blip>
+            <a:stretch>
+              <a:fillRect/>
+            </a:stretch>
+          </p:blipFill>
+          <p:spPr>
+            <a:xfrm>
+              <a:off x="9621472" y="4660593"/>
+              <a:ext cx="1372260" cy="1372260"/>
+            </a:xfrm>
+            <a:prstGeom prst="rect">
+              <a:avLst/>
+            </a:prstGeom>
+          </p:spPr>
+        </p:pic>
+      </p:grpSp>
+      <p:grpSp>
+        <p:nvGrpSpPr>
+          <p:cNvPr id="52" name="Skupina 51">
+            <a:extLst>
+              <a:ext uri="{FF2B5EF4-FFF2-40B4-BE49-F238E27FC236}">
+                <a16:creationId xmlns:a16="http://schemas.microsoft.com/office/drawing/2014/main" id="{2E75215E-0490-5F81-289F-94EBD9B9DE35}"/>
+              </a:ext>
+            </a:extLst>
+          </p:cNvPr>
+          <p:cNvGrpSpPr/>
+          <p:nvPr/>
+        </p:nvGrpSpPr>
+        <p:grpSpPr>
+          <a:xfrm>
+            <a:off x="3675823" y="1196752"/>
+            <a:ext cx="1372260" cy="5080869"/>
+            <a:chOff x="8035888" y="949616"/>
+            <a:chExt cx="1372260" cy="5080869"/>
+          </a:xfrm>
+        </p:grpSpPr>
+        <p:pic>
+          <p:nvPicPr>
+            <p:cNvPr id="8" name="Obrázek 7" descr="Obsah obrázku pokrývka hlavy, Lidská tvář, klobouk, oblečení&#10;&#10;Popis byl vytvořen automaticky">
+              <a:extLst>
+                <a:ext uri="{FF2B5EF4-FFF2-40B4-BE49-F238E27FC236}">
+                  <a16:creationId xmlns:a16="http://schemas.microsoft.com/office/drawing/2014/main" id="{F5A70F48-FB03-B34A-C339-9C3C683B15DA}"/>
+                </a:ext>
+              </a:extLst>
+            </p:cNvPr>
+            <p:cNvPicPr>
+              <a:picLocks noChangeAspect="1"/>
+            </p:cNvPicPr>
+            <p:nvPr/>
+          </p:nvPicPr>
+          <p:blipFill>
+            <a:blip r:embed="rId12">
+              <a:extLst>
+                <a:ext uri="{28A0092B-C50C-407E-A947-70E740481C1C}">
+                  <a14:useLocalDpi xmlns:a14="http://schemas.microsoft.com/office/drawing/2010/main" val="0"/>
+                </a:ext>
+              </a:extLst>
+            </a:blip>
+            <a:stretch>
+              <a:fillRect/>
+            </a:stretch>
+          </p:blipFill>
+          <p:spPr>
+            <a:xfrm>
+              <a:off x="8035888" y="4658225"/>
+              <a:ext cx="1372260" cy="1372260"/>
+            </a:xfrm>
+            <a:prstGeom prst="rect">
+              <a:avLst/>
+            </a:prstGeom>
+          </p:spPr>
+        </p:pic>
+        <p:pic>
+          <p:nvPicPr>
+            <p:cNvPr id="20" name="Obrázek 19" descr="Obsah obrázku kresba, černobílá, skica, umění&#10;&#10;Popis byl vytvořen automaticky">
+              <a:extLst>
+                <a:ext uri="{FF2B5EF4-FFF2-40B4-BE49-F238E27FC236}">
+                  <a16:creationId xmlns:a16="http://schemas.microsoft.com/office/drawing/2014/main" id="{053BC1F6-66F0-1C0F-6B8D-6C588F69999F}"/>
+                </a:ext>
+              </a:extLst>
+            </p:cNvPr>
+            <p:cNvPicPr>
+              <a:picLocks noChangeAspect="1"/>
+            </p:cNvPicPr>
+            <p:nvPr/>
+          </p:nvPicPr>
+          <p:blipFill>
+            <a:blip r:embed="rId13">
+              <a:extLst>
+                <a:ext uri="{28A0092B-C50C-407E-A947-70E740481C1C}">
+                  <a14:useLocalDpi xmlns:a14="http://schemas.microsoft.com/office/drawing/2010/main" val="0"/>
+                </a:ext>
+              </a:extLst>
+            </a:blip>
+            <a:stretch>
+              <a:fillRect/>
+            </a:stretch>
+          </p:blipFill>
+          <p:spPr>
+            <a:xfrm>
+              <a:off x="8035888" y="2802764"/>
+              <a:ext cx="1372260" cy="1372260"/>
+            </a:xfrm>
+            <a:prstGeom prst="rect">
+              <a:avLst/>
+            </a:prstGeom>
+          </p:spPr>
+        </p:pic>
+        <p:pic>
+          <p:nvPicPr>
+            <p:cNvPr id="28" name="Obrázek 27" descr="Obsah obrázku Lidská tvář, černobílá, zima, portrét&#10;&#10;Popis byl vytvořen automaticky">
+              <a:extLst>
+                <a:ext uri="{FF2B5EF4-FFF2-40B4-BE49-F238E27FC236}">
+                  <a16:creationId xmlns:a16="http://schemas.microsoft.com/office/drawing/2014/main" id="{0F94C3B1-28E9-4B0A-EAC7-25D2A19E5878}"/>
+                </a:ext>
+              </a:extLst>
+            </p:cNvPr>
+            <p:cNvPicPr>
+              <a:picLocks noChangeAspect="1"/>
+            </p:cNvPicPr>
+            <p:nvPr/>
+          </p:nvPicPr>
+          <p:blipFill>
+            <a:blip r:embed="rId14">
+              <a:extLst>
+                <a:ext uri="{28A0092B-C50C-407E-A947-70E740481C1C}">
+                  <a14:useLocalDpi xmlns:a14="http://schemas.microsoft.com/office/drawing/2010/main" val="0"/>
+                </a:ext>
+              </a:extLst>
+            </a:blip>
+            <a:stretch>
+              <a:fillRect/>
+            </a:stretch>
+          </p:blipFill>
+          <p:spPr>
+            <a:xfrm>
+              <a:off x="8035888" y="949616"/>
+              <a:ext cx="1372260" cy="1372260"/>
+            </a:xfrm>
+            <a:prstGeom prst="rect">
+              <a:avLst/>
+            </a:prstGeom>
+          </p:spPr>
+        </p:pic>
+      </p:grpSp>
+      <p:grpSp>
+        <p:nvGrpSpPr>
+          <p:cNvPr id="48" name="Skupina 47">
+            <a:extLst>
+              <a:ext uri="{FF2B5EF4-FFF2-40B4-BE49-F238E27FC236}">
+                <a16:creationId xmlns:a16="http://schemas.microsoft.com/office/drawing/2014/main" id="{815C2C84-EB60-47F6-FB69-8EB6701C8B42}"/>
+              </a:ext>
+            </a:extLst>
+          </p:cNvPr>
+          <p:cNvGrpSpPr/>
+          <p:nvPr/>
+        </p:nvGrpSpPr>
+        <p:grpSpPr>
+          <a:xfrm>
+            <a:off x="5366286" y="1196752"/>
+            <a:ext cx="1372260" cy="5099151"/>
+            <a:chOff x="4075329" y="948071"/>
+            <a:chExt cx="1372260" cy="5099151"/>
+          </a:xfrm>
+        </p:grpSpPr>
+        <p:pic>
+          <p:nvPicPr>
+            <p:cNvPr id="24" name="Obrázek 23" descr="Obsah obrázku oblečení, pokrývka hlavy, Lidská tvář, klobouk&#10;&#10;Popis byl vytvořen automaticky">
+              <a:extLst>
+                <a:ext uri="{FF2B5EF4-FFF2-40B4-BE49-F238E27FC236}">
+                  <a16:creationId xmlns:a16="http://schemas.microsoft.com/office/drawing/2014/main" id="{DED53325-DD87-82B5-8F94-7C1B1AB7A1CE}"/>
+                </a:ext>
+              </a:extLst>
+            </p:cNvPr>
+            <p:cNvPicPr>
+              <a:picLocks noChangeAspect="1"/>
+            </p:cNvPicPr>
+            <p:nvPr/>
+          </p:nvPicPr>
+          <p:blipFill>
+            <a:blip r:embed="rId15">
+              <a:extLst>
+                <a:ext uri="{28A0092B-C50C-407E-A947-70E740481C1C}">
+                  <a14:useLocalDpi xmlns:a14="http://schemas.microsoft.com/office/drawing/2010/main" val="0"/>
+                </a:ext>
+              </a:extLst>
+            </a:blip>
+            <a:stretch>
+              <a:fillRect/>
+            </a:stretch>
+          </p:blipFill>
+          <p:spPr>
+            <a:xfrm>
+              <a:off x="4075329" y="4674962"/>
+              <a:ext cx="1372260" cy="1372260"/>
+            </a:xfrm>
+            <a:prstGeom prst="rect">
+              <a:avLst/>
+            </a:prstGeom>
+          </p:spPr>
+        </p:pic>
+        <p:pic>
+          <p:nvPicPr>
+            <p:cNvPr id="26" name="Obrázek 25" descr="Obsah obrázku text, černobílá, kresba, útes&#10;&#10;Popis byl vytvořen automaticky">
+              <a:extLst>
+                <a:ext uri="{FF2B5EF4-FFF2-40B4-BE49-F238E27FC236}">
+                  <a16:creationId xmlns:a16="http://schemas.microsoft.com/office/drawing/2014/main" id="{F357103A-A8D5-F82A-E13A-2E0BAC3C4C87}"/>
+                </a:ext>
+              </a:extLst>
+            </p:cNvPr>
+            <p:cNvPicPr>
+              <a:picLocks noChangeAspect="1"/>
+            </p:cNvPicPr>
+            <p:nvPr/>
+          </p:nvPicPr>
+          <p:blipFill>
+            <a:blip r:embed="rId16">
+              <a:extLst>
+                <a:ext uri="{28A0092B-C50C-407E-A947-70E740481C1C}">
+                  <a14:useLocalDpi xmlns:a14="http://schemas.microsoft.com/office/drawing/2010/main" val="0"/>
+                </a:ext>
+              </a:extLst>
+            </a:blip>
+            <a:stretch>
+              <a:fillRect/>
+            </a:stretch>
+          </p:blipFill>
+          <p:spPr>
+            <a:xfrm>
+              <a:off x="4075329" y="2773953"/>
+              <a:ext cx="1372260" cy="1372260"/>
+            </a:xfrm>
+            <a:prstGeom prst="rect">
+              <a:avLst/>
+            </a:prstGeom>
+          </p:spPr>
+        </p:pic>
+        <p:pic>
+          <p:nvPicPr>
+            <p:cNvPr id="31" name="Obrázek 30" descr="Obsah obrázku Lidská tvář, černobílá, umění&#10;&#10;Popis byl vytvořen automaticky">
+              <a:extLst>
+                <a:ext uri="{FF2B5EF4-FFF2-40B4-BE49-F238E27FC236}">
+                  <a16:creationId xmlns:a16="http://schemas.microsoft.com/office/drawing/2014/main" id="{F9668DAB-11D7-5ACB-ADE8-CD90E50E1C89}"/>
+                </a:ext>
+              </a:extLst>
+            </p:cNvPr>
+            <p:cNvPicPr>
+              <a:picLocks noChangeAspect="1"/>
+            </p:cNvPicPr>
+            <p:nvPr/>
+          </p:nvPicPr>
+          <p:blipFill>
+            <a:blip r:embed="rId17">
+              <a:extLst>
+                <a:ext uri="{28A0092B-C50C-407E-A947-70E740481C1C}">
+                  <a14:useLocalDpi xmlns:a14="http://schemas.microsoft.com/office/drawing/2010/main" val="0"/>
+                </a:ext>
+              </a:extLst>
+            </a:blip>
+            <a:stretch>
+              <a:fillRect/>
+            </a:stretch>
+          </p:blipFill>
+          <p:spPr>
+            <a:xfrm>
+              <a:off x="4075329" y="948071"/>
+              <a:ext cx="1372260" cy="1372260"/>
+            </a:xfrm>
+            <a:prstGeom prst="rect">
+              <a:avLst/>
+            </a:prstGeom>
+          </p:spPr>
+        </p:pic>
+      </p:grpSp>
+      <p:grpSp>
+        <p:nvGrpSpPr>
+          <p:cNvPr id="45" name="Skupina 44">
+            <a:extLst>
+              <a:ext uri="{FF2B5EF4-FFF2-40B4-BE49-F238E27FC236}">
+                <a16:creationId xmlns:a16="http://schemas.microsoft.com/office/drawing/2014/main" id="{9A127FBA-2417-1AAC-CDBD-EF06A971B237}"/>
+              </a:ext>
+            </a:extLst>
+          </p:cNvPr>
+          <p:cNvGrpSpPr/>
+          <p:nvPr/>
+        </p:nvGrpSpPr>
+        <p:grpSpPr>
+          <a:xfrm>
+            <a:off x="294897" y="1196752"/>
+            <a:ext cx="1372260" cy="5091898"/>
+            <a:chOff x="247130" y="953807"/>
+            <a:chExt cx="1372260" cy="5091898"/>
+          </a:xfrm>
+        </p:grpSpPr>
+        <p:pic>
+          <p:nvPicPr>
+            <p:cNvPr id="10" name="Obrázek 9" descr="Obsah obrázku bílé, design&#10;&#10;Popis byl vytvořen automaticky">
+              <a:extLst>
+                <a:ext uri="{FF2B5EF4-FFF2-40B4-BE49-F238E27FC236}">
+                  <a16:creationId xmlns:a16="http://schemas.microsoft.com/office/drawing/2014/main" id="{69E48D24-D3F1-9C4A-FAC2-C127F0094EB5}"/>
+                </a:ext>
+              </a:extLst>
+            </p:cNvPr>
+            <p:cNvPicPr>
+              <a:picLocks noChangeAspect="1"/>
+            </p:cNvPicPr>
+            <p:nvPr/>
+          </p:nvPicPr>
+          <p:blipFill>
+            <a:blip r:embed="rId18">
+              <a:extLst>
+                <a:ext uri="{28A0092B-C50C-407E-A947-70E740481C1C}">
+                  <a14:useLocalDpi xmlns:a14="http://schemas.microsoft.com/office/drawing/2010/main" val="0"/>
+                </a:ext>
+              </a:extLst>
+            </a:blip>
+            <a:stretch>
+              <a:fillRect/>
+            </a:stretch>
+          </p:blipFill>
+          <p:spPr>
+            <a:xfrm>
+              <a:off x="247130" y="2796478"/>
+              <a:ext cx="1372260" cy="1372260"/>
+            </a:xfrm>
+            <a:prstGeom prst="rect">
+              <a:avLst/>
+            </a:prstGeom>
+            <a:ln>
+              <a:solidFill>
+                <a:schemeClr val="tx1"/>
+              </a:solidFill>
+            </a:ln>
+          </p:spPr>
+        </p:pic>
+        <p:pic>
+          <p:nvPicPr>
+            <p:cNvPr id="16" name="Obrázek 15" descr="Obsah obrázku Lidská tvář, černobílá, žena, klobouk&#10;&#10;Popis byl vytvořen automaticky">
+              <a:extLst>
+                <a:ext uri="{FF2B5EF4-FFF2-40B4-BE49-F238E27FC236}">
+                  <a16:creationId xmlns:a16="http://schemas.microsoft.com/office/drawing/2014/main" id="{68849CF6-8B9A-58E5-A106-823C33668D1F}"/>
+                </a:ext>
+              </a:extLst>
+            </p:cNvPr>
+            <p:cNvPicPr>
+              <a:picLocks noChangeAspect="1"/>
+            </p:cNvPicPr>
+            <p:nvPr/>
+          </p:nvPicPr>
+          <p:blipFill>
+            <a:blip r:embed="rId19">
+              <a:extLst>
+                <a:ext uri="{28A0092B-C50C-407E-A947-70E740481C1C}">
+                  <a14:useLocalDpi xmlns:a14="http://schemas.microsoft.com/office/drawing/2010/main" val="0"/>
+                </a:ext>
+              </a:extLst>
+            </a:blip>
+            <a:stretch>
+              <a:fillRect/>
+            </a:stretch>
+          </p:blipFill>
+          <p:spPr>
+            <a:xfrm>
+              <a:off x="247130" y="4673445"/>
+              <a:ext cx="1372260" cy="1372260"/>
+            </a:xfrm>
+            <a:prstGeom prst="rect">
+              <a:avLst/>
+            </a:prstGeom>
+          </p:spPr>
+        </p:pic>
+        <p:pic>
+          <p:nvPicPr>
+            <p:cNvPr id="38" name="Obrázek 37" descr="Obsah obrázku skica, kresba, Lidská tvář, černobílá&#10;&#10;Popis byl vytvořen automaticky">
+              <a:extLst>
+                <a:ext uri="{FF2B5EF4-FFF2-40B4-BE49-F238E27FC236}">
+                  <a16:creationId xmlns:a16="http://schemas.microsoft.com/office/drawing/2014/main" id="{23253B6A-9833-06C4-E14C-62324AD192D3}"/>
+                </a:ext>
+              </a:extLst>
+            </p:cNvPr>
+            <p:cNvPicPr>
+              <a:picLocks noChangeAspect="1"/>
+            </p:cNvPicPr>
+            <p:nvPr/>
+          </p:nvPicPr>
+          <p:blipFill>
+            <a:blip r:embed="rId20">
+              <a:extLst>
+                <a:ext uri="{28A0092B-C50C-407E-A947-70E740481C1C}">
+                  <a14:useLocalDpi xmlns:a14="http://schemas.microsoft.com/office/drawing/2010/main" val="0"/>
+                </a:ext>
+              </a:extLst>
+            </a:blip>
+            <a:stretch>
+              <a:fillRect/>
+            </a:stretch>
+          </p:blipFill>
+          <p:spPr>
+            <a:xfrm>
+              <a:off x="247130" y="953807"/>
+              <a:ext cx="1372260" cy="1372260"/>
+            </a:xfrm>
+            <a:prstGeom prst="rect">
+              <a:avLst/>
+            </a:prstGeom>
+          </p:spPr>
+        </p:pic>
+      </p:grpSp>
+      <p:grpSp>
+        <p:nvGrpSpPr>
+          <p:cNvPr id="46" name="Skupina 45">
+            <a:extLst>
+              <a:ext uri="{FF2B5EF4-FFF2-40B4-BE49-F238E27FC236}">
+                <a16:creationId xmlns:a16="http://schemas.microsoft.com/office/drawing/2014/main" id="{050D028A-6031-A034-ED74-02F8B2190C67}"/>
+              </a:ext>
+            </a:extLst>
+          </p:cNvPr>
+          <p:cNvGrpSpPr/>
+          <p:nvPr/>
+        </p:nvGrpSpPr>
+        <p:grpSpPr>
+          <a:xfrm>
+            <a:off x="1985360" y="1196752"/>
+            <a:ext cx="1372260" cy="5104791"/>
+            <a:chOff x="2156169" y="908520"/>
+            <a:chExt cx="1372260" cy="5104791"/>
+          </a:xfrm>
+        </p:grpSpPr>
+        <p:pic>
+          <p:nvPicPr>
+            <p:cNvPr id="12" name="Obrázek 11" descr="Obsah obrázku pokrývka hlavy, oblečení, Lidská tvář, klobouk&#10;&#10;Popis byl vytvořen automaticky">
+              <a:extLst>
+                <a:ext uri="{FF2B5EF4-FFF2-40B4-BE49-F238E27FC236}">
+                  <a16:creationId xmlns:a16="http://schemas.microsoft.com/office/drawing/2014/main" id="{4A51F230-0B8C-A6CE-44DC-9A6BC9149B1A}"/>
+                </a:ext>
+              </a:extLst>
+            </p:cNvPr>
+            <p:cNvPicPr>
+              <a:picLocks noChangeAspect="1"/>
+            </p:cNvPicPr>
+            <p:nvPr/>
+          </p:nvPicPr>
+          <p:blipFill>
+            <a:blip r:embed="rId21">
+              <a:extLst>
+                <a:ext uri="{28A0092B-C50C-407E-A947-70E740481C1C}">
+                  <a14:useLocalDpi xmlns:a14="http://schemas.microsoft.com/office/drawing/2010/main" val="0"/>
+                </a:ext>
+              </a:extLst>
+            </a:blip>
+            <a:stretch>
+              <a:fillRect/>
+            </a:stretch>
+          </p:blipFill>
+          <p:spPr>
+            <a:xfrm>
+              <a:off x="2156169" y="4641051"/>
+              <a:ext cx="1372260" cy="1372260"/>
+            </a:xfrm>
+            <a:prstGeom prst="rect">
+              <a:avLst/>
+            </a:prstGeom>
+          </p:spPr>
+        </p:pic>
+        <p:pic>
+          <p:nvPicPr>
+            <p:cNvPr id="42" name="Obrázek 41" descr="Obsah obrázku text, černobílá, dokument, papír&#10;&#10;Popis byl vytvořen automaticky">
+              <a:extLst>
+                <a:ext uri="{FF2B5EF4-FFF2-40B4-BE49-F238E27FC236}">
+                  <a16:creationId xmlns:a16="http://schemas.microsoft.com/office/drawing/2014/main" id="{83FAD982-54FD-DD2D-108B-3D31B68050E9}"/>
+                </a:ext>
+              </a:extLst>
+            </p:cNvPr>
+            <p:cNvPicPr>
+              <a:picLocks noChangeAspect="1"/>
+            </p:cNvPicPr>
+            <p:nvPr/>
+          </p:nvPicPr>
+          <p:blipFill>
+            <a:blip r:embed="rId22">
+              <a:extLst>
+                <a:ext uri="{28A0092B-C50C-407E-A947-70E740481C1C}">
+                  <a14:useLocalDpi xmlns:a14="http://schemas.microsoft.com/office/drawing/2010/main" val="0"/>
+                </a:ext>
+              </a:extLst>
+            </a:blip>
+            <a:stretch>
+              <a:fillRect/>
+            </a:stretch>
+          </p:blipFill>
+          <p:spPr>
+            <a:xfrm>
+              <a:off x="2156169" y="2742870"/>
+              <a:ext cx="1372260" cy="1372260"/>
+            </a:xfrm>
+            <a:prstGeom prst="rect">
+              <a:avLst/>
+            </a:prstGeom>
+          </p:spPr>
+        </p:pic>
+        <p:pic>
+          <p:nvPicPr>
+            <p:cNvPr id="44" name="Obrázek 43" descr="Obsah obrázku hudba, harfa, černobílá, umění&#10;&#10;Popis byl vytvořen automaticky">
+              <a:extLst>
+                <a:ext uri="{FF2B5EF4-FFF2-40B4-BE49-F238E27FC236}">
+                  <a16:creationId xmlns:a16="http://schemas.microsoft.com/office/drawing/2014/main" id="{90E83333-B4FE-4F97-2F06-B0FB0173B801}"/>
+                </a:ext>
+              </a:extLst>
+            </p:cNvPr>
+            <p:cNvPicPr>
+              <a:picLocks noChangeAspect="1"/>
+            </p:cNvPicPr>
+            <p:nvPr/>
+          </p:nvPicPr>
+          <p:blipFill>
+            <a:blip r:embed="rId23">
+              <a:extLst>
+                <a:ext uri="{28A0092B-C50C-407E-A947-70E740481C1C}">
+                  <a14:useLocalDpi xmlns:a14="http://schemas.microsoft.com/office/drawing/2010/main" val="0"/>
+                </a:ext>
+              </a:extLst>
+            </a:blip>
+            <a:stretch>
+              <a:fillRect/>
+            </a:stretch>
+          </p:blipFill>
+          <p:spPr>
+            <a:xfrm>
+              <a:off x="2156169" y="908520"/>
+              <a:ext cx="1372260" cy="1372260"/>
+            </a:xfrm>
+            <a:prstGeom prst="rect">
+              <a:avLst/>
+            </a:prstGeom>
+          </p:spPr>
+        </p:pic>
+      </p:grpSp>
+    </p:spTree>
+    <p:extLst>
+      <p:ext uri="{BB962C8B-B14F-4D97-AF65-F5344CB8AC3E}">
+        <p14:creationId xmlns:p14="http://schemas.microsoft.com/office/powerpoint/2010/main" val="3117426988"/>
+      </p:ext>
+    </p:extLst>
+  </p:cSld>
+  <p:clrMapOvr>
+    <a:masterClrMapping/>
+  </p:clrMapOvr>
+</p:sld>
+</file>
+
 <file path=ppt/slides/slide2.xml><?xml version="1.0" encoding="utf-8"?>
 <p:sld xmlns:a="http://schemas.openxmlformats.org/drawingml/2006/main" xmlns:r="http://schemas.openxmlformats.org/officeDocument/2006/relationships" xmlns:p="http://schemas.openxmlformats.org/presentationml/2006/main">
   <p:cSld>
@@ -4262,7 +6541,7 @@
         <p:spPr>
           <a:xfrm>
             <a:off x="1552568" y="690283"/>
-            <a:ext cx="917239" cy="369332"/>
+            <a:ext cx="1084912" cy="369332"/>
           </a:xfrm>
           <a:prstGeom prst="rect">
             <a:avLst/>
@@ -4287,7 +6566,7 @@
                 <a:ea typeface="Calibri" panose="020F0502020204030204" pitchFamily="34" charset="0"/>
                 <a:cs typeface="Calibri" panose="020F0502020204030204" pitchFamily="34" charset="0"/>
               </a:rPr>
-              <a:t>Originál</a:t>
+              <a:t>Bez šumu</a:t>
             </a:r>
           </a:p>
         </p:txBody>
@@ -4718,7 +6997,7 @@
         </p:nvSpPr>
         <p:spPr>
           <a:xfrm>
-            <a:off x="5122414" y="690283"/>
+            <a:off x="5096632" y="690283"/>
             <a:ext cx="566181" cy="369332"/>
           </a:xfrm>
           <a:prstGeom prst="rect">
@@ -4833,7 +7112,7 @@
         </p:nvCxnSpPr>
         <p:spPr bwMode="auto">
           <a:xfrm>
-            <a:off x="6226344" y="698978"/>
+            <a:off x="6304000" y="741201"/>
             <a:ext cx="0" cy="5506484"/>
           </a:xfrm>
           <a:prstGeom prst="line">
@@ -4868,7 +7147,7 @@
         </p:nvSpPr>
         <p:spPr>
           <a:xfrm>
-            <a:off x="6369212" y="531738"/>
+            <a:off x="6446868" y="573961"/>
             <a:ext cx="1324017" cy="701731"/>
           </a:xfrm>
           <a:prstGeom prst="rect">
@@ -4943,7 +7222,7 @@
         </p:blipFill>
         <p:spPr>
           <a:xfrm>
-            <a:off x="6372532" y="2904720"/>
+            <a:off x="6450188" y="2946943"/>
             <a:ext cx="1431639" cy="1431639"/>
           </a:xfrm>
           <a:prstGeom prst="rect">
@@ -4979,7 +7258,7 @@
         </p:blipFill>
         <p:spPr>
           <a:xfrm>
-            <a:off x="6329463" y="1215145"/>
+            <a:off x="6407119" y="1257368"/>
             <a:ext cx="1431639" cy="1431639"/>
           </a:xfrm>
           <a:prstGeom prst="rect">
@@ -5015,7 +7294,7 @@
         </p:blipFill>
         <p:spPr>
           <a:xfrm>
-            <a:off x="6361437" y="4585850"/>
+            <a:off x="6439093" y="4628073"/>
             <a:ext cx="1431640" cy="1431640"/>
           </a:xfrm>
           <a:prstGeom prst="rect">
@@ -5051,7 +7330,7 @@
         </p:blipFill>
         <p:spPr>
           <a:xfrm>
-            <a:off x="8024323" y="2895931"/>
+            <a:off x="8101979" y="2938154"/>
             <a:ext cx="1431638" cy="1431638"/>
           </a:xfrm>
           <a:prstGeom prst="rect">
@@ -5087,7 +7366,7 @@
         </p:blipFill>
         <p:spPr>
           <a:xfrm>
-            <a:off x="8024323" y="1215144"/>
+            <a:off x="8101979" y="1257367"/>
             <a:ext cx="1431639" cy="1431639"/>
           </a:xfrm>
           <a:prstGeom prst="rect">
@@ -5123,7 +7402,7 @@
         </p:blipFill>
         <p:spPr>
           <a:xfrm>
-            <a:off x="8013817" y="4575348"/>
+            <a:off x="8091473" y="4617571"/>
             <a:ext cx="1442142" cy="1442142"/>
           </a:xfrm>
           <a:prstGeom prst="rect">
@@ -5145,7 +7424,7 @@
         </p:nvSpPr>
         <p:spPr>
           <a:xfrm>
-            <a:off x="8144822" y="522206"/>
+            <a:off x="8222478" y="564429"/>
             <a:ext cx="1180131" cy="701731"/>
           </a:xfrm>
           <a:prstGeom prst="rect">
@@ -5220,7 +7499,7 @@
         </p:blipFill>
         <p:spPr>
           <a:xfrm>
-            <a:off x="9676113" y="2885427"/>
+            <a:off x="9753769" y="2927650"/>
             <a:ext cx="1442142" cy="1442142"/>
           </a:xfrm>
           <a:prstGeom prst="rect">
@@ -5256,7 +7535,7 @@
         </p:blipFill>
         <p:spPr>
           <a:xfrm>
-            <a:off x="9695693" y="1207151"/>
+            <a:off x="9773349" y="1249374"/>
             <a:ext cx="1442142" cy="1442142"/>
           </a:xfrm>
           <a:prstGeom prst="rect">
@@ -5292,7 +7571,7 @@
         </p:blipFill>
         <p:spPr>
           <a:xfrm>
-            <a:off x="9676111" y="4605266"/>
+            <a:off x="9753767" y="4647489"/>
             <a:ext cx="1442142" cy="1442142"/>
           </a:xfrm>
           <a:prstGeom prst="rect">
@@ -5314,7 +7593,7 @@
         </p:nvSpPr>
         <p:spPr>
           <a:xfrm>
-            <a:off x="9768580" y="698978"/>
+            <a:off x="9846236" y="741201"/>
             <a:ext cx="1257204" cy="369332"/>
           </a:xfrm>
           <a:prstGeom prst="rect">
@@ -5381,7 +7660,7 @@
         </p:nvSpPr>
         <p:spPr>
           <a:xfrm>
-            <a:off x="6359611" y="6116740"/>
+            <a:off x="6437267" y="6158963"/>
             <a:ext cx="4804841" cy="338554"/>
           </a:xfrm>
           <a:prstGeom prst="rect">
@@ -5434,6 +7713,156 @@
           </a:p>
         </p:txBody>
       </p:sp>
+      <p:pic>
+        <p:nvPicPr>
+          <p:cNvPr id="26" name="Obrázek 25">
+            <a:extLst>
+              <a:ext uri="{FF2B5EF4-FFF2-40B4-BE49-F238E27FC236}">
+                <a16:creationId xmlns:a16="http://schemas.microsoft.com/office/drawing/2014/main" id="{E7927C28-3639-8702-0CE4-5AE49D1E5679}"/>
+              </a:ext>
+            </a:extLst>
+          </p:cNvPr>
+          <p:cNvPicPr>
+            <a:picLocks noChangeAspect="1"/>
+          </p:cNvPicPr>
+          <p:nvPr/>
+        </p:nvPicPr>
+        <p:blipFill>
+          <a:blip r:embed="rId21"/>
+          <a:stretch>
+            <a:fillRect/>
+          </a:stretch>
+        </p:blipFill>
+        <p:spPr>
+          <a:xfrm>
+            <a:off x="3897981" y="2027731"/>
+            <a:ext cx="696793" cy="696793"/>
+          </a:xfrm>
+          <a:prstGeom prst="rect">
+            <a:avLst/>
+          </a:prstGeom>
+        </p:spPr>
+      </p:pic>
+      <p:pic>
+        <p:nvPicPr>
+          <p:cNvPr id="35" name="Obrázek 34">
+            <a:extLst>
+              <a:ext uri="{FF2B5EF4-FFF2-40B4-BE49-F238E27FC236}">
+                <a16:creationId xmlns:a16="http://schemas.microsoft.com/office/drawing/2014/main" id="{BB507F5A-9649-FDA1-2A5E-7762C20ACE92}"/>
+              </a:ext>
+            </a:extLst>
+          </p:cNvPr>
+          <p:cNvPicPr>
+            <a:picLocks noChangeAspect="1"/>
+          </p:cNvPicPr>
+          <p:nvPr/>
+        </p:nvPicPr>
+        <p:blipFill>
+          <a:blip r:embed="rId22"/>
+          <a:stretch>
+            <a:fillRect/>
+          </a:stretch>
+        </p:blipFill>
+        <p:spPr>
+          <a:xfrm>
+            <a:off x="7240559" y="2071824"/>
+            <a:ext cx="707964" cy="707964"/>
+          </a:xfrm>
+          <a:prstGeom prst="rect">
+            <a:avLst/>
+          </a:prstGeom>
+        </p:spPr>
+      </p:pic>
+      <p:pic>
+        <p:nvPicPr>
+          <p:cNvPr id="39" name="Obrázek 38">
+            <a:extLst>
+              <a:ext uri="{FF2B5EF4-FFF2-40B4-BE49-F238E27FC236}">
+                <a16:creationId xmlns:a16="http://schemas.microsoft.com/office/drawing/2014/main" id="{16468BBD-1D64-D7B6-9F65-F5D728F54312}"/>
+              </a:ext>
+            </a:extLst>
+          </p:cNvPr>
+          <p:cNvPicPr>
+            <a:picLocks noChangeAspect="1"/>
+          </p:cNvPicPr>
+          <p:nvPr/>
+        </p:nvPicPr>
+        <p:blipFill>
+          <a:blip r:embed="rId23"/>
+          <a:stretch>
+            <a:fillRect/>
+          </a:stretch>
+        </p:blipFill>
+        <p:spPr>
+          <a:xfrm>
+            <a:off x="8951844" y="2050780"/>
+            <a:ext cx="711990" cy="715967"/>
+          </a:xfrm>
+          <a:prstGeom prst="rect">
+            <a:avLst/>
+          </a:prstGeom>
+        </p:spPr>
+      </p:pic>
+      <p:pic>
+        <p:nvPicPr>
+          <p:cNvPr id="43" name="Obrázek 42">
+            <a:extLst>
+              <a:ext uri="{FF2B5EF4-FFF2-40B4-BE49-F238E27FC236}">
+                <a16:creationId xmlns:a16="http://schemas.microsoft.com/office/drawing/2014/main" id="{93C3CF4C-E591-6519-D11B-23CF218ADD58}"/>
+              </a:ext>
+            </a:extLst>
+          </p:cNvPr>
+          <p:cNvPicPr>
+            <a:picLocks noChangeAspect="1"/>
+          </p:cNvPicPr>
+          <p:nvPr/>
+        </p:nvPicPr>
+        <p:blipFill>
+          <a:blip r:embed="rId24"/>
+          <a:stretch>
+            <a:fillRect/>
+          </a:stretch>
+        </p:blipFill>
+        <p:spPr>
+          <a:xfrm>
+            <a:off x="10641649" y="2050780"/>
+            <a:ext cx="708975" cy="720726"/>
+          </a:xfrm>
+          <a:prstGeom prst="rect">
+            <a:avLst/>
+          </a:prstGeom>
+        </p:spPr>
+      </p:pic>
+      <p:pic>
+        <p:nvPicPr>
+          <p:cNvPr id="48" name="Obrázek 47">
+            <a:extLst>
+              <a:ext uri="{FF2B5EF4-FFF2-40B4-BE49-F238E27FC236}">
+                <a16:creationId xmlns:a16="http://schemas.microsoft.com/office/drawing/2014/main" id="{471A2A5A-BD9C-8E9B-60CF-DCA334D41EA9}"/>
+              </a:ext>
+            </a:extLst>
+          </p:cNvPr>
+          <p:cNvPicPr>
+            <a:picLocks noChangeAspect="1"/>
+          </p:cNvPicPr>
+          <p:nvPr/>
+        </p:nvPicPr>
+        <p:blipFill>
+          <a:blip r:embed="rId25"/>
+          <a:stretch>
+            <a:fillRect/>
+          </a:stretch>
+        </p:blipFill>
+        <p:spPr>
+          <a:xfrm>
+            <a:off x="5495051" y="2012907"/>
+            <a:ext cx="702470" cy="707265"/>
+          </a:xfrm>
+          <a:prstGeom prst="rect">
+            <a:avLst/>
+          </a:prstGeom>
+        </p:spPr>
+      </p:pic>
     </p:spTree>
     <p:extLst>
       <p:ext uri="{BB962C8B-B14F-4D97-AF65-F5344CB8AC3E}">
@@ -5481,32 +7910,7 @@
           <a:p>
             <a:r>
               <a:rPr lang="cs-CZ" dirty="0"/>
-              <a:t>Společné nastavení experimentů</a:t>
-            </a:r>
-          </a:p>
-        </p:txBody>
-      </p:sp>
-      <p:sp>
-        <p:nvSpPr>
-          <p:cNvPr id="4" name="Zástupný symbol pro zápatí 3"/>
-          <p:cNvSpPr>
-            <a:spLocks noGrp="1"/>
-          </p:cNvSpPr>
-          <p:nvPr>
-            <p:ph type="ftr" sz="quarter" idx="10"/>
-          </p:nvPr>
-        </p:nvSpPr>
-        <p:spPr/>
-        <p:txBody>
-          <a:bodyPr/>
-          <a:lstStyle/>
-          <a:p>
-            <a:pPr>
-              <a:defRPr/>
-            </a:pPr>
-            <a:r>
-              <a:rPr lang="cs-CZ" dirty="0"/>
-              <a:t>Název práce</a:t>
+              <a:t>Společné parametry experimentů</a:t>
             </a:r>
           </a:p>
         </p:txBody>
@@ -5529,8 +7933,8 @@
         </p:nvSpPr>
         <p:spPr>
           <a:xfrm>
-            <a:off x="335491" y="763587"/>
-            <a:ext cx="11521017" cy="5113685"/>
+            <a:off x="335491" y="763588"/>
+            <a:ext cx="11521017" cy="2424542"/>
           </a:xfrm>
         </p:spPr>
         <p:txBody>
@@ -5545,12 +7949,15 @@
               <a:rPr lang="cs-CZ" dirty="0" err="1"/>
               <a:t>cgp</a:t>
             </a:r>
-            <a:endParaRPr lang="cs-CZ" dirty="0"/>
-          </a:p>
-          <a:p>
             <a:r>
               <a:rPr lang="cs-CZ" dirty="0"/>
-              <a:t>Celkem 7 druhů šumu ve třech obrázcích</a:t>
+              <a:t>, Metacentrum</a:t>
+            </a:r>
+          </a:p>
+          <a:p>
+            <a:r>
+              <a:rPr lang="cs-CZ" dirty="0"/>
+              <a:t>7 druhů šumu, 3 obrázky</a:t>
             </a:r>
           </a:p>
           <a:p>
@@ -5562,17 +7969,20 @@
           <a:p>
             <a:r>
               <a:rPr lang="cs-CZ" dirty="0"/>
-              <a:t>12 jedinců v populaci, alespoň 1000 generací</a:t>
+              <a:t>12 jedinců v populaci, alespoň 1000 generací, podmínka detektoru: </a:t>
+            </a:r>
+            <a:r>
+              <a:rPr lang="cs-CZ" dirty="0">
+                <a:latin typeface="Cambria Math" panose="02040503050406030204" pitchFamily="18" charset="0"/>
+                <a:ea typeface="Cambria Math" panose="02040503050406030204" pitchFamily="18" charset="0"/>
+              </a:rPr>
+              <a:t>D &gt; 127</a:t>
             </a:r>
           </a:p>
           <a:p>
             <a:r>
               <a:rPr lang="cs-CZ" dirty="0"/>
-              <a:t>Turnajový výběr, pravděpodobnost mutace většinou 0.1, </a:t>
-            </a:r>
-            <a:r>
-              <a:rPr lang="cs-CZ" b="1" dirty="0"/>
-              <a:t>křížení nepoužito</a:t>
+              <a:t>Turnajový výběr, pravděpodobnost mutace většinou 0.1, křížení nepoužito</a:t>
             </a:r>
           </a:p>
           <a:p>
@@ -5598,14 +8008,14 @@
           <p:nvPr>
             <p:extLst>
               <p:ext uri="{D42A27DB-BD31-4B8C-83A1-F6EECF244321}">
-                <p14:modId xmlns:p14="http://schemas.microsoft.com/office/powerpoint/2010/main" val="3466780839"/>
+                <p14:modId xmlns:p14="http://schemas.microsoft.com/office/powerpoint/2010/main" val="3951754224"/>
               </p:ext>
             </p:extLst>
           </p:nvPr>
         </p:nvGraphicFramePr>
         <p:xfrm>
-          <a:off x="3915646" y="3320429"/>
-          <a:ext cx="7914395" cy="2892546"/>
+          <a:off x="4703415" y="3320429"/>
+          <a:ext cx="7056784" cy="2682240"/>
         </p:xfrm>
         <a:graphic>
           <a:graphicData uri="http://schemas.openxmlformats.org/drawingml/2006/table">
@@ -5614,28 +8024,28 @@
                 <a:tableStyleId>{5C22544A-7EE6-4342-B048-85BDC9FD1C3A}</a:tableStyleId>
               </a:tblPr>
               <a:tblGrid>
-                <a:gridCol w="1802081">
+                <a:gridCol w="1605173">
                   <a:extLst>
                     <a:ext uri="{9D8B030D-6E8A-4147-A177-3AD203B41FA5}">
                       <a16:colId xmlns:a16="http://schemas.microsoft.com/office/drawing/2014/main" val="2421571160"/>
                     </a:ext>
                   </a:extLst>
                 </a:gridCol>
-                <a:gridCol w="2037438">
+                <a:gridCol w="1552577">
                   <a:extLst>
                     <a:ext uri="{9D8B030D-6E8A-4147-A177-3AD203B41FA5}">
                       <a16:colId xmlns:a16="http://schemas.microsoft.com/office/drawing/2014/main" val="1960744655"/>
                     </a:ext>
                   </a:extLst>
                 </a:gridCol>
-                <a:gridCol w="2037438">
+                <a:gridCol w="1727560">
                   <a:extLst>
                     <a:ext uri="{9D8B030D-6E8A-4147-A177-3AD203B41FA5}">
                       <a16:colId xmlns:a16="http://schemas.microsoft.com/office/drawing/2014/main" val="1638992048"/>
                     </a:ext>
                   </a:extLst>
                 </a:gridCol>
-                <a:gridCol w="2037438">
+                <a:gridCol w="2171474">
                   <a:extLst>
                     <a:ext uri="{9D8B030D-6E8A-4147-A177-3AD203B41FA5}">
                       <a16:colId xmlns:a16="http://schemas.microsoft.com/office/drawing/2014/main" val="3727856289"/>
@@ -5643,7 +8053,7 @@
                   </a:extLst>
                 </a:gridCol>
               </a:tblGrid>
-              <a:tr h="364238">
+              <a:tr h="325335">
                 <a:tc gridSpan="4">
                   <a:txBody>
                     <a:bodyPr/>
@@ -5714,14 +8124,14 @@
                   </a:ext>
                 </a:extLst>
               </a:tr>
-              <a:tr h="342880">
+              <a:tr h="306258">
                 <a:tc>
                   <a:txBody>
                     <a:bodyPr/>
                     <a:lstStyle/>
                     <a:p>
                       <a:r>
-                        <a:rPr lang="cs-CZ" sz="1600" dirty="0"/>
+                        <a:rPr lang="cs-CZ" sz="1600" i="0" dirty="0"/>
                         <a:t>Konstanta 255</a:t>
                       </a:r>
                     </a:p>
@@ -5734,7 +8144,10 @@
                     <a:lstStyle/>
                     <a:p>
                       <a:r>
-                        <a:rPr lang="cs-CZ" sz="1600" dirty="0"/>
+                        <a:rPr lang="cs-CZ" sz="1600" dirty="0">
+                          <a:latin typeface="Cambria Math" panose="02040503050406030204" pitchFamily="18" charset="0"/>
+                          <a:ea typeface="Cambria Math" panose="02040503050406030204" pitchFamily="18" charset="0"/>
+                        </a:rPr>
                         <a:t>255</a:t>
                       </a:r>
                     </a:p>
@@ -5760,7 +8173,7 @@
                     <a:lstStyle/>
                     <a:p>
                       <a:r>
-                        <a:rPr lang="cs-CZ" sz="1600" dirty="0"/>
+                        <a:rPr lang="cs-CZ" sz="1600" i="0" dirty="0"/>
                         <a:t>Dělení 4</a:t>
                       </a:r>
                     </a:p>
@@ -5783,7 +8196,10 @@
                     <a:lstStyle/>
                     <a:p>
                       <a:r>
-                        <a:rPr lang="cs-CZ" sz="1600" dirty="0"/>
+                        <a:rPr lang="cs-CZ" sz="1600" dirty="0">
+                          <a:latin typeface="Cambria Math" panose="02040503050406030204" pitchFamily="18" charset="0"/>
+                          <a:ea typeface="Cambria Math" panose="02040503050406030204" pitchFamily="18" charset="0"/>
+                        </a:rPr>
                         <a:t>x / 4</a:t>
                       </a:r>
                     </a:p>
@@ -5796,14 +8212,14 @@
                   </a:ext>
                 </a:extLst>
               </a:tr>
-              <a:tr h="364238">
+              <a:tr h="325335">
                 <a:tc>
                   <a:txBody>
                     <a:bodyPr/>
                     <a:lstStyle/>
                     <a:p>
                       <a:r>
-                        <a:rPr lang="cs-CZ" sz="1600" dirty="0"/>
+                        <a:rPr lang="cs-CZ" sz="1600" i="0" dirty="0"/>
                         <a:t>Konstanta 0</a:t>
                       </a:r>
                     </a:p>
@@ -5820,7 +8236,10 @@
                     <a:lstStyle/>
                     <a:p>
                       <a:r>
-                        <a:rPr lang="cs-CZ" sz="1600" dirty="0"/>
+                        <a:rPr lang="cs-CZ" sz="1600" dirty="0">
+                          <a:latin typeface="Cambria Math" panose="02040503050406030204" pitchFamily="18" charset="0"/>
+                          <a:ea typeface="Cambria Math" panose="02040503050406030204" pitchFamily="18" charset="0"/>
+                        </a:rPr>
                         <a:t>0</a:t>
                       </a:r>
                     </a:p>
@@ -5860,7 +8279,7 @@
                     <a:lstStyle/>
                     <a:p>
                       <a:r>
-                        <a:rPr lang="cs-CZ" sz="1600" dirty="0"/>
+                        <a:rPr lang="cs-CZ" sz="1600" i="0" dirty="0"/>
                         <a:t>Sčítání</a:t>
                       </a:r>
                     </a:p>
@@ -5883,22 +8302,37 @@
                     <a:lstStyle/>
                     <a:p>
                       <a:r>
-                        <a:rPr lang="cs-CZ" sz="1600" baseline="0" dirty="0"/>
+                        <a:rPr lang="cs-CZ" sz="1600" baseline="0" dirty="0">
+                          <a:latin typeface="Cambria Math" panose="02040503050406030204" pitchFamily="18" charset="0"/>
+                          <a:ea typeface="Cambria Math" panose="02040503050406030204" pitchFamily="18" charset="0"/>
+                        </a:rPr>
                         <a:t>x</a:t>
                       </a:r>
                       <a:r>
-                        <a:rPr lang="cs-CZ" sz="1600" baseline="-25000" dirty="0"/>
+                        <a:rPr lang="cs-CZ" sz="1600" baseline="-25000" dirty="0">
+                          <a:latin typeface="Cambria Math" panose="02040503050406030204" pitchFamily="18" charset="0"/>
+                          <a:ea typeface="Cambria Math" panose="02040503050406030204" pitchFamily="18" charset="0"/>
+                        </a:rPr>
                         <a:t>1 </a:t>
                       </a:r>
                       <a:r>
-                        <a:rPr lang="cs-CZ" sz="1600" baseline="0" dirty="0"/>
+                        <a:rPr lang="cs-CZ" sz="1600" baseline="0" dirty="0">
+                          <a:latin typeface="Cambria Math" panose="02040503050406030204" pitchFamily="18" charset="0"/>
+                          <a:ea typeface="Cambria Math" panose="02040503050406030204" pitchFamily="18" charset="0"/>
+                        </a:rPr>
                         <a:t> + x</a:t>
                       </a:r>
                       <a:r>
-                        <a:rPr lang="cs-CZ" sz="1600" baseline="-25000" dirty="0"/>
+                        <a:rPr lang="cs-CZ" sz="1600" baseline="-25000" dirty="0">
+                          <a:latin typeface="Cambria Math" panose="02040503050406030204" pitchFamily="18" charset="0"/>
+                          <a:ea typeface="Cambria Math" panose="02040503050406030204" pitchFamily="18" charset="0"/>
+                        </a:rPr>
                         <a:t>2</a:t>
                       </a:r>
-                      <a:endParaRPr lang="cs-CZ" sz="1600" dirty="0"/>
+                      <a:endParaRPr lang="cs-CZ" sz="1600" dirty="0">
+                        <a:latin typeface="Cambria Math" panose="02040503050406030204" pitchFamily="18" charset="0"/>
+                        <a:ea typeface="Cambria Math" panose="02040503050406030204" pitchFamily="18" charset="0"/>
+                      </a:endParaRPr>
                     </a:p>
                   </a:txBody>
                   <a:tcPr/>
@@ -5909,14 +8343,14 @@
                   </a:ext>
                 </a:extLst>
               </a:tr>
-              <a:tr h="364238">
+              <a:tr h="325335">
                 <a:tc>
                   <a:txBody>
                     <a:bodyPr/>
                     <a:lstStyle/>
                     <a:p>
                       <a:r>
-                        <a:rPr lang="cs-CZ" sz="1600" dirty="0"/>
+                        <a:rPr lang="cs-CZ" sz="1600" i="0" dirty="0"/>
                         <a:t>Identita</a:t>
                       </a:r>
                     </a:p>
@@ -5929,7 +8363,10 @@
                     <a:lstStyle/>
                     <a:p>
                       <a:r>
-                        <a:rPr lang="cs-CZ" sz="1600" dirty="0"/>
+                        <a:rPr lang="cs-CZ" sz="1600" dirty="0">
+                          <a:latin typeface="Cambria Math" panose="02040503050406030204" pitchFamily="18" charset="0"/>
+                          <a:ea typeface="Cambria Math" panose="02040503050406030204" pitchFamily="18" charset="0"/>
+                        </a:rPr>
                         <a:t>x</a:t>
                       </a:r>
                     </a:p>
@@ -5955,7 +8392,7 @@
                     <a:lstStyle/>
                     <a:p>
                       <a:r>
-                        <a:rPr lang="cs-CZ" sz="1600" dirty="0"/>
+                        <a:rPr lang="cs-CZ" sz="1600" i="0" dirty="0"/>
                         <a:t>Odčítání</a:t>
                       </a:r>
                     </a:p>
@@ -5995,22 +8432,37 @@
                         <a:defRPr/>
                       </a:pPr>
                       <a:r>
-                        <a:rPr lang="cs-CZ" sz="1600" baseline="0" dirty="0"/>
+                        <a:rPr lang="cs-CZ" sz="1600" baseline="0" dirty="0">
+                          <a:latin typeface="Cambria Math" panose="02040503050406030204" pitchFamily="18" charset="0"/>
+                          <a:ea typeface="Cambria Math" panose="02040503050406030204" pitchFamily="18" charset="0"/>
+                        </a:rPr>
                         <a:t>x</a:t>
                       </a:r>
                       <a:r>
-                        <a:rPr lang="cs-CZ" sz="1600" baseline="-25000" dirty="0"/>
+                        <a:rPr lang="cs-CZ" sz="1600" baseline="-25000" dirty="0">
+                          <a:latin typeface="Cambria Math" panose="02040503050406030204" pitchFamily="18" charset="0"/>
+                          <a:ea typeface="Cambria Math" panose="02040503050406030204" pitchFamily="18" charset="0"/>
+                        </a:rPr>
                         <a:t>1 </a:t>
                       </a:r>
                       <a:r>
-                        <a:rPr lang="cs-CZ" sz="1600" baseline="0" dirty="0"/>
+                        <a:rPr lang="cs-CZ" sz="1600" baseline="0" dirty="0">
+                          <a:latin typeface="Cambria Math" panose="02040503050406030204" pitchFamily="18" charset="0"/>
+                          <a:ea typeface="Cambria Math" panose="02040503050406030204" pitchFamily="18" charset="0"/>
+                        </a:rPr>
                         <a:t> - x</a:t>
                       </a:r>
                       <a:r>
-                        <a:rPr lang="cs-CZ" sz="1600" baseline="-25000" dirty="0"/>
+                        <a:rPr lang="cs-CZ" sz="1600" baseline="-25000" dirty="0">
+                          <a:latin typeface="Cambria Math" panose="02040503050406030204" pitchFamily="18" charset="0"/>
+                          <a:ea typeface="Cambria Math" panose="02040503050406030204" pitchFamily="18" charset="0"/>
+                        </a:rPr>
                         <a:t>2</a:t>
                       </a:r>
-                      <a:endParaRPr lang="cs-CZ" sz="1600" dirty="0"/>
+                      <a:endParaRPr lang="cs-CZ" sz="1600" dirty="0">
+                        <a:latin typeface="Cambria Math" panose="02040503050406030204" pitchFamily="18" charset="0"/>
+                        <a:ea typeface="Cambria Math" panose="02040503050406030204" pitchFamily="18" charset="0"/>
+                      </a:endParaRPr>
                     </a:p>
                   </a:txBody>
                   <a:tcPr/>
@@ -6021,14 +8473,14 @@
                   </a:ext>
                 </a:extLst>
               </a:tr>
-              <a:tr h="364238">
+              <a:tr h="325335">
                 <a:tc>
                   <a:txBody>
                     <a:bodyPr/>
                     <a:lstStyle/>
                     <a:p>
                       <a:r>
-                        <a:rPr lang="cs-CZ" sz="1600" dirty="0"/>
+                        <a:rPr lang="cs-CZ" sz="1600" i="0" dirty="0"/>
                         <a:t>Inverze</a:t>
                       </a:r>
                     </a:p>
@@ -6041,7 +8493,10 @@
                     <a:lstStyle/>
                     <a:p>
                       <a:r>
-                        <a:rPr lang="cs-CZ" sz="1600" dirty="0"/>
+                        <a:rPr lang="cs-CZ" sz="1600" dirty="0">
+                          <a:latin typeface="Cambria Math" panose="02040503050406030204" pitchFamily="18" charset="0"/>
+                          <a:ea typeface="Cambria Math" panose="02040503050406030204" pitchFamily="18" charset="0"/>
+                        </a:rPr>
                         <a:t>255 - x</a:t>
                       </a:r>
                     </a:p>
@@ -6064,15 +8519,15 @@
                     <a:lstStyle/>
                     <a:p>
                       <a:r>
-                        <a:rPr lang="cs-CZ" sz="1600" dirty="0"/>
+                        <a:rPr lang="cs-CZ" sz="1600" i="0" dirty="0"/>
                         <a:t>Sčítání se </a:t>
                       </a:r>
                       <a:r>
-                        <a:rPr lang="cs-CZ" sz="1600" dirty="0" err="1"/>
+                        <a:rPr lang="cs-CZ" sz="1600" i="0" dirty="0" err="1"/>
                         <a:t>sat</a:t>
                       </a:r>
                       <a:r>
-                        <a:rPr lang="cs-CZ" sz="1600" dirty="0"/>
+                        <a:rPr lang="cs-CZ" sz="1600" i="0" dirty="0"/>
                         <a:t>.</a:t>
                       </a:r>
                     </a:p>
@@ -6112,30 +8567,51 @@
                         <a:defRPr/>
                       </a:pPr>
                       <a:r>
-                        <a:rPr lang="cs-CZ" sz="1600" baseline="0" dirty="0"/>
+                        <a:rPr lang="cs-CZ" sz="1600" baseline="0" dirty="0">
+                          <a:latin typeface="Cambria Math" panose="02040503050406030204" pitchFamily="18" charset="0"/>
+                          <a:ea typeface="Cambria Math" panose="02040503050406030204" pitchFamily="18" charset="0"/>
+                        </a:rPr>
                         <a:t>x</a:t>
                       </a:r>
                       <a:r>
-                        <a:rPr lang="cs-CZ" sz="1600" baseline="-25000" dirty="0"/>
+                        <a:rPr lang="cs-CZ" sz="1600" baseline="-25000" dirty="0">
+                          <a:latin typeface="Cambria Math" panose="02040503050406030204" pitchFamily="18" charset="0"/>
+                          <a:ea typeface="Cambria Math" panose="02040503050406030204" pitchFamily="18" charset="0"/>
+                        </a:rPr>
                         <a:t>1 </a:t>
                       </a:r>
                       <a:r>
-                        <a:rPr lang="cs-CZ" sz="1600" baseline="0" dirty="0"/>
+                        <a:rPr lang="cs-CZ" sz="1600" baseline="0" dirty="0">
+                          <a:latin typeface="Cambria Math" panose="02040503050406030204" pitchFamily="18" charset="0"/>
+                          <a:ea typeface="Cambria Math" panose="02040503050406030204" pitchFamily="18" charset="0"/>
+                        </a:rPr>
                         <a:t> +</a:t>
                       </a:r>
                       <a:r>
-                        <a:rPr lang="cs-CZ" sz="1600" baseline="-25000" dirty="0"/>
+                        <a:rPr lang="cs-CZ" sz="1600" baseline="-25000" dirty="0">
+                          <a:latin typeface="Cambria Math" panose="02040503050406030204" pitchFamily="18" charset="0"/>
+                          <a:ea typeface="Cambria Math" panose="02040503050406030204" pitchFamily="18" charset="0"/>
+                        </a:rPr>
                         <a:t> S</a:t>
                       </a:r>
                       <a:r>
-                        <a:rPr lang="cs-CZ" sz="1600" baseline="0" dirty="0"/>
+                        <a:rPr lang="cs-CZ" sz="1600" baseline="0" dirty="0">
+                          <a:latin typeface="Cambria Math" panose="02040503050406030204" pitchFamily="18" charset="0"/>
+                          <a:ea typeface="Cambria Math" panose="02040503050406030204" pitchFamily="18" charset="0"/>
+                        </a:rPr>
                         <a:t> x</a:t>
                       </a:r>
                       <a:r>
-                        <a:rPr lang="cs-CZ" sz="1600" baseline="-25000" dirty="0"/>
+                        <a:rPr lang="cs-CZ" sz="1600" baseline="-25000" dirty="0">
+                          <a:latin typeface="Cambria Math" panose="02040503050406030204" pitchFamily="18" charset="0"/>
+                          <a:ea typeface="Cambria Math" panose="02040503050406030204" pitchFamily="18" charset="0"/>
+                        </a:rPr>
                         <a:t>2</a:t>
                       </a:r>
-                      <a:endParaRPr lang="cs-CZ" sz="1600" dirty="0"/>
+                      <a:endParaRPr lang="cs-CZ" sz="1600" dirty="0">
+                        <a:latin typeface="Cambria Math" panose="02040503050406030204" pitchFamily="18" charset="0"/>
+                        <a:ea typeface="Cambria Math" panose="02040503050406030204" pitchFamily="18" charset="0"/>
+                      </a:endParaRPr>
                     </a:p>
                   </a:txBody>
                   <a:tcPr/>
@@ -6146,14 +8622,14 @@
                   </a:ext>
                 </a:extLst>
               </a:tr>
-              <a:tr h="364238">
+              <a:tr h="325335">
                 <a:tc>
                   <a:txBody>
                     <a:bodyPr/>
                     <a:lstStyle/>
                     <a:p>
                       <a:r>
-                        <a:rPr lang="cs-CZ" sz="1600" dirty="0"/>
+                        <a:rPr lang="cs-CZ" sz="1600" i="0" dirty="0"/>
                         <a:t>Maximum</a:t>
                       </a:r>
                     </a:p>
@@ -6166,23 +8642,38 @@
                     <a:lstStyle/>
                     <a:p>
                       <a:r>
-                        <a:rPr lang="cs-CZ" sz="1600" dirty="0"/>
+                        <a:rPr lang="cs-CZ" sz="1600" dirty="0">
+                          <a:latin typeface="Cambria Math" panose="02040503050406030204" pitchFamily="18" charset="0"/>
+                          <a:ea typeface="Cambria Math" panose="02040503050406030204" pitchFamily="18" charset="0"/>
+                        </a:rPr>
                         <a:t>max(x</a:t>
                       </a:r>
                       <a:r>
-                        <a:rPr lang="cs-CZ" sz="1600" baseline="-25000" dirty="0"/>
+                        <a:rPr lang="cs-CZ" sz="1600" baseline="-25000" dirty="0">
+                          <a:latin typeface="Cambria Math" panose="02040503050406030204" pitchFamily="18" charset="0"/>
+                          <a:ea typeface="Cambria Math" panose="02040503050406030204" pitchFamily="18" charset="0"/>
+                        </a:rPr>
                         <a:t>1</a:t>
                       </a:r>
                       <a:r>
-                        <a:rPr lang="cs-CZ" sz="1600" baseline="0" dirty="0"/>
+                        <a:rPr lang="cs-CZ" sz="1600" baseline="0" dirty="0">
+                          <a:latin typeface="Cambria Math" panose="02040503050406030204" pitchFamily="18" charset="0"/>
+                          <a:ea typeface="Cambria Math" panose="02040503050406030204" pitchFamily="18" charset="0"/>
+                        </a:rPr>
                         <a:t>, x</a:t>
                       </a:r>
                       <a:r>
-                        <a:rPr lang="cs-CZ" sz="1600" baseline="-25000" dirty="0"/>
+                        <a:rPr lang="cs-CZ" sz="1600" baseline="-25000" dirty="0">
+                          <a:latin typeface="Cambria Math" panose="02040503050406030204" pitchFamily="18" charset="0"/>
+                          <a:ea typeface="Cambria Math" panose="02040503050406030204" pitchFamily="18" charset="0"/>
+                        </a:rPr>
                         <a:t>2</a:t>
                       </a:r>
                       <a:r>
-                        <a:rPr lang="cs-CZ" sz="1600" dirty="0"/>
+                        <a:rPr lang="cs-CZ" sz="1600" dirty="0">
+                          <a:latin typeface="Cambria Math" panose="02040503050406030204" pitchFamily="18" charset="0"/>
+                          <a:ea typeface="Cambria Math" panose="02040503050406030204" pitchFamily="18" charset="0"/>
+                        </a:rPr>
                         <a:t>)</a:t>
                       </a:r>
                     </a:p>
@@ -6205,15 +8696,15 @@
                     <a:lstStyle/>
                     <a:p>
                       <a:r>
-                        <a:rPr lang="cs-CZ" sz="1600" dirty="0"/>
+                        <a:rPr lang="cs-CZ" sz="1600" i="0" dirty="0"/>
                         <a:t>Odečítání se </a:t>
                       </a:r>
                       <a:r>
-                        <a:rPr lang="cs-CZ" sz="1600" dirty="0" err="1"/>
+                        <a:rPr lang="cs-CZ" sz="1600" i="0" dirty="0" err="1"/>
                         <a:t>sat</a:t>
                       </a:r>
                       <a:r>
-                        <a:rPr lang="cs-CZ" sz="1600" dirty="0"/>
+                        <a:rPr lang="cs-CZ" sz="1600" i="0" dirty="0"/>
                         <a:t>.</a:t>
                       </a:r>
                     </a:p>
@@ -6253,30 +8744,51 @@
                         <a:defRPr/>
                       </a:pPr>
                       <a:r>
-                        <a:rPr lang="cs-CZ" sz="1600" baseline="0" dirty="0"/>
+                        <a:rPr lang="cs-CZ" sz="1600" baseline="0" dirty="0">
+                          <a:latin typeface="Cambria Math" panose="02040503050406030204" pitchFamily="18" charset="0"/>
+                          <a:ea typeface="Cambria Math" panose="02040503050406030204" pitchFamily="18" charset="0"/>
+                        </a:rPr>
                         <a:t>x</a:t>
                       </a:r>
                       <a:r>
-                        <a:rPr lang="cs-CZ" sz="1600" baseline="-25000" dirty="0"/>
+                        <a:rPr lang="cs-CZ" sz="1600" baseline="-25000" dirty="0">
+                          <a:latin typeface="Cambria Math" panose="02040503050406030204" pitchFamily="18" charset="0"/>
+                          <a:ea typeface="Cambria Math" panose="02040503050406030204" pitchFamily="18" charset="0"/>
+                        </a:rPr>
                         <a:t>1 </a:t>
                       </a:r>
                       <a:r>
-                        <a:rPr lang="cs-CZ" sz="1600" baseline="0" dirty="0"/>
+                        <a:rPr lang="cs-CZ" sz="1600" baseline="0" dirty="0">
+                          <a:latin typeface="Cambria Math" panose="02040503050406030204" pitchFamily="18" charset="0"/>
+                          <a:ea typeface="Cambria Math" panose="02040503050406030204" pitchFamily="18" charset="0"/>
+                        </a:rPr>
                         <a:t> -</a:t>
                       </a:r>
                       <a:r>
-                        <a:rPr lang="cs-CZ" sz="1600" baseline="-25000" dirty="0"/>
+                        <a:rPr lang="cs-CZ" sz="1600" baseline="-25000" dirty="0">
+                          <a:latin typeface="Cambria Math" panose="02040503050406030204" pitchFamily="18" charset="0"/>
+                          <a:ea typeface="Cambria Math" panose="02040503050406030204" pitchFamily="18" charset="0"/>
+                        </a:rPr>
                         <a:t> S</a:t>
                       </a:r>
                       <a:r>
-                        <a:rPr lang="cs-CZ" sz="1600" baseline="0" dirty="0"/>
+                        <a:rPr lang="cs-CZ" sz="1600" baseline="0" dirty="0">
+                          <a:latin typeface="Cambria Math" panose="02040503050406030204" pitchFamily="18" charset="0"/>
+                          <a:ea typeface="Cambria Math" panose="02040503050406030204" pitchFamily="18" charset="0"/>
+                        </a:rPr>
                         <a:t> x</a:t>
                       </a:r>
                       <a:r>
-                        <a:rPr lang="cs-CZ" sz="1600" baseline="-25000" dirty="0"/>
+                        <a:rPr lang="cs-CZ" sz="1600" baseline="-25000" dirty="0">
+                          <a:latin typeface="Cambria Math" panose="02040503050406030204" pitchFamily="18" charset="0"/>
+                          <a:ea typeface="Cambria Math" panose="02040503050406030204" pitchFamily="18" charset="0"/>
+                        </a:rPr>
                         <a:t>2</a:t>
                       </a:r>
-                      <a:endParaRPr lang="cs-CZ" sz="1600" dirty="0"/>
+                      <a:endParaRPr lang="cs-CZ" sz="1600" dirty="0">
+                        <a:latin typeface="Cambria Math" panose="02040503050406030204" pitchFamily="18" charset="0"/>
+                        <a:ea typeface="Cambria Math" panose="02040503050406030204" pitchFamily="18" charset="0"/>
+                      </a:endParaRPr>
                     </a:p>
                   </a:txBody>
                   <a:tcPr/>
@@ -6287,14 +8799,14 @@
                   </a:ext>
                 </a:extLst>
               </a:tr>
-              <a:tr h="364238">
+              <a:tr h="325335">
                 <a:tc>
                   <a:txBody>
                     <a:bodyPr/>
                     <a:lstStyle/>
                     <a:p>
                       <a:r>
-                        <a:rPr lang="cs-CZ" sz="1600" dirty="0"/>
+                        <a:rPr lang="cs-CZ" sz="1600" i="0" dirty="0"/>
                         <a:t>Minimum</a:t>
                       </a:r>
                     </a:p>
@@ -6307,23 +8819,38 @@
                     <a:lstStyle/>
                     <a:p>
                       <a:r>
-                        <a:rPr lang="cs-CZ" sz="1600" dirty="0"/>
+                        <a:rPr lang="cs-CZ" sz="1600" dirty="0">
+                          <a:latin typeface="Cambria Math" panose="02040503050406030204" pitchFamily="18" charset="0"/>
+                          <a:ea typeface="Cambria Math" panose="02040503050406030204" pitchFamily="18" charset="0"/>
+                        </a:rPr>
                         <a:t>min(x</a:t>
                       </a:r>
                       <a:r>
-                        <a:rPr lang="cs-CZ" sz="1600" baseline="-25000" dirty="0"/>
+                        <a:rPr lang="cs-CZ" sz="1600" baseline="-25000" dirty="0">
+                          <a:latin typeface="Cambria Math" panose="02040503050406030204" pitchFamily="18" charset="0"/>
+                          <a:ea typeface="Cambria Math" panose="02040503050406030204" pitchFamily="18" charset="0"/>
+                        </a:rPr>
                         <a:t>1</a:t>
                       </a:r>
                       <a:r>
-                        <a:rPr lang="cs-CZ" sz="1600" baseline="0" dirty="0"/>
+                        <a:rPr lang="cs-CZ" sz="1600" baseline="0" dirty="0">
+                          <a:latin typeface="Cambria Math" panose="02040503050406030204" pitchFamily="18" charset="0"/>
+                          <a:ea typeface="Cambria Math" panose="02040503050406030204" pitchFamily="18" charset="0"/>
+                        </a:rPr>
                         <a:t>, x</a:t>
                       </a:r>
                       <a:r>
-                        <a:rPr lang="cs-CZ" sz="1600" baseline="-25000" dirty="0"/>
+                        <a:rPr lang="cs-CZ" sz="1600" baseline="-25000" dirty="0">
+                          <a:latin typeface="Cambria Math" panose="02040503050406030204" pitchFamily="18" charset="0"/>
+                          <a:ea typeface="Cambria Math" panose="02040503050406030204" pitchFamily="18" charset="0"/>
+                        </a:rPr>
                         <a:t>2</a:t>
                       </a:r>
                       <a:r>
-                        <a:rPr lang="cs-CZ" sz="1600" dirty="0"/>
+                        <a:rPr lang="cs-CZ" sz="1600" dirty="0">
+                          <a:latin typeface="Cambria Math" panose="02040503050406030204" pitchFamily="18" charset="0"/>
+                          <a:ea typeface="Cambria Math" panose="02040503050406030204" pitchFamily="18" charset="0"/>
+                        </a:rPr>
                         <a:t>)</a:t>
                       </a:r>
                     </a:p>
@@ -6346,7 +8873,7 @@
                     <a:lstStyle/>
                     <a:p>
                       <a:r>
-                        <a:rPr lang="cs-CZ" sz="1600" dirty="0"/>
+                        <a:rPr lang="cs-CZ" sz="1600" i="0" dirty="0"/>
                         <a:t>Průměr</a:t>
                       </a:r>
                     </a:p>
@@ -6386,26 +8913,44 @@
                         <a:defRPr/>
                       </a:pPr>
                       <a:r>
-                        <a:rPr lang="cs-CZ" sz="1600" baseline="0" dirty="0"/>
+                        <a:rPr lang="cs-CZ" sz="1600" baseline="0" dirty="0">
+                          <a:latin typeface="Cambria Math" panose="02040503050406030204" pitchFamily="18" charset="0"/>
+                          <a:ea typeface="Cambria Math" panose="02040503050406030204" pitchFamily="18" charset="0"/>
+                        </a:rPr>
                         <a:t>(x</a:t>
                       </a:r>
                       <a:r>
-                        <a:rPr lang="cs-CZ" sz="1600" baseline="-25000" dirty="0"/>
+                        <a:rPr lang="cs-CZ" sz="1600" baseline="-25000" dirty="0">
+                          <a:latin typeface="Cambria Math" panose="02040503050406030204" pitchFamily="18" charset="0"/>
+                          <a:ea typeface="Cambria Math" panose="02040503050406030204" pitchFamily="18" charset="0"/>
+                        </a:rPr>
                         <a:t>1 </a:t>
                       </a:r>
                       <a:r>
-                        <a:rPr lang="cs-CZ" sz="1600" baseline="0" dirty="0"/>
+                        <a:rPr lang="cs-CZ" sz="1600" baseline="0" dirty="0">
+                          <a:latin typeface="Cambria Math" panose="02040503050406030204" pitchFamily="18" charset="0"/>
+                          <a:ea typeface="Cambria Math" panose="02040503050406030204" pitchFamily="18" charset="0"/>
+                        </a:rPr>
                         <a:t> + x</a:t>
                       </a:r>
                       <a:r>
-                        <a:rPr lang="cs-CZ" sz="1600" baseline="-25000" dirty="0"/>
+                        <a:rPr lang="cs-CZ" sz="1600" baseline="-25000" dirty="0">
+                          <a:latin typeface="Cambria Math" panose="02040503050406030204" pitchFamily="18" charset="0"/>
+                          <a:ea typeface="Cambria Math" panose="02040503050406030204" pitchFamily="18" charset="0"/>
+                        </a:rPr>
                         <a:t>2</a:t>
                       </a:r>
                       <a:r>
-                        <a:rPr lang="cs-CZ" sz="1600" baseline="0" dirty="0"/>
+                        <a:rPr lang="cs-CZ" sz="1600" baseline="0" dirty="0">
+                          <a:latin typeface="Cambria Math" panose="02040503050406030204" pitchFamily="18" charset="0"/>
+                          <a:ea typeface="Cambria Math" panose="02040503050406030204" pitchFamily="18" charset="0"/>
+                        </a:rPr>
                         <a:t>) / 2</a:t>
                       </a:r>
-                      <a:endParaRPr lang="cs-CZ" sz="1600" dirty="0"/>
+                      <a:endParaRPr lang="cs-CZ" sz="1600" dirty="0">
+                        <a:latin typeface="Cambria Math" panose="02040503050406030204" pitchFamily="18" charset="0"/>
+                        <a:ea typeface="Cambria Math" panose="02040503050406030204" pitchFamily="18" charset="0"/>
+                      </a:endParaRPr>
                     </a:p>
                   </a:txBody>
                   <a:tcPr/>
@@ -6416,14 +8961,14 @@
                   </a:ext>
                 </a:extLst>
               </a:tr>
-              <a:tr h="364238">
+              <a:tr h="325335">
                 <a:tc>
                   <a:txBody>
                     <a:bodyPr/>
                     <a:lstStyle/>
                     <a:p>
                       <a:r>
-                        <a:rPr lang="cs-CZ" sz="1600" dirty="0"/>
+                        <a:rPr lang="cs-CZ" sz="1600" i="0" dirty="0"/>
                         <a:t>Dělení 2</a:t>
                       </a:r>
                     </a:p>
@@ -6436,7 +8981,10 @@
                     <a:lstStyle/>
                     <a:p>
                       <a:r>
-                        <a:rPr lang="cs-CZ" sz="1600" dirty="0"/>
+                        <a:rPr lang="cs-CZ" sz="1600" dirty="0">
+                          <a:latin typeface="Cambria Math" panose="02040503050406030204" pitchFamily="18" charset="0"/>
+                          <a:ea typeface="Cambria Math" panose="02040503050406030204" pitchFamily="18" charset="0"/>
+                        </a:rPr>
                         <a:t>x / 2 </a:t>
                       </a:r>
                     </a:p>
@@ -6459,11 +9007,11 @@
                     <a:lstStyle/>
                     <a:p>
                       <a:r>
-                        <a:rPr lang="cs-CZ" sz="1600" dirty="0" err="1"/>
+                        <a:rPr lang="cs-CZ" sz="1600" i="0" dirty="0" err="1"/>
                         <a:t>Podm</a:t>
                       </a:r>
                       <a:r>
-                        <a:rPr lang="cs-CZ" sz="1600" dirty="0"/>
+                        <a:rPr lang="cs-CZ" sz="1600" i="0" dirty="0"/>
                         <a:t>. přiřazení</a:t>
                       </a:r>
                     </a:p>
@@ -6486,38 +9034,65 @@
                     <a:lstStyle/>
                     <a:p>
                       <a:r>
-                        <a:rPr lang="cs-CZ" sz="1400" dirty="0" err="1"/>
+                        <a:rPr lang="cs-CZ" sz="1600" dirty="0" err="1">
+                          <a:latin typeface="Cambria Math" panose="02040503050406030204" pitchFamily="18" charset="0"/>
+                          <a:ea typeface="Cambria Math" panose="02040503050406030204" pitchFamily="18" charset="0"/>
+                        </a:rPr>
                         <a:t>If</a:t>
                       </a:r>
                       <a:r>
-                        <a:rPr lang="cs-CZ" sz="1400" dirty="0"/>
+                        <a:rPr lang="cs-CZ" sz="1600" dirty="0">
+                          <a:latin typeface="Cambria Math" panose="02040503050406030204" pitchFamily="18" charset="0"/>
+                          <a:ea typeface="Cambria Math" panose="02040503050406030204" pitchFamily="18" charset="0"/>
+                        </a:rPr>
                         <a:t> x</a:t>
                       </a:r>
                       <a:r>
-                        <a:rPr lang="cs-CZ" sz="1400" baseline="-25000" dirty="0"/>
+                        <a:rPr lang="cs-CZ" sz="1600" baseline="-25000" dirty="0">
+                          <a:latin typeface="Cambria Math" panose="02040503050406030204" pitchFamily="18" charset="0"/>
+                          <a:ea typeface="Cambria Math" panose="02040503050406030204" pitchFamily="18" charset="0"/>
+                        </a:rPr>
                         <a:t>1 </a:t>
                       </a:r>
                       <a:r>
-                        <a:rPr lang="cs-CZ" sz="1400" baseline="0" dirty="0"/>
+                        <a:rPr lang="cs-CZ" sz="1600" baseline="0" dirty="0">
+                          <a:latin typeface="Cambria Math" panose="02040503050406030204" pitchFamily="18" charset="0"/>
+                          <a:ea typeface="Cambria Math" panose="02040503050406030204" pitchFamily="18" charset="0"/>
+                        </a:rPr>
                         <a:t> &gt; 127, x</a:t>
                       </a:r>
                       <a:r>
-                        <a:rPr lang="cs-CZ" sz="1400" baseline="-25000" dirty="0"/>
+                        <a:rPr lang="cs-CZ" sz="1600" baseline="-25000" dirty="0">
+                          <a:latin typeface="Cambria Math" panose="02040503050406030204" pitchFamily="18" charset="0"/>
+                          <a:ea typeface="Cambria Math" panose="02040503050406030204" pitchFamily="18" charset="0"/>
+                        </a:rPr>
                         <a:t>2 </a:t>
                       </a:r>
                       <a:r>
-                        <a:rPr lang="cs-CZ" sz="1400" baseline="0" dirty="0" err="1"/>
+                        <a:rPr lang="cs-CZ" sz="1600" baseline="0" dirty="0" err="1">
+                          <a:latin typeface="Cambria Math" panose="02040503050406030204" pitchFamily="18" charset="0"/>
+                          <a:ea typeface="Cambria Math" panose="02040503050406030204" pitchFamily="18" charset="0"/>
+                        </a:rPr>
                         <a:t>else</a:t>
                       </a:r>
                       <a:r>
-                        <a:rPr lang="cs-CZ" sz="1400" baseline="0" dirty="0"/>
+                        <a:rPr lang="cs-CZ" sz="1600" baseline="0" dirty="0">
+                          <a:latin typeface="Cambria Math" panose="02040503050406030204" pitchFamily="18" charset="0"/>
+                          <a:ea typeface="Cambria Math" panose="02040503050406030204" pitchFamily="18" charset="0"/>
+                        </a:rPr>
                         <a:t> x</a:t>
                       </a:r>
                       <a:r>
-                        <a:rPr lang="cs-CZ" sz="1400" baseline="-25000" dirty="0"/>
+                        <a:rPr lang="cs-CZ" sz="1600" baseline="-25000" dirty="0">
+                          <a:latin typeface="Cambria Math" panose="02040503050406030204" pitchFamily="18" charset="0"/>
+                          <a:ea typeface="Cambria Math" panose="02040503050406030204" pitchFamily="18" charset="0"/>
+                        </a:rPr>
                         <a:t>1</a:t>
                       </a:r>
-                      <a:endParaRPr lang="cs-CZ" sz="1400" dirty="0"/>
+                      <a:endParaRPr lang="cs-CZ" sz="1600" dirty="0">
+                        <a:latin typeface="Cambria Math" panose="02040503050406030204" pitchFamily="18" charset="0"/>
+                        <a:ea typeface="Cambria Math" panose="02040503050406030204" pitchFamily="18" charset="0"/>
+                      </a:endParaRPr>
                     </a:p>
                   </a:txBody>
                   <a:tcPr/>
@@ -6546,8 +9121,8 @@
         </p:nvSpPr>
         <p:spPr>
           <a:xfrm>
-            <a:off x="365467" y="4166504"/>
-            <a:ext cx="2842060" cy="1452705"/>
+            <a:off x="431801" y="4241832"/>
+            <a:ext cx="3719983" cy="972574"/>
           </a:xfrm>
           <a:prstGeom prst="rect">
             <a:avLst/>
@@ -6568,7 +9143,7 @@
           </a:fontRef>
         </p:style>
         <p:txBody>
-          <a:bodyPr wrap="none" rtlCol="0">
+          <a:bodyPr wrap="square" rtlCol="0">
             <a:spAutoFit/>
           </a:bodyPr>
           <a:lstStyle/>
@@ -6585,13 +9160,8 @@
                 <a:ea typeface="Calibri" panose="020F0502020204030204" pitchFamily="34" charset="0"/>
                 <a:cs typeface="Calibri" panose="020F0502020204030204" pitchFamily="34" charset="0"/>
               </a:rPr>
-              <a:t>Vždy provedeno</a:t>
-            </a:r>
-          </a:p>
-          <a:p>
-            <a:pPr algn="l">
-              <a:buNone/>
-            </a:pPr>
+              <a:t>Vždy provedeno </a:t>
+            </a:r>
             <a:r>
               <a:rPr lang="cs-CZ" sz="2600" dirty="0">
                 <a:solidFill>
@@ -6603,6 +9173,11 @@
               </a:rPr>
               <a:t>30 běhů </a:t>
             </a:r>
+          </a:p>
+          <a:p>
+            <a:pPr algn="l">
+              <a:buNone/>
+            </a:pPr>
             <a:r>
               <a:rPr lang="cs-CZ" sz="2600" b="0" dirty="0">
                 <a:solidFill>
@@ -6612,23 +9187,270 @@
                 <a:ea typeface="Calibri" panose="020F0502020204030204" pitchFamily="34" charset="0"/>
                 <a:cs typeface="Calibri" panose="020F0502020204030204" pitchFamily="34" charset="0"/>
               </a:rPr>
-              <a:t>při každém</a:t>
-            </a:r>
-          </a:p>
-          <a:p>
-            <a:pPr algn="l">
-              <a:buNone/>
+              <a:t>při každém nastavení</a:t>
+            </a:r>
+          </a:p>
+        </p:txBody>
+      </p:sp>
+      <p:sp>
+        <p:nvSpPr>
+          <p:cNvPr id="5" name="Zástupný symbol pro zápatí 3">
+            <a:extLst>
+              <a:ext uri="{FF2B5EF4-FFF2-40B4-BE49-F238E27FC236}">
+                <a16:creationId xmlns:a16="http://schemas.microsoft.com/office/drawing/2014/main" id="{F13C7986-3BEE-482D-987B-1BED3EA3A0EE}"/>
+              </a:ext>
+            </a:extLst>
+          </p:cNvPr>
+          <p:cNvSpPr>
+            <a:spLocks noGrp="1"/>
+          </p:cNvSpPr>
+          <p:nvPr>
+            <p:ph type="ftr" sz="quarter" idx="10"/>
+          </p:nvPr>
+        </p:nvSpPr>
+        <p:spPr>
+          <a:xfrm>
+            <a:off x="1631504" y="6518422"/>
+            <a:ext cx="10464800" cy="333375"/>
+          </a:xfrm>
+        </p:spPr>
+        <p:txBody>
+          <a:bodyPr/>
+          <a:lstStyle/>
+          <a:p>
+            <a:pPr>
+              <a:defRPr/>
             </a:pPr>
             <a:r>
-              <a:rPr lang="cs-CZ" sz="2600" b="0" dirty="0">
+              <a:rPr lang="cs-CZ" dirty="0"/>
+              <a:t>1/x</a:t>
+            </a:r>
+          </a:p>
+        </p:txBody>
+      </p:sp>
+      <p:sp>
+        <p:nvSpPr>
+          <p:cNvPr id="9" name="Zástupný obsah 2">
+            <a:extLst>
+              <a:ext uri="{FF2B5EF4-FFF2-40B4-BE49-F238E27FC236}">
+                <a16:creationId xmlns:a16="http://schemas.microsoft.com/office/drawing/2014/main" id="{3A890E61-8BC8-D12E-0D9A-7D0154480E98}"/>
+              </a:ext>
+            </a:extLst>
+          </p:cNvPr>
+          <p:cNvSpPr txBox="1">
+            <a:spLocks/>
+          </p:cNvSpPr>
+          <p:nvPr/>
+        </p:nvSpPr>
+        <p:spPr bwMode="auto">
+          <a:xfrm>
+            <a:off x="315170" y="6134969"/>
+            <a:ext cx="11781134" cy="370562"/>
+          </a:xfrm>
+          <a:prstGeom prst="rect">
+            <a:avLst/>
+          </a:prstGeom>
+          <a:noFill/>
+          <a:ln>
+            <a:noFill/>
+          </a:ln>
+          <a:extLst>
+            <a:ext uri="{909E8E84-426E-40DD-AFC4-6F175D3DCCD1}">
+              <a14:hiddenFill xmlns:a14="http://schemas.microsoft.com/office/drawing/2010/main">
+                <a:solidFill>
+                  <a:srgbClr val="FFFFFF"/>
+                </a:solidFill>
+              </a14:hiddenFill>
+            </a:ext>
+            <a:ext uri="{91240B29-F687-4F45-9708-019B960494DF}">
+              <a14:hiddenLine xmlns:a14="http://schemas.microsoft.com/office/drawing/2010/main" w="9525">
+                <a:solidFill>
+                  <a:srgbClr val="000000"/>
+                </a:solidFill>
+                <a:miter lim="800000"/>
+                <a:headEnd/>
+                <a:tailEnd/>
+              </a14:hiddenLine>
+            </a:ext>
+          </a:extLst>
+        </p:spPr>
+        <p:txBody>
+          <a:bodyPr vert="horz" wrap="square" lIns="91440" tIns="45720" rIns="91440" bIns="45720" numCol="1" anchor="t" anchorCtr="0" compatLnSpc="1">
+            <a:prstTxWarp prst="textNoShape">
+              <a:avLst/>
+            </a:prstTxWarp>
+          </a:bodyPr>
+          <a:lstStyle>
+            <a:lvl1pPr marL="342900" indent="-342900" algn="l" rtl="0" eaLnBrk="1" fontAlgn="base" hangingPunct="1">
+              <a:spcBef>
+                <a:spcPct val="20000"/>
+              </a:spcBef>
+              <a:spcAft>
+                <a:spcPct val="0"/>
+              </a:spcAft>
+              <a:buChar char="•"/>
+              <a:defRPr sz="2600">
                 <a:solidFill>
                   <a:schemeClr val="tx1"/>
                 </a:solidFill>
-                <a:latin typeface="Calibri" panose="020F0502020204030204" pitchFamily="34" charset="0"/>
+                <a:latin typeface="Calibri" pitchFamily="34" charset="0"/>
                 <a:ea typeface="Calibri" panose="020F0502020204030204" pitchFamily="34" charset="0"/>
-                <a:cs typeface="Calibri" panose="020F0502020204030204" pitchFamily="34" charset="0"/>
+                <a:cs typeface="Calibri" pitchFamily="34" charset="0"/>
+              </a:defRPr>
+            </a:lvl1pPr>
+            <a:lvl2pPr marL="742950" indent="-285750" algn="l" rtl="0" eaLnBrk="1" fontAlgn="base" hangingPunct="1">
+              <a:spcBef>
+                <a:spcPct val="20000"/>
+              </a:spcBef>
+              <a:spcAft>
+                <a:spcPct val="0"/>
+              </a:spcAft>
+              <a:buChar char="•"/>
+              <a:defRPr sz="2400">
+                <a:solidFill>
+                  <a:schemeClr val="tx1"/>
+                </a:solidFill>
+                <a:latin typeface="Calibri" pitchFamily="34" charset="0"/>
+                <a:ea typeface="Calibri" panose="020F0502020204030204" pitchFamily="34" charset="0"/>
+                <a:cs typeface="Calibri" pitchFamily="34" charset="0"/>
+              </a:defRPr>
+            </a:lvl2pPr>
+            <a:lvl3pPr marL="1143000" indent="-228600" algn="l" rtl="0" eaLnBrk="1" fontAlgn="base" hangingPunct="1">
+              <a:spcBef>
+                <a:spcPct val="20000"/>
+              </a:spcBef>
+              <a:spcAft>
+                <a:spcPct val="0"/>
+              </a:spcAft>
+              <a:buChar char="•"/>
+              <a:defRPr sz="2200">
+                <a:solidFill>
+                  <a:schemeClr val="tx1"/>
+                </a:solidFill>
+                <a:latin typeface="Calibri" pitchFamily="34" charset="0"/>
+                <a:ea typeface="Calibri" panose="020F0502020204030204" pitchFamily="34" charset="0"/>
+                <a:cs typeface="Calibri" pitchFamily="34" charset="0"/>
+              </a:defRPr>
+            </a:lvl3pPr>
+            <a:lvl4pPr marL="1600200" indent="-228600" algn="l" rtl="0" eaLnBrk="1" fontAlgn="base" hangingPunct="1">
+              <a:spcBef>
+                <a:spcPct val="20000"/>
+              </a:spcBef>
+              <a:spcAft>
+                <a:spcPct val="0"/>
+              </a:spcAft>
+              <a:buChar char="•"/>
+              <a:defRPr sz="1600">
+                <a:solidFill>
+                  <a:schemeClr val="tx1"/>
+                </a:solidFill>
+                <a:latin typeface="Calibri" pitchFamily="34" charset="0"/>
+                <a:ea typeface="Calibri" panose="020F0502020204030204" pitchFamily="34" charset="0"/>
+                <a:cs typeface="Calibri" pitchFamily="34" charset="0"/>
+              </a:defRPr>
+            </a:lvl4pPr>
+            <a:lvl5pPr marL="2057400" indent="-228600" algn="l" rtl="0" eaLnBrk="1" fontAlgn="base" hangingPunct="1">
+              <a:spcBef>
+                <a:spcPct val="20000"/>
+              </a:spcBef>
+              <a:spcAft>
+                <a:spcPct val="0"/>
+              </a:spcAft>
+              <a:buChar char="•"/>
+              <a:defRPr sz="1400">
+                <a:solidFill>
+                  <a:schemeClr val="tx1"/>
+                </a:solidFill>
+                <a:latin typeface="Calibri" pitchFamily="34" charset="0"/>
+                <a:ea typeface="Calibri" panose="020F0502020204030204" pitchFamily="34" charset="0"/>
+                <a:cs typeface="Calibri" pitchFamily="34" charset="0"/>
+              </a:defRPr>
+            </a:lvl5pPr>
+            <a:lvl6pPr marL="2514600" indent="-228600" algn="l" rtl="0" eaLnBrk="1" fontAlgn="base" hangingPunct="1">
+              <a:spcBef>
+                <a:spcPct val="20000"/>
+              </a:spcBef>
+              <a:spcAft>
+                <a:spcPct val="0"/>
+              </a:spcAft>
+              <a:buChar char="•"/>
+              <a:defRPr sz="1400">
+                <a:solidFill>
+                  <a:schemeClr val="tx1"/>
+                </a:solidFill>
+                <a:latin typeface="+mn-lt"/>
+              </a:defRPr>
+            </a:lvl6pPr>
+            <a:lvl7pPr marL="2971800" indent="-228600" algn="l" rtl="0" eaLnBrk="1" fontAlgn="base" hangingPunct="1">
+              <a:spcBef>
+                <a:spcPct val="20000"/>
+              </a:spcBef>
+              <a:spcAft>
+                <a:spcPct val="0"/>
+              </a:spcAft>
+              <a:buChar char="•"/>
+              <a:defRPr sz="1400">
+                <a:solidFill>
+                  <a:schemeClr val="tx1"/>
+                </a:solidFill>
+                <a:latin typeface="+mn-lt"/>
+              </a:defRPr>
+            </a:lvl7pPr>
+            <a:lvl8pPr marL="3429000" indent="-228600" algn="l" rtl="0" eaLnBrk="1" fontAlgn="base" hangingPunct="1">
+              <a:spcBef>
+                <a:spcPct val="20000"/>
+              </a:spcBef>
+              <a:spcAft>
+                <a:spcPct val="0"/>
+              </a:spcAft>
+              <a:buChar char="•"/>
+              <a:defRPr sz="1400">
+                <a:solidFill>
+                  <a:schemeClr val="tx1"/>
+                </a:solidFill>
+                <a:latin typeface="+mn-lt"/>
+              </a:defRPr>
+            </a:lvl8pPr>
+            <a:lvl9pPr marL="3886200" indent="-228600" algn="l" rtl="0" eaLnBrk="1" fontAlgn="base" hangingPunct="1">
+              <a:spcBef>
+                <a:spcPct val="20000"/>
+              </a:spcBef>
+              <a:spcAft>
+                <a:spcPct val="0"/>
+              </a:spcAft>
+              <a:buChar char="•"/>
+              <a:defRPr sz="1400">
+                <a:solidFill>
+                  <a:schemeClr val="tx1"/>
+                </a:solidFill>
+                <a:latin typeface="+mn-lt"/>
+              </a:defRPr>
+            </a:lvl9pPr>
+          </a:lstStyle>
+          <a:p>
+            <a:pPr marL="0" indent="0">
+              <a:buNone/>
+            </a:pPr>
+            <a:r>
+              <a:rPr lang="cs-CZ" sz="1600" b="0" kern="0" dirty="0"/>
+              <a:t>Počáteční parametry CGP byly nastaveny na základě: 	Z. Vašíček, M. Bidlo: </a:t>
+            </a:r>
+            <a:r>
+              <a:rPr lang="en-US" sz="1600" b="1" dirty="0">
+                <a:hlinkClick r:id="rId3"/>
               </a:rPr>
-              <a:t>nastavení</a:t>
+              <a:t>Evolutionary design of robust noise-specific image filters</a:t>
+            </a:r>
+            <a:endParaRPr lang="en-US" sz="1600" b="1" dirty="0"/>
+          </a:p>
+          <a:p>
+            <a:pPr marL="0" indent="0">
+              <a:buFontTx/>
+              <a:buNone/>
+            </a:pPr>
+            <a:r>
+              <a:rPr lang="cs-CZ" sz="1600" b="0" kern="0" dirty="0"/>
+              <a:t> </a:t>
             </a:r>
           </a:p>
         </p:txBody>
@@ -6680,32 +9502,7 @@
           <a:p>
             <a:r>
               <a:rPr lang="cs-CZ" dirty="0"/>
-              <a:t>Souhrn provedených experimentů</a:t>
-            </a:r>
-          </a:p>
-        </p:txBody>
-      </p:sp>
-      <p:sp>
-        <p:nvSpPr>
-          <p:cNvPr id="4" name="Zástupný symbol pro zápatí 3"/>
-          <p:cNvSpPr>
-            <a:spLocks noGrp="1"/>
-          </p:cNvSpPr>
-          <p:nvPr>
-            <p:ph type="ftr" sz="quarter" idx="10"/>
-          </p:nvPr>
-        </p:nvSpPr>
-        <p:spPr/>
-        <p:txBody>
-          <a:bodyPr/>
-          <a:lstStyle/>
-          <a:p>
-            <a:pPr>
-              <a:defRPr/>
-            </a:pPr>
-            <a:r>
-              <a:rPr lang="cs-CZ" dirty="0"/>
-              <a:t>Název práce</a:t>
+              <a:t>Přehled provedených experimentů</a:t>
             </a:r>
           </a:p>
         </p:txBody>
@@ -6738,7 +9535,7 @@
           <a:p>
             <a:r>
               <a:rPr lang="cs-CZ" dirty="0"/>
-              <a:t>CGP filtru pro </a:t>
+              <a:t>CGP obrazového filtru pro </a:t>
             </a:r>
             <a:r>
               <a:rPr lang="cs-CZ" b="1" dirty="0"/>
@@ -6793,16 +9590,237 @@
             </a:r>
             <a:r>
               <a:rPr lang="cs-CZ" b="1" dirty="0"/>
-              <a:t>tvary a velikosti okna </a:t>
+              <a:t>tvary a velikosti okolí </a:t>
             </a:r>
             <a:r>
               <a:rPr lang="cs-CZ" dirty="0"/>
-              <a:t>pro vybrané šumy ()</a:t>
-            </a:r>
+              <a:t>pro vybrané šumy (          ,          ,     , 	        ,                  )</a:t>
+            </a:r>
+          </a:p>
+          <a:p>
+            <a:endParaRPr lang="cs-CZ" b="1" dirty="0"/>
+          </a:p>
+          <a:p>
             <a:endParaRPr lang="cs-CZ" b="1" dirty="0"/>
           </a:p>
         </p:txBody>
       </p:sp>
+      <p:sp>
+        <p:nvSpPr>
+          <p:cNvPr id="6" name="Zástupný symbol pro zápatí 3">
+            <a:extLst>
+              <a:ext uri="{FF2B5EF4-FFF2-40B4-BE49-F238E27FC236}">
+                <a16:creationId xmlns:a16="http://schemas.microsoft.com/office/drawing/2014/main" id="{8AD3B09B-F4F8-D3F9-7B95-3855E65C7F68}"/>
+              </a:ext>
+            </a:extLst>
+          </p:cNvPr>
+          <p:cNvSpPr>
+            <a:spLocks noGrp="1"/>
+          </p:cNvSpPr>
+          <p:nvPr>
+            <p:ph type="ftr" sz="quarter" idx="10"/>
+          </p:nvPr>
+        </p:nvSpPr>
+        <p:spPr>
+          <a:xfrm>
+            <a:off x="1631504" y="6518422"/>
+            <a:ext cx="10464800" cy="333375"/>
+          </a:xfrm>
+        </p:spPr>
+        <p:txBody>
+          <a:bodyPr/>
+          <a:lstStyle/>
+          <a:p>
+            <a:pPr>
+              <a:defRPr/>
+            </a:pPr>
+            <a:r>
+              <a:rPr lang="cs-CZ" dirty="0"/>
+              <a:t>1/x</a:t>
+            </a:r>
+          </a:p>
+        </p:txBody>
+      </p:sp>
+      <p:pic>
+        <p:nvPicPr>
+          <p:cNvPr id="20" name="Grafický objekt 19">
+            <a:extLst>
+              <a:ext uri="{FF2B5EF4-FFF2-40B4-BE49-F238E27FC236}">
+                <a16:creationId xmlns:a16="http://schemas.microsoft.com/office/drawing/2014/main" id="{465A84AF-99EE-2716-2891-C80087229758}"/>
+              </a:ext>
+            </a:extLst>
+          </p:cNvPr>
+          <p:cNvPicPr>
+            <a:picLocks noChangeAspect="1"/>
+          </p:cNvPicPr>
+          <p:nvPr/>
+        </p:nvPicPr>
+        <p:blipFill>
+          <a:blip r:embed="rId3">
+            <a:extLst>
+              <a:ext uri="{96DAC541-7B7A-43D3-8B79-37D633B846F1}">
+                <asvg:svgBlip xmlns:asvg="http://schemas.microsoft.com/office/drawing/2016/SVG/main" r:embed="rId4"/>
+              </a:ext>
+            </a:extLst>
+          </a:blip>
+          <a:stretch>
+            <a:fillRect/>
+          </a:stretch>
+        </p:blipFill>
+        <p:spPr>
+          <a:xfrm>
+            <a:off x="7254428" y="3501578"/>
+            <a:ext cx="685800" cy="685800"/>
+          </a:xfrm>
+          <a:prstGeom prst="rect">
+            <a:avLst/>
+          </a:prstGeom>
+        </p:spPr>
+      </p:pic>
+      <p:pic>
+        <p:nvPicPr>
+          <p:cNvPr id="22" name="Grafický objekt 21">
+            <a:extLst>
+              <a:ext uri="{FF2B5EF4-FFF2-40B4-BE49-F238E27FC236}">
+                <a16:creationId xmlns:a16="http://schemas.microsoft.com/office/drawing/2014/main" id="{645FAB98-7232-F1B1-75A9-06EB34DA27CC}"/>
+              </a:ext>
+            </a:extLst>
+          </p:cNvPr>
+          <p:cNvPicPr>
+            <a:picLocks noChangeAspect="1"/>
+          </p:cNvPicPr>
+          <p:nvPr/>
+        </p:nvPicPr>
+        <p:blipFill>
+          <a:blip r:embed="rId5">
+            <a:extLst>
+              <a:ext uri="{96DAC541-7B7A-43D3-8B79-37D633B846F1}">
+                <asvg:svgBlip xmlns:asvg="http://schemas.microsoft.com/office/drawing/2016/SVG/main" r:embed="rId6"/>
+              </a:ext>
+            </a:extLst>
+          </a:blip>
+          <a:stretch>
+            <a:fillRect/>
+          </a:stretch>
+        </p:blipFill>
+        <p:spPr>
+          <a:xfrm>
+            <a:off x="9439275" y="3501578"/>
+            <a:ext cx="685800" cy="685800"/>
+          </a:xfrm>
+          <a:prstGeom prst="rect">
+            <a:avLst/>
+          </a:prstGeom>
+        </p:spPr>
+      </p:pic>
+      <p:pic>
+        <p:nvPicPr>
+          <p:cNvPr id="24" name="Grafický objekt 23">
+            <a:extLst>
+              <a:ext uri="{FF2B5EF4-FFF2-40B4-BE49-F238E27FC236}">
+                <a16:creationId xmlns:a16="http://schemas.microsoft.com/office/drawing/2014/main" id="{B139F0A0-14D7-1990-AD73-26B153009156}"/>
+              </a:ext>
+            </a:extLst>
+          </p:cNvPr>
+          <p:cNvPicPr>
+            <a:picLocks noChangeAspect="1"/>
+          </p:cNvPicPr>
+          <p:nvPr/>
+        </p:nvPicPr>
+        <p:blipFill>
+          <a:blip r:embed="rId7">
+            <a:extLst>
+              <a:ext uri="{96DAC541-7B7A-43D3-8B79-37D633B846F1}">
+                <asvg:svgBlip xmlns:asvg="http://schemas.microsoft.com/office/drawing/2016/SVG/main" r:embed="rId8"/>
+              </a:ext>
+            </a:extLst>
+          </a:blip>
+          <a:stretch>
+            <a:fillRect/>
+          </a:stretch>
+        </p:blipFill>
+        <p:spPr>
+          <a:xfrm>
+            <a:off x="8955088" y="3501578"/>
+            <a:ext cx="238125" cy="685800"/>
+          </a:xfrm>
+          <a:prstGeom prst="rect">
+            <a:avLst/>
+          </a:prstGeom>
+        </p:spPr>
+      </p:pic>
+      <p:pic>
+        <p:nvPicPr>
+          <p:cNvPr id="26" name="Grafický objekt 25">
+            <a:extLst>
+              <a:ext uri="{FF2B5EF4-FFF2-40B4-BE49-F238E27FC236}">
+                <a16:creationId xmlns:a16="http://schemas.microsoft.com/office/drawing/2014/main" id="{0EEDF6F3-BB32-2AC1-0E11-F897D9E9E51F}"/>
+              </a:ext>
+            </a:extLst>
+          </p:cNvPr>
+          <p:cNvPicPr>
+            <a:picLocks noChangeAspect="1"/>
+          </p:cNvPicPr>
+          <p:nvPr/>
+        </p:nvPicPr>
+        <p:blipFill>
+          <a:blip r:embed="rId9">
+            <a:extLst>
+              <a:ext uri="{96DAC541-7B7A-43D3-8B79-37D633B846F1}">
+                <asvg:svgBlip xmlns:asvg="http://schemas.microsoft.com/office/drawing/2016/SVG/main" r:embed="rId10"/>
+              </a:ext>
+            </a:extLst>
+          </a:blip>
+          <a:stretch>
+            <a:fillRect/>
+          </a:stretch>
+        </p:blipFill>
+        <p:spPr>
+          <a:xfrm>
+            <a:off x="8104758" y="3501578"/>
+            <a:ext cx="685800" cy="685800"/>
+          </a:xfrm>
+          <a:prstGeom prst="rect">
+            <a:avLst/>
+          </a:prstGeom>
+        </p:spPr>
+      </p:pic>
+      <p:pic>
+        <p:nvPicPr>
+          <p:cNvPr id="28" name="Grafický objekt 27">
+            <a:extLst>
+              <a:ext uri="{FF2B5EF4-FFF2-40B4-BE49-F238E27FC236}">
+                <a16:creationId xmlns:a16="http://schemas.microsoft.com/office/drawing/2014/main" id="{66EF228C-BFC1-E040-F996-F5ACFE24878D}"/>
+              </a:ext>
+            </a:extLst>
+          </p:cNvPr>
+          <p:cNvPicPr>
+            <a:picLocks noChangeAspect="1"/>
+          </p:cNvPicPr>
+          <p:nvPr/>
+        </p:nvPicPr>
+        <p:blipFill>
+          <a:blip r:embed="rId11">
+            <a:extLst>
+              <a:ext uri="{96DAC541-7B7A-43D3-8B79-37D633B846F1}">
+                <asvg:svgBlip xmlns:asvg="http://schemas.microsoft.com/office/drawing/2016/SVG/main" r:embed="rId12"/>
+              </a:ext>
+            </a:extLst>
+          </a:blip>
+          <a:stretch>
+            <a:fillRect/>
+          </a:stretch>
+        </p:blipFill>
+        <p:spPr>
+          <a:xfrm>
+            <a:off x="10371137" y="3282503"/>
+            <a:ext cx="1123950" cy="1123950"/>
+          </a:xfrm>
+          <a:prstGeom prst="rect">
+            <a:avLst/>
+          </a:prstGeom>
+        </p:spPr>
+      </p:pic>
     </p:spTree>
     <p:extLst>
       <p:ext uri="{BB962C8B-B14F-4D97-AF65-F5344CB8AC3E}">
@@ -6850,32 +9868,7 @@
           <a:p>
             <a:r>
               <a:rPr lang="cs-CZ" dirty="0"/>
-              <a:t>Souhrn provedených experimentů</a:t>
-            </a:r>
-          </a:p>
-        </p:txBody>
-      </p:sp>
-      <p:sp>
-        <p:nvSpPr>
-          <p:cNvPr id="4" name="Zástupný symbol pro zápatí 3"/>
-          <p:cNvSpPr>
-            <a:spLocks noGrp="1"/>
-          </p:cNvSpPr>
-          <p:nvPr>
-            <p:ph type="ftr" sz="quarter" idx="10"/>
-          </p:nvPr>
-        </p:nvSpPr>
-        <p:spPr/>
-        <p:txBody>
-          <a:bodyPr/>
-          <a:lstStyle/>
-          <a:p>
-            <a:pPr>
-              <a:defRPr/>
-            </a:pPr>
-            <a:r>
-              <a:rPr lang="cs-CZ" dirty="0"/>
-              <a:t>Název práce</a:t>
+              <a:t>CGP obrazového filtru pro jednotlivé šumy</a:t>
             </a:r>
           </a:p>
         </p:txBody>
@@ -6906,73 +9899,609 @@
           <a:bodyPr/>
           <a:lstStyle/>
           <a:p>
-            <a:r>
-              <a:rPr lang="cs-CZ" dirty="0"/>
-              <a:t>CGP filtru pro </a:t>
-            </a:r>
-            <a:r>
-              <a:rPr lang="cs-CZ" b="1" dirty="0"/>
-              <a:t>každý druh šumu</a:t>
-            </a:r>
-            <a:r>
-              <a:rPr lang="cs-CZ" dirty="0"/>
-              <a:t> zvlášť</a:t>
-            </a:r>
-          </a:p>
-          <a:p>
             <a:endParaRPr lang="cs-CZ" dirty="0"/>
           </a:p>
           <a:p>
-            <a:r>
-              <a:rPr lang="cs-CZ" dirty="0"/>
-              <a:t>Různé </a:t>
-            </a:r>
-            <a:r>
-              <a:rPr lang="cs-CZ" b="1" dirty="0"/>
-              <a:t>pravděpodobnosti mutací </a:t>
-            </a:r>
-            <a:r>
-              <a:rPr lang="cs-CZ" dirty="0"/>
-              <a:t>pro vybrané šumy (0.02, 0.1, 0.15)</a:t>
-            </a:r>
-          </a:p>
-          <a:p>
             <a:endParaRPr lang="cs-CZ" dirty="0"/>
-          </a:p>
-          <a:p>
-            <a:r>
-              <a:rPr lang="cs-CZ" dirty="0"/>
-              <a:t>Různé </a:t>
-            </a:r>
-            <a:r>
-              <a:rPr lang="cs-CZ" b="1" dirty="0"/>
-              <a:t>rozměry matice </a:t>
-            </a:r>
-            <a:r>
-              <a:rPr lang="cs-CZ" dirty="0"/>
-              <a:t>pro vybrané šumy (9x6, 2x10, 5x5)</a:t>
-            </a:r>
-          </a:p>
-          <a:p>
-            <a:endParaRPr lang="cs-CZ" dirty="0"/>
-          </a:p>
-          <a:p>
-            <a:r>
-              <a:rPr lang="cs-CZ" dirty="0"/>
-              <a:t>Různé </a:t>
-            </a:r>
-            <a:r>
-              <a:rPr lang="cs-CZ" b="1" dirty="0"/>
-              <a:t>tvary a velikosti okna </a:t>
-            </a:r>
-            <a:r>
-              <a:rPr lang="cs-CZ" dirty="0"/>
-              <a:t>pro vybrané šumy ()</a:t>
-            </a:r>
-            <a:endParaRPr lang="cs-CZ" b="1" dirty="0"/>
           </a:p>
         </p:txBody>
       </p:sp>
+      <p:sp>
+        <p:nvSpPr>
+          <p:cNvPr id="5" name="Zástupný symbol pro zápatí 3">
+            <a:extLst>
+              <a:ext uri="{FF2B5EF4-FFF2-40B4-BE49-F238E27FC236}">
+                <a16:creationId xmlns:a16="http://schemas.microsoft.com/office/drawing/2014/main" id="{3DE61977-3B64-3A40-2C61-7D194B9677EC}"/>
+              </a:ext>
+            </a:extLst>
+          </p:cNvPr>
+          <p:cNvSpPr>
+            <a:spLocks noGrp="1"/>
+          </p:cNvSpPr>
+          <p:nvPr>
+            <p:ph type="ftr" sz="quarter" idx="10"/>
+          </p:nvPr>
+        </p:nvSpPr>
+        <p:spPr>
+          <a:xfrm>
+            <a:off x="1631504" y="6518422"/>
+            <a:ext cx="10464800" cy="333375"/>
+          </a:xfrm>
+        </p:spPr>
+        <p:txBody>
+          <a:bodyPr/>
+          <a:lstStyle/>
+          <a:p>
+            <a:pPr>
+              <a:defRPr/>
+            </a:pPr>
+            <a:r>
+              <a:rPr lang="cs-CZ" dirty="0"/>
+              <a:t>1/x</a:t>
+            </a:r>
+          </a:p>
+        </p:txBody>
+      </p:sp>
+      <p:pic>
+        <p:nvPicPr>
+          <p:cNvPr id="17" name="Obrázek 16" descr="Obsah obrázku černobílá, černobílý, Černobílá fotografie, umění&#10;&#10;Popis byl vytvořen automaticky">
+            <a:extLst>
+              <a:ext uri="{FF2B5EF4-FFF2-40B4-BE49-F238E27FC236}">
+                <a16:creationId xmlns:a16="http://schemas.microsoft.com/office/drawing/2014/main" id="{F4D341FF-28E9-53F8-0F8D-A72D2705AB5A}"/>
+              </a:ext>
+            </a:extLst>
+          </p:cNvPr>
+          <p:cNvPicPr>
+            <a:picLocks noChangeAspect="1"/>
+          </p:cNvPicPr>
+          <p:nvPr/>
+        </p:nvPicPr>
+        <p:blipFill>
+          <a:blip r:embed="rId3">
+            <a:extLst>
+              <a:ext uri="{28A0092B-C50C-407E-A947-70E740481C1C}">
+                <a14:useLocalDpi xmlns:a14="http://schemas.microsoft.com/office/drawing/2010/main" val="0"/>
+              </a:ext>
+            </a:extLst>
+          </a:blip>
+          <a:stretch>
+            <a:fillRect/>
+          </a:stretch>
+        </p:blipFill>
+        <p:spPr>
+          <a:xfrm>
+            <a:off x="8074690" y="980728"/>
+            <a:ext cx="1733637" cy="1733637"/>
+          </a:xfrm>
+          <a:prstGeom prst="rect">
+            <a:avLst/>
+          </a:prstGeom>
+        </p:spPr>
+      </p:pic>
+      <p:pic>
+        <p:nvPicPr>
+          <p:cNvPr id="19" name="Obrázek 18" descr="Obsah obrázku černobílá, kresba, skica, umění&#10;&#10;Popis byl vytvořen automaticky">
+            <a:extLst>
+              <a:ext uri="{FF2B5EF4-FFF2-40B4-BE49-F238E27FC236}">
+                <a16:creationId xmlns:a16="http://schemas.microsoft.com/office/drawing/2014/main" id="{1955872D-7B41-BF3E-0D52-4706C313CFE7}"/>
+              </a:ext>
+            </a:extLst>
+          </p:cNvPr>
+          <p:cNvPicPr>
+            <a:picLocks noChangeAspect="1"/>
+          </p:cNvPicPr>
+          <p:nvPr/>
+        </p:nvPicPr>
+        <p:blipFill>
+          <a:blip r:embed="rId4">
+            <a:extLst>
+              <a:ext uri="{28A0092B-C50C-407E-A947-70E740481C1C}">
+                <a14:useLocalDpi xmlns:a14="http://schemas.microsoft.com/office/drawing/2010/main" val="0"/>
+              </a:ext>
+            </a:extLst>
+          </a:blip>
+          <a:stretch>
+            <a:fillRect/>
+          </a:stretch>
+        </p:blipFill>
+        <p:spPr>
+          <a:xfrm>
+            <a:off x="6026511" y="968869"/>
+            <a:ext cx="1733637" cy="1733637"/>
+          </a:xfrm>
+          <a:prstGeom prst="rect">
+            <a:avLst/>
+          </a:prstGeom>
+        </p:spPr>
+      </p:pic>
+      <p:sp>
+        <p:nvSpPr>
+          <p:cNvPr id="22" name="TextovéPole 21">
+            <a:extLst>
+              <a:ext uri="{FF2B5EF4-FFF2-40B4-BE49-F238E27FC236}">
+                <a16:creationId xmlns:a16="http://schemas.microsoft.com/office/drawing/2014/main" id="{BEBA0449-1FBE-0D10-0C74-637C0DF24AA1}"/>
+              </a:ext>
+            </a:extLst>
+          </p:cNvPr>
+          <p:cNvSpPr txBox="1"/>
+          <p:nvPr/>
+        </p:nvSpPr>
+        <p:spPr>
+          <a:xfrm>
+            <a:off x="6631077" y="616751"/>
+            <a:ext cx="524503" cy="338554"/>
+          </a:xfrm>
+          <a:prstGeom prst="rect">
+            <a:avLst/>
+          </a:prstGeom>
+          <a:noFill/>
+        </p:spPr>
+        <p:txBody>
+          <a:bodyPr wrap="none" rtlCol="0">
+            <a:spAutoFit/>
+          </a:bodyPr>
+          <a:lstStyle/>
+          <a:p>
+            <a:pPr algn="l">
+              <a:buNone/>
+            </a:pPr>
+            <a:r>
+              <a:rPr lang="cs-CZ" sz="1600" b="0" dirty="0">
+                <a:solidFill>
+                  <a:schemeClr val="tx1"/>
+                </a:solidFill>
+                <a:latin typeface="Calibri" panose="020F0502020204030204" pitchFamily="34" charset="0"/>
+                <a:ea typeface="Calibri" panose="020F0502020204030204" pitchFamily="34" charset="0"/>
+                <a:cs typeface="Calibri" panose="020F0502020204030204" pitchFamily="34" charset="0"/>
+              </a:rPr>
+              <a:t>S&amp;P</a:t>
+            </a:r>
+          </a:p>
+        </p:txBody>
+      </p:sp>
+      <p:sp>
+        <p:nvSpPr>
+          <p:cNvPr id="23" name="TextovéPole 22">
+            <a:extLst>
+              <a:ext uri="{FF2B5EF4-FFF2-40B4-BE49-F238E27FC236}">
+                <a16:creationId xmlns:a16="http://schemas.microsoft.com/office/drawing/2014/main" id="{BB32B46F-0D68-95AC-797C-02323C6F10CA}"/>
+              </a:ext>
+            </a:extLst>
+          </p:cNvPr>
+          <p:cNvSpPr txBox="1"/>
+          <p:nvPr/>
+        </p:nvSpPr>
+        <p:spPr>
+          <a:xfrm>
+            <a:off x="8646176" y="622581"/>
+            <a:ext cx="611065" cy="338554"/>
+          </a:xfrm>
+          <a:prstGeom prst="rect">
+            <a:avLst/>
+          </a:prstGeom>
+          <a:noFill/>
+        </p:spPr>
+        <p:txBody>
+          <a:bodyPr wrap="none" rtlCol="0">
+            <a:spAutoFit/>
+          </a:bodyPr>
+          <a:lstStyle/>
+          <a:p>
+            <a:pPr algn="l">
+              <a:buNone/>
+            </a:pPr>
+            <a:r>
+              <a:rPr lang="cs-CZ" sz="1600" b="0" dirty="0">
+                <a:solidFill>
+                  <a:schemeClr val="tx1"/>
+                </a:solidFill>
+                <a:latin typeface="Calibri" panose="020F0502020204030204" pitchFamily="34" charset="0"/>
+                <a:ea typeface="Calibri" panose="020F0502020204030204" pitchFamily="34" charset="0"/>
+                <a:cs typeface="Calibri" panose="020F0502020204030204" pitchFamily="34" charset="0"/>
+              </a:rPr>
+              <a:t>Linky</a:t>
+            </a:r>
+          </a:p>
+        </p:txBody>
+      </p:sp>
+      <p:pic>
+        <p:nvPicPr>
+          <p:cNvPr id="32" name="Obrázek 31" descr="Obsah obrázku černobílá, harfa, umění, černobílý&#10;&#10;Popis byl vytvořen automaticky">
+            <a:extLst>
+              <a:ext uri="{FF2B5EF4-FFF2-40B4-BE49-F238E27FC236}">
+                <a16:creationId xmlns:a16="http://schemas.microsoft.com/office/drawing/2014/main" id="{353D0A4F-B25F-BBD7-1CD0-CC3466E1D07F}"/>
+              </a:ext>
+            </a:extLst>
+          </p:cNvPr>
+          <p:cNvPicPr>
+            <a:picLocks noChangeAspect="1"/>
+          </p:cNvPicPr>
+          <p:nvPr/>
+        </p:nvPicPr>
+        <p:blipFill>
+          <a:blip r:embed="rId5">
+            <a:extLst>
+              <a:ext uri="{28A0092B-C50C-407E-A947-70E740481C1C}">
+                <a14:useLocalDpi xmlns:a14="http://schemas.microsoft.com/office/drawing/2010/main" val="0"/>
+              </a:ext>
+            </a:extLst>
+          </a:blip>
+          <a:stretch>
+            <a:fillRect/>
+          </a:stretch>
+        </p:blipFill>
+        <p:spPr>
+          <a:xfrm>
+            <a:off x="10145655" y="984177"/>
+            <a:ext cx="1733637" cy="1733637"/>
+          </a:xfrm>
+          <a:prstGeom prst="rect">
+            <a:avLst/>
+          </a:prstGeom>
+        </p:spPr>
+      </p:pic>
+      <p:sp>
+        <p:nvSpPr>
+          <p:cNvPr id="33" name="TextovéPole 32">
+            <a:extLst>
+              <a:ext uri="{FF2B5EF4-FFF2-40B4-BE49-F238E27FC236}">
+                <a16:creationId xmlns:a16="http://schemas.microsoft.com/office/drawing/2014/main" id="{0AC0DC18-A59A-421F-255D-7230B8F15C79}"/>
+              </a:ext>
+            </a:extLst>
+          </p:cNvPr>
+          <p:cNvSpPr txBox="1"/>
+          <p:nvPr/>
+        </p:nvSpPr>
+        <p:spPr>
+          <a:xfrm>
+            <a:off x="9994233" y="661092"/>
+            <a:ext cx="2013693" cy="307777"/>
+          </a:xfrm>
+          <a:prstGeom prst="rect">
+            <a:avLst/>
+          </a:prstGeom>
+          <a:noFill/>
+        </p:spPr>
+        <p:txBody>
+          <a:bodyPr wrap="none" rtlCol="0">
+            <a:spAutoFit/>
+          </a:bodyPr>
+          <a:lstStyle/>
+          <a:p>
+            <a:pPr algn="l">
+              <a:buNone/>
+            </a:pPr>
+            <a:r>
+              <a:rPr lang="cs-CZ" sz="1400" b="0" dirty="0">
+                <a:solidFill>
+                  <a:schemeClr val="tx1"/>
+                </a:solidFill>
+                <a:latin typeface="Calibri" panose="020F0502020204030204" pitchFamily="34" charset="0"/>
+                <a:ea typeface="Calibri" panose="020F0502020204030204" pitchFamily="34" charset="0"/>
+                <a:cs typeface="Calibri" panose="020F0502020204030204" pitchFamily="34" charset="0"/>
+              </a:rPr>
+              <a:t>Linky s náhodnou barvou</a:t>
+            </a:r>
+          </a:p>
+        </p:txBody>
+      </p:sp>
+      <p:pic>
+        <p:nvPicPr>
+          <p:cNvPr id="37" name="Obrázek 36" descr="Obsah obrázku pokrývka hlavy, Lidská tvář, oblečení, klobouk&#10;&#10;Popis byl vytvořen automaticky">
+            <a:extLst>
+              <a:ext uri="{FF2B5EF4-FFF2-40B4-BE49-F238E27FC236}">
+                <a16:creationId xmlns:a16="http://schemas.microsoft.com/office/drawing/2014/main" id="{D0589C98-C2B8-E31B-71F1-3F806ED9C366}"/>
+              </a:ext>
+            </a:extLst>
+          </p:cNvPr>
+          <p:cNvPicPr>
+            <a:picLocks noChangeAspect="1"/>
+          </p:cNvPicPr>
+          <p:nvPr/>
+        </p:nvPicPr>
+        <p:blipFill>
+          <a:blip r:embed="rId6">
+            <a:extLst>
+              <a:ext uri="{28A0092B-C50C-407E-A947-70E740481C1C}">
+                <a14:useLocalDpi xmlns:a14="http://schemas.microsoft.com/office/drawing/2010/main" val="0"/>
+              </a:ext>
+            </a:extLst>
+          </a:blip>
+          <a:stretch>
+            <a:fillRect/>
+          </a:stretch>
+        </p:blipFill>
+        <p:spPr>
+          <a:xfrm>
+            <a:off x="6026511" y="4653720"/>
+            <a:ext cx="1733637" cy="1733637"/>
+          </a:xfrm>
+          <a:prstGeom prst="rect">
+            <a:avLst/>
+          </a:prstGeom>
+        </p:spPr>
+      </p:pic>
+      <p:pic>
+        <p:nvPicPr>
+          <p:cNvPr id="39" name="Obrázek 38" descr="Obsah obrázku umění, černobílá, vzor, černobílý&#10;&#10;Popis byl vytvořen automaticky">
+            <a:extLst>
+              <a:ext uri="{FF2B5EF4-FFF2-40B4-BE49-F238E27FC236}">
+                <a16:creationId xmlns:a16="http://schemas.microsoft.com/office/drawing/2014/main" id="{787F4F00-724A-E8E4-8EB1-6730BBCC12E7}"/>
+              </a:ext>
+            </a:extLst>
+          </p:cNvPr>
+          <p:cNvPicPr>
+            <a:picLocks noChangeAspect="1"/>
+          </p:cNvPicPr>
+          <p:nvPr/>
+        </p:nvPicPr>
+        <p:blipFill>
+          <a:blip r:embed="rId7">
+            <a:extLst>
+              <a:ext uri="{28A0092B-C50C-407E-A947-70E740481C1C}">
+                <a14:useLocalDpi xmlns:a14="http://schemas.microsoft.com/office/drawing/2010/main" val="0"/>
+              </a:ext>
+            </a:extLst>
+          </a:blip>
+          <a:stretch>
+            <a:fillRect/>
+          </a:stretch>
+        </p:blipFill>
+        <p:spPr>
+          <a:xfrm>
+            <a:off x="6028893" y="2773943"/>
+            <a:ext cx="1733637" cy="1733637"/>
+          </a:xfrm>
+          <a:prstGeom prst="rect">
+            <a:avLst/>
+          </a:prstGeom>
+        </p:spPr>
+      </p:pic>
+      <p:pic>
+        <p:nvPicPr>
+          <p:cNvPr id="41" name="Obrázek 40" descr="Obsah obrázku pokrývka hlavy, oblečení, klobouk, Lidská tvář&#10;&#10;Popis byl vytvořen automaticky">
+            <a:extLst>
+              <a:ext uri="{FF2B5EF4-FFF2-40B4-BE49-F238E27FC236}">
+                <a16:creationId xmlns:a16="http://schemas.microsoft.com/office/drawing/2014/main" id="{993B3124-2437-372B-B2A9-4CFAEDB6C16D}"/>
+              </a:ext>
+            </a:extLst>
+          </p:cNvPr>
+          <p:cNvPicPr>
+            <a:picLocks noChangeAspect="1"/>
+          </p:cNvPicPr>
+          <p:nvPr/>
+        </p:nvPicPr>
+        <p:blipFill>
+          <a:blip r:embed="rId8">
+            <a:extLst>
+              <a:ext uri="{28A0092B-C50C-407E-A947-70E740481C1C}">
+                <a14:useLocalDpi xmlns:a14="http://schemas.microsoft.com/office/drawing/2010/main" val="0"/>
+              </a:ext>
+            </a:extLst>
+          </a:blip>
+          <a:stretch>
+            <a:fillRect/>
+          </a:stretch>
+        </p:blipFill>
+        <p:spPr>
+          <a:xfrm>
+            <a:off x="8084891" y="4653720"/>
+            <a:ext cx="1733637" cy="1733637"/>
+          </a:xfrm>
+          <a:prstGeom prst="rect">
+            <a:avLst/>
+          </a:prstGeom>
+        </p:spPr>
+      </p:pic>
+      <p:pic>
+        <p:nvPicPr>
+          <p:cNvPr id="43" name="Obrázek 42" descr="Obsah obrázku text, skica, umění, kresba&#10;&#10;Popis byl vytvořen automaticky">
+            <a:extLst>
+              <a:ext uri="{FF2B5EF4-FFF2-40B4-BE49-F238E27FC236}">
+                <a16:creationId xmlns:a16="http://schemas.microsoft.com/office/drawing/2014/main" id="{27B1F0CC-BA24-D0BA-BBEA-83536CFFA72B}"/>
+              </a:ext>
+            </a:extLst>
+          </p:cNvPr>
+          <p:cNvPicPr>
+            <a:picLocks noChangeAspect="1"/>
+          </p:cNvPicPr>
+          <p:nvPr/>
+        </p:nvPicPr>
+        <p:blipFill>
+          <a:blip r:embed="rId9">
+            <a:extLst>
+              <a:ext uri="{28A0092B-C50C-407E-A947-70E740481C1C}">
+                <a14:useLocalDpi xmlns:a14="http://schemas.microsoft.com/office/drawing/2010/main" val="0"/>
+              </a:ext>
+            </a:extLst>
+          </a:blip>
+          <a:stretch>
+            <a:fillRect/>
+          </a:stretch>
+        </p:blipFill>
+        <p:spPr>
+          <a:xfrm>
+            <a:off x="8084891" y="2773942"/>
+            <a:ext cx="1733637" cy="1733637"/>
+          </a:xfrm>
+          <a:prstGeom prst="rect">
+            <a:avLst/>
+          </a:prstGeom>
+        </p:spPr>
+      </p:pic>
+      <p:pic>
+        <p:nvPicPr>
+          <p:cNvPr id="47" name="Obrázek 46" descr="Obsah obrázku text, černobílá, skica, účtenka&#10;&#10;Popis byl vytvořen automaticky">
+            <a:extLst>
+              <a:ext uri="{FF2B5EF4-FFF2-40B4-BE49-F238E27FC236}">
+                <a16:creationId xmlns:a16="http://schemas.microsoft.com/office/drawing/2014/main" id="{64D0D7E4-CD2F-2DA2-9370-E7852DC35E8E}"/>
+              </a:ext>
+            </a:extLst>
+          </p:cNvPr>
+          <p:cNvPicPr>
+            <a:picLocks noChangeAspect="1"/>
+          </p:cNvPicPr>
+          <p:nvPr/>
+        </p:nvPicPr>
+        <p:blipFill>
+          <a:blip r:embed="rId10">
+            <a:extLst>
+              <a:ext uri="{28A0092B-C50C-407E-A947-70E740481C1C}">
+                <a14:useLocalDpi xmlns:a14="http://schemas.microsoft.com/office/drawing/2010/main" val="0"/>
+              </a:ext>
+            </a:extLst>
+          </a:blip>
+          <a:stretch>
+            <a:fillRect/>
+          </a:stretch>
+        </p:blipFill>
+        <p:spPr>
+          <a:xfrm>
+            <a:off x="10134262" y="2796467"/>
+            <a:ext cx="1733637" cy="1733637"/>
+          </a:xfrm>
+          <a:prstGeom prst="rect">
+            <a:avLst/>
+          </a:prstGeom>
+        </p:spPr>
+      </p:pic>
+      <p:pic>
+        <p:nvPicPr>
+          <p:cNvPr id="49" name="Obrázek 48" descr="Obsah obrázku text, skica, černobílý, kresba&#10;&#10;Popis byl vytvořen automaticky">
+            <a:extLst>
+              <a:ext uri="{FF2B5EF4-FFF2-40B4-BE49-F238E27FC236}">
+                <a16:creationId xmlns:a16="http://schemas.microsoft.com/office/drawing/2014/main" id="{B18B4556-06B2-B5E5-60BD-2FB66AE8DC84}"/>
+              </a:ext>
+            </a:extLst>
+          </p:cNvPr>
+          <p:cNvPicPr>
+            <a:picLocks noChangeAspect="1"/>
+          </p:cNvPicPr>
+          <p:nvPr/>
+        </p:nvPicPr>
+        <p:blipFill>
+          <a:blip r:embed="rId11">
+            <a:extLst>
+              <a:ext uri="{28A0092B-C50C-407E-A947-70E740481C1C}">
+                <a14:useLocalDpi xmlns:a14="http://schemas.microsoft.com/office/drawing/2010/main" val="0"/>
+              </a:ext>
+            </a:extLst>
+          </a:blip>
+          <a:stretch>
+            <a:fillRect/>
+          </a:stretch>
+        </p:blipFill>
+        <p:spPr>
+          <a:xfrm>
+            <a:off x="10145654" y="4661169"/>
+            <a:ext cx="1733637" cy="1733637"/>
+          </a:xfrm>
+          <a:prstGeom prst="rect">
+            <a:avLst/>
+          </a:prstGeom>
+        </p:spPr>
+      </p:pic>
+      <p:sp>
+        <p:nvSpPr>
+          <p:cNvPr id="52" name="TextovéPole 51">
+            <a:extLst>
+              <a:ext uri="{FF2B5EF4-FFF2-40B4-BE49-F238E27FC236}">
+                <a16:creationId xmlns:a16="http://schemas.microsoft.com/office/drawing/2014/main" id="{3A65B8B4-5881-4C5A-630E-6D1730F91736}"/>
+              </a:ext>
+            </a:extLst>
+          </p:cNvPr>
+          <p:cNvSpPr txBox="1"/>
+          <p:nvPr/>
+        </p:nvSpPr>
+        <p:spPr>
+          <a:xfrm>
+            <a:off x="214024" y="590800"/>
+            <a:ext cx="3944541" cy="400110"/>
+          </a:xfrm>
+          <a:prstGeom prst="rect">
+            <a:avLst/>
+          </a:prstGeom>
+          <a:noFill/>
+        </p:spPr>
+        <p:txBody>
+          <a:bodyPr wrap="none" rtlCol="0">
+            <a:spAutoFit/>
+          </a:bodyPr>
+          <a:lstStyle/>
+          <a:p>
+            <a:pPr marL="342900" indent="-342900"/>
+            <a:r>
+              <a:rPr lang="cs-CZ" sz="2000" b="0" dirty="0">
+                <a:solidFill>
+                  <a:schemeClr val="tx1"/>
+                </a:solidFill>
+                <a:latin typeface="Calibri" panose="020F0502020204030204" pitchFamily="34" charset="0"/>
+                <a:ea typeface="Calibri" panose="020F0502020204030204" pitchFamily="34" charset="0"/>
+                <a:cs typeface="Calibri" panose="020F0502020204030204" pitchFamily="34" charset="0"/>
+              </a:rPr>
+              <a:t>okno: 3x3, </a:t>
+            </a:r>
+            <a:r>
+              <a:rPr lang="cs-CZ" sz="2000" b="0" dirty="0" err="1">
+                <a:solidFill>
+                  <a:schemeClr val="tx1"/>
+                </a:solidFill>
+                <a:latin typeface="Calibri" panose="020F0502020204030204" pitchFamily="34" charset="0"/>
+                <a:ea typeface="Calibri" panose="020F0502020204030204" pitchFamily="34" charset="0"/>
+                <a:cs typeface="Calibri" panose="020F0502020204030204" pitchFamily="34" charset="0"/>
+              </a:rPr>
+              <a:t>mut</a:t>
+            </a:r>
+            <a:r>
+              <a:rPr lang="cs-CZ" sz="2000" b="0" dirty="0">
+                <a:solidFill>
+                  <a:schemeClr val="tx1"/>
+                </a:solidFill>
+                <a:latin typeface="Calibri" panose="020F0502020204030204" pitchFamily="34" charset="0"/>
+                <a:ea typeface="Calibri" panose="020F0502020204030204" pitchFamily="34" charset="0"/>
+                <a:cs typeface="Calibri" panose="020F0502020204030204" pitchFamily="34" charset="0"/>
+              </a:rPr>
+              <a:t>: 0.1, matice: 9x4:</a:t>
+            </a:r>
+          </a:p>
+        </p:txBody>
+      </p:sp>
+      <p:pic>
+        <p:nvPicPr>
+          <p:cNvPr id="54" name="Obrázek 53" descr="Obsah obrázku text, snímek obrazovky, diagram, displej&#10;&#10;Popis byl vytvořen automaticky">
+            <a:extLst>
+              <a:ext uri="{FF2B5EF4-FFF2-40B4-BE49-F238E27FC236}">
+                <a16:creationId xmlns:a16="http://schemas.microsoft.com/office/drawing/2014/main" id="{5747DEB6-A288-5EAA-71A7-3C47C6D060A8}"/>
+              </a:ext>
+            </a:extLst>
+          </p:cNvPr>
+          <p:cNvPicPr>
+            <a:picLocks noChangeAspect="1"/>
+          </p:cNvPicPr>
+          <p:nvPr/>
+        </p:nvPicPr>
+        <p:blipFill>
+          <a:blip r:embed="rId12">
+            <a:extLst>
+              <a:ext uri="{28A0092B-C50C-407E-A947-70E740481C1C}">
+                <a14:useLocalDpi xmlns:a14="http://schemas.microsoft.com/office/drawing/2010/main" val="0"/>
+              </a:ext>
+            </a:extLst>
+          </a:blip>
+          <a:stretch>
+            <a:fillRect/>
+          </a:stretch>
+        </p:blipFill>
+        <p:spPr>
+          <a:xfrm>
+            <a:off x="215377" y="1040472"/>
+            <a:ext cx="5288645" cy="5451372"/>
+          </a:xfrm>
+          <a:prstGeom prst="rect">
+            <a:avLst/>
+          </a:prstGeom>
+        </p:spPr>
+      </p:pic>
     </p:spTree>
     <p:extLst>
       <p:ext uri="{BB962C8B-B14F-4D97-AF65-F5344CB8AC3E}">
@@ -7005,13 +10534,7 @@
       </p:grpSpPr>
       <p:sp>
         <p:nvSpPr>
-          <p:cNvPr id="2" name="Title 1">
-            <a:extLst>
-              <a:ext uri="{FF2B5EF4-FFF2-40B4-BE49-F238E27FC236}">
-                <a16:creationId xmlns:a16="http://schemas.microsoft.com/office/drawing/2014/main" id="{3B2329DB-7AAC-4684-A272-6E6B9134484F}"/>
-              </a:ext>
-            </a:extLst>
-          </p:cNvPr>
+          <p:cNvPr id="2" name="Nadpis 1"/>
           <p:cNvSpPr>
             <a:spLocks noGrp="1"/>
           </p:cNvSpPr>
@@ -7026,17 +10549,50 @@
           <a:p>
             <a:r>
               <a:rPr lang="cs-CZ" dirty="0"/>
-              <a:t>Děkuji za pozornost!</a:t>
+              <a:t>Nalezená řešení</a:t>
             </a:r>
           </a:p>
         </p:txBody>
       </p:sp>
       <p:sp>
         <p:nvSpPr>
-          <p:cNvPr id="4" name="Footer Placeholder 3">
+          <p:cNvPr id="3" name="Zástupný obsah 2">
             <a:extLst>
               <a:ext uri="{FF2B5EF4-FFF2-40B4-BE49-F238E27FC236}">
-                <a16:creationId xmlns:a16="http://schemas.microsoft.com/office/drawing/2014/main" id="{4F5909E4-C327-4A50-855C-5DB03E7644AC}"/>
+                <a16:creationId xmlns:a16="http://schemas.microsoft.com/office/drawing/2014/main" id="{883F8065-12ED-827D-39CA-5C57CA0657A9}"/>
+              </a:ext>
+            </a:extLst>
+          </p:cNvPr>
+          <p:cNvSpPr>
+            <a:spLocks noGrp="1"/>
+          </p:cNvSpPr>
+          <p:nvPr>
+            <p:ph idx="1"/>
+          </p:nvPr>
+        </p:nvSpPr>
+        <p:spPr>
+          <a:xfrm>
+            <a:off x="335491" y="763587"/>
+            <a:ext cx="11521017" cy="5113685"/>
+          </a:xfrm>
+        </p:spPr>
+        <p:txBody>
+          <a:bodyPr/>
+          <a:lstStyle/>
+          <a:p>
+            <a:endParaRPr lang="cs-CZ" dirty="0"/>
+          </a:p>
+          <a:p>
+            <a:endParaRPr lang="cs-CZ" dirty="0"/>
+          </a:p>
+        </p:txBody>
+      </p:sp>
+      <p:sp>
+        <p:nvSpPr>
+          <p:cNvPr id="5" name="Zástupný symbol pro zápatí 3">
+            <a:extLst>
+              <a:ext uri="{FF2B5EF4-FFF2-40B4-BE49-F238E27FC236}">
+                <a16:creationId xmlns:a16="http://schemas.microsoft.com/office/drawing/2014/main" id="{3DE61977-3B64-3A40-2C61-7D194B9677EC}"/>
               </a:ext>
             </a:extLst>
           </p:cNvPr>
@@ -7047,7 +10603,12 @@
             <p:ph type="ftr" sz="quarter" idx="10"/>
           </p:nvPr>
         </p:nvSpPr>
-        <p:spPr/>
+        <p:spPr>
+          <a:xfrm>
+            <a:off x="1631504" y="6518422"/>
+            <a:ext cx="10464800" cy="333375"/>
+          </a:xfrm>
+        </p:spPr>
         <p:txBody>
           <a:bodyPr/>
           <a:lstStyle/>
@@ -7056,26 +10617,708 @@
               <a:defRPr/>
             </a:pPr>
             <a:r>
-              <a:rPr lang="en-US"/>
-              <a:t>Název práce</a:t>
+              <a:rPr lang="cs-CZ" dirty="0"/>
+              <a:t>1/x</a:t>
             </a:r>
           </a:p>
         </p:txBody>
       </p:sp>
+      <p:pic>
+        <p:nvPicPr>
+          <p:cNvPr id="14" name="Grafický objekt 13">
+            <a:extLst>
+              <a:ext uri="{FF2B5EF4-FFF2-40B4-BE49-F238E27FC236}">
+                <a16:creationId xmlns:a16="http://schemas.microsoft.com/office/drawing/2014/main" id="{9FF92BA2-A3D4-CA6B-42A2-06005C93C84E}"/>
+              </a:ext>
+            </a:extLst>
+          </p:cNvPr>
+          <p:cNvPicPr>
+            <a:picLocks noChangeAspect="1"/>
+          </p:cNvPicPr>
+          <p:nvPr/>
+        </p:nvPicPr>
+        <p:blipFill>
+          <a:blip r:embed="rId3">
+            <a:extLst>
+              <a:ext uri="{96DAC541-7B7A-43D3-8B79-37D633B846F1}">
+                <asvg:svgBlip xmlns:asvg="http://schemas.microsoft.com/office/drawing/2016/SVG/main" r:embed="rId4"/>
+              </a:ext>
+            </a:extLst>
+          </a:blip>
+          <a:stretch>
+            <a:fillRect/>
+          </a:stretch>
+        </p:blipFill>
+        <p:spPr>
+          <a:xfrm>
+            <a:off x="565961" y="1316839"/>
+            <a:ext cx="6408712" cy="2461696"/>
+          </a:xfrm>
+          <a:prstGeom prst="rect">
+            <a:avLst/>
+          </a:prstGeom>
+        </p:spPr>
+      </p:pic>
       <p:sp>
         <p:nvSpPr>
-          <p:cNvPr id="5" name="Slide Number Placeholder 4">
+          <p:cNvPr id="16" name="TextovéPole 15">
             <a:extLst>
               <a:ext uri="{FF2B5EF4-FFF2-40B4-BE49-F238E27FC236}">
-                <a16:creationId xmlns:a16="http://schemas.microsoft.com/office/drawing/2014/main" id="{E950EDF5-3428-4D9A-97E8-BBE46E2AE9D5}"/>
+                <a16:creationId xmlns:a16="http://schemas.microsoft.com/office/drawing/2014/main" id="{34A4D614-5EDF-075C-416F-E175ED2C8434}"/>
               </a:ext>
             </a:extLst>
           </p:cNvPr>
+          <p:cNvSpPr txBox="1"/>
+          <p:nvPr/>
+        </p:nvSpPr>
+        <p:spPr>
+          <a:xfrm>
+            <a:off x="1718089" y="766356"/>
+            <a:ext cx="3705951" cy="400110"/>
+          </a:xfrm>
+          <a:prstGeom prst="rect">
+            <a:avLst/>
+          </a:prstGeom>
+          <a:noFill/>
+        </p:spPr>
+        <p:txBody>
+          <a:bodyPr wrap="none" rtlCol="0">
+            <a:spAutoFit/>
+          </a:bodyPr>
+          <a:lstStyle/>
+          <a:p>
+            <a:pPr algn="l">
+              <a:buNone/>
+            </a:pPr>
+            <a:r>
+              <a:rPr lang="cs-CZ" sz="2000" b="0" dirty="0">
+                <a:solidFill>
+                  <a:schemeClr val="tx1"/>
+                </a:solidFill>
+                <a:latin typeface="Calibri" panose="020F0502020204030204" pitchFamily="34" charset="0"/>
+                <a:ea typeface="Calibri" panose="020F0502020204030204" pitchFamily="34" charset="0"/>
+                <a:cs typeface="Calibri" panose="020F0502020204030204" pitchFamily="34" charset="0"/>
+              </a:rPr>
+              <a:t>Nejlepší filtr pro horizontální linky</a:t>
+            </a:r>
+          </a:p>
+        </p:txBody>
+      </p:sp>
+      <p:graphicFrame>
+        <p:nvGraphicFramePr>
+          <p:cNvPr id="21" name="Tabulka 20">
+            <a:extLst>
+              <a:ext uri="{FF2B5EF4-FFF2-40B4-BE49-F238E27FC236}">
+                <a16:creationId xmlns:a16="http://schemas.microsoft.com/office/drawing/2014/main" id="{56BC4DFD-3136-3DB5-C173-204731B2CF52}"/>
+              </a:ext>
+            </a:extLst>
+          </p:cNvPr>
+          <p:cNvGraphicFramePr>
+            <a:graphicFrameLocks noGrp="1"/>
+          </p:cNvGraphicFramePr>
+          <p:nvPr>
+            <p:extLst>
+              <p:ext uri="{D42A27DB-BD31-4B8C-83A1-F6EECF244321}">
+                <p14:modId xmlns:p14="http://schemas.microsoft.com/office/powerpoint/2010/main" val="3906485438"/>
+              </p:ext>
+            </p:extLst>
+          </p:nvPr>
+        </p:nvGraphicFramePr>
+        <p:xfrm>
+          <a:off x="8006540" y="3573016"/>
+          <a:ext cx="3816542" cy="2695015"/>
+        </p:xfrm>
+        <a:graphic>
+          <a:graphicData uri="http://schemas.openxmlformats.org/drawingml/2006/table">
+            <a:tbl>
+              <a:tblPr firstRow="1" bandRow="1">
+                <a:tableStyleId>{5C22544A-7EE6-4342-B048-85BDC9FD1C3A}</a:tableStyleId>
+              </a:tblPr>
+              <a:tblGrid>
+                <a:gridCol w="2323940">
+                  <a:extLst>
+                    <a:ext uri="{9D8B030D-6E8A-4147-A177-3AD203B41FA5}">
+                      <a16:colId xmlns:a16="http://schemas.microsoft.com/office/drawing/2014/main" val="2627673106"/>
+                    </a:ext>
+                  </a:extLst>
+                </a:gridCol>
+                <a:gridCol w="1492602">
+                  <a:extLst>
+                    <a:ext uri="{9D8B030D-6E8A-4147-A177-3AD203B41FA5}">
+                      <a16:colId xmlns:a16="http://schemas.microsoft.com/office/drawing/2014/main" val="2323516800"/>
+                    </a:ext>
+                  </a:extLst>
+                </a:gridCol>
+              </a:tblGrid>
+              <a:tr h="193088">
+                <a:tc>
+                  <a:txBody>
+                    <a:bodyPr/>
+                    <a:lstStyle/>
+                    <a:p>
+                      <a:r>
+                        <a:rPr lang="cs-CZ" sz="1600" dirty="0"/>
+                        <a:t>Šum</a:t>
+                      </a:r>
+                    </a:p>
+                  </a:txBody>
+                  <a:tcPr/>
+                </a:tc>
+                <a:tc>
+                  <a:txBody>
+                    <a:bodyPr/>
+                    <a:lstStyle/>
+                    <a:p>
+                      <a:r>
+                        <a:rPr lang="cs-CZ" sz="1600" dirty="0"/>
+                        <a:t>Počet prvků</a:t>
+                      </a:r>
+                    </a:p>
+                  </a:txBody>
+                  <a:tcPr/>
+                </a:tc>
+                <a:extLst>
+                  <a:ext uri="{0D108BD9-81ED-4DB2-BD59-A6C34878D82A}">
+                    <a16:rowId xmlns:a16="http://schemas.microsoft.com/office/drawing/2014/main" val="1381350875"/>
+                  </a:ext>
+                </a:extLst>
+              </a:tr>
+              <a:tr h="337105">
+                <a:tc>
+                  <a:txBody>
+                    <a:bodyPr/>
+                    <a:lstStyle/>
+                    <a:p>
+                      <a:r>
+                        <a:rPr lang="cs-CZ" sz="1600" dirty="0"/>
+                        <a:t>Gauss</a:t>
+                      </a:r>
+                    </a:p>
+                  </a:txBody>
+                  <a:tcPr/>
+                </a:tc>
+                <a:tc>
+                  <a:txBody>
+                    <a:bodyPr/>
+                    <a:lstStyle/>
+                    <a:p>
+                      <a:pPr algn="ctr"/>
+                      <a:r>
+                        <a:rPr lang="cs-CZ" sz="1600" dirty="0"/>
+                        <a:t>10</a:t>
+                      </a:r>
+                    </a:p>
+                  </a:txBody>
+                  <a:tcPr/>
+                </a:tc>
+                <a:extLst>
+                  <a:ext uri="{0D108BD9-81ED-4DB2-BD59-A6C34878D82A}">
+                    <a16:rowId xmlns:a16="http://schemas.microsoft.com/office/drawing/2014/main" val="2456229036"/>
+                  </a:ext>
+                </a:extLst>
+              </a:tr>
+              <a:tr h="337105">
+                <a:tc>
+                  <a:txBody>
+                    <a:bodyPr/>
+                    <a:lstStyle/>
+                    <a:p>
+                      <a:r>
+                        <a:rPr lang="cs-CZ" sz="1600" dirty="0"/>
+                        <a:t>Linky</a:t>
+                      </a:r>
+                    </a:p>
+                  </a:txBody>
+                  <a:tcPr/>
+                </a:tc>
+                <a:tc>
+                  <a:txBody>
+                    <a:bodyPr/>
+                    <a:lstStyle/>
+                    <a:p>
+                      <a:pPr algn="ctr"/>
+                      <a:r>
+                        <a:rPr lang="cs-CZ" sz="1600" dirty="0"/>
+                        <a:t>6</a:t>
+                      </a:r>
+                    </a:p>
+                  </a:txBody>
+                  <a:tcPr/>
+                </a:tc>
+                <a:extLst>
+                  <a:ext uri="{0D108BD9-81ED-4DB2-BD59-A6C34878D82A}">
+                    <a16:rowId xmlns:a16="http://schemas.microsoft.com/office/drawing/2014/main" val="3852504810"/>
+                  </a:ext>
+                </a:extLst>
+              </a:tr>
+              <a:tr h="337105">
+                <a:tc>
+                  <a:txBody>
+                    <a:bodyPr/>
+                    <a:lstStyle/>
+                    <a:p>
+                      <a:r>
+                        <a:rPr lang="cs-CZ" sz="1600" dirty="0"/>
+                        <a:t>Linky s náhodnou b.</a:t>
+                      </a:r>
+                    </a:p>
+                  </a:txBody>
+                  <a:tcPr/>
+                </a:tc>
+                <a:tc>
+                  <a:txBody>
+                    <a:bodyPr/>
+                    <a:lstStyle/>
+                    <a:p>
+                      <a:pPr algn="ctr"/>
+                      <a:r>
+                        <a:rPr lang="cs-CZ" sz="1600" dirty="0"/>
+                        <a:t>8</a:t>
+                      </a:r>
+                    </a:p>
+                  </a:txBody>
+                  <a:tcPr/>
+                </a:tc>
+                <a:extLst>
+                  <a:ext uri="{0D108BD9-81ED-4DB2-BD59-A6C34878D82A}">
+                    <a16:rowId xmlns:a16="http://schemas.microsoft.com/office/drawing/2014/main" val="2092583769"/>
+                  </a:ext>
+                </a:extLst>
+              </a:tr>
+              <a:tr h="337105">
+                <a:tc>
+                  <a:txBody>
+                    <a:bodyPr/>
+                    <a:lstStyle/>
+                    <a:p>
+                      <a:r>
+                        <a:rPr lang="cs-CZ" sz="1600" dirty="0"/>
+                        <a:t>Diagonální linky</a:t>
+                      </a:r>
+                    </a:p>
+                  </a:txBody>
+                  <a:tcPr/>
+                </a:tc>
+                <a:tc>
+                  <a:txBody>
+                    <a:bodyPr/>
+                    <a:lstStyle/>
+                    <a:p>
+                      <a:pPr algn="ctr"/>
+                      <a:r>
+                        <a:rPr lang="cs-CZ" sz="1600" dirty="0"/>
+                        <a:t>7</a:t>
+                      </a:r>
+                    </a:p>
+                  </a:txBody>
+                  <a:tcPr/>
+                </a:tc>
+                <a:extLst>
+                  <a:ext uri="{0D108BD9-81ED-4DB2-BD59-A6C34878D82A}">
+                    <a16:rowId xmlns:a16="http://schemas.microsoft.com/office/drawing/2014/main" val="3963673879"/>
+                  </a:ext>
+                </a:extLst>
+              </a:tr>
+              <a:tr h="337105">
+                <a:tc>
+                  <a:txBody>
+                    <a:bodyPr/>
+                    <a:lstStyle/>
+                    <a:p>
+                      <a:r>
+                        <a:rPr lang="cs-CZ" sz="1600" dirty="0" err="1"/>
+                        <a:t>Scratch</a:t>
+                      </a:r>
+                      <a:endParaRPr lang="cs-CZ" sz="1600" dirty="0"/>
+                    </a:p>
+                  </a:txBody>
+                  <a:tcPr/>
+                </a:tc>
+                <a:tc>
+                  <a:txBody>
+                    <a:bodyPr/>
+                    <a:lstStyle/>
+                    <a:p>
+                      <a:pPr algn="ctr"/>
+                      <a:r>
+                        <a:rPr lang="cs-CZ" sz="1600" dirty="0"/>
+                        <a:t>7</a:t>
+                      </a:r>
+                    </a:p>
+                  </a:txBody>
+                  <a:tcPr/>
+                </a:tc>
+                <a:extLst>
+                  <a:ext uri="{0D108BD9-81ED-4DB2-BD59-A6C34878D82A}">
+                    <a16:rowId xmlns:a16="http://schemas.microsoft.com/office/drawing/2014/main" val="3471559569"/>
+                  </a:ext>
+                </a:extLst>
+              </a:tr>
+              <a:tr h="337105">
+                <a:tc>
+                  <a:txBody>
+                    <a:bodyPr/>
+                    <a:lstStyle/>
+                    <a:p>
+                      <a:r>
+                        <a:rPr lang="cs-CZ" sz="1600" dirty="0" err="1"/>
+                        <a:t>Scratch</a:t>
+                      </a:r>
+                      <a:r>
+                        <a:rPr lang="cs-CZ" sz="1600" dirty="0"/>
+                        <a:t> s náhodnou b.</a:t>
+                      </a:r>
+                    </a:p>
+                  </a:txBody>
+                  <a:tcPr/>
+                </a:tc>
+                <a:tc>
+                  <a:txBody>
+                    <a:bodyPr/>
+                    <a:lstStyle/>
+                    <a:p>
+                      <a:pPr algn="ctr"/>
+                      <a:r>
+                        <a:rPr lang="cs-CZ" sz="1600" dirty="0"/>
+                        <a:t>9</a:t>
+                      </a:r>
+                    </a:p>
+                  </a:txBody>
+                  <a:tcPr/>
+                </a:tc>
+                <a:extLst>
+                  <a:ext uri="{0D108BD9-81ED-4DB2-BD59-A6C34878D82A}">
+                    <a16:rowId xmlns:a16="http://schemas.microsoft.com/office/drawing/2014/main" val="3468891695"/>
+                  </a:ext>
+                </a:extLst>
+              </a:tr>
+              <a:tr h="337105">
+                <a:tc>
+                  <a:txBody>
+                    <a:bodyPr/>
+                    <a:lstStyle/>
+                    <a:p>
+                      <a:r>
+                        <a:rPr lang="cs-CZ" sz="1600" dirty="0"/>
+                        <a:t>S&amp;P</a:t>
+                      </a:r>
+                    </a:p>
+                  </a:txBody>
+                  <a:tcPr/>
+                </a:tc>
+                <a:tc>
+                  <a:txBody>
+                    <a:bodyPr/>
+                    <a:lstStyle/>
+                    <a:p>
+                      <a:pPr algn="ctr"/>
+                      <a:r>
+                        <a:rPr lang="cs-CZ" sz="1600" dirty="0"/>
+                        <a:t>7</a:t>
+                      </a:r>
+                    </a:p>
+                  </a:txBody>
+                  <a:tcPr/>
+                </a:tc>
+                <a:extLst>
+                  <a:ext uri="{0D108BD9-81ED-4DB2-BD59-A6C34878D82A}">
+                    <a16:rowId xmlns:a16="http://schemas.microsoft.com/office/drawing/2014/main" val="335458267"/>
+                  </a:ext>
+                </a:extLst>
+              </a:tr>
+            </a:tbl>
+          </a:graphicData>
+        </a:graphic>
+      </p:graphicFrame>
+      <p:pic>
+        <p:nvPicPr>
+          <p:cNvPr id="24" name="Obrázek 23" descr="Obsah obrázku text, skica, umění, kresba&#10;&#10;Popis byl vytvořen automaticky">
+            <a:extLst>
+              <a:ext uri="{FF2B5EF4-FFF2-40B4-BE49-F238E27FC236}">
+                <a16:creationId xmlns:a16="http://schemas.microsoft.com/office/drawing/2014/main" id="{58532FFB-B745-EC3E-0DA3-088CD5C29A44}"/>
+              </a:ext>
+            </a:extLst>
+          </p:cNvPr>
+          <p:cNvPicPr>
+            <a:picLocks noChangeAspect="1"/>
+          </p:cNvPicPr>
+          <p:nvPr/>
+        </p:nvPicPr>
+        <p:blipFill>
+          <a:blip r:embed="rId5" cstate="print">
+            <a:extLst>
+              <a:ext uri="{28A0092B-C50C-407E-A947-70E740481C1C}">
+                <a14:useLocalDpi xmlns:a14="http://schemas.microsoft.com/office/drawing/2010/main" val="0"/>
+              </a:ext>
+            </a:extLst>
+          </a:blip>
+          <a:stretch>
+            <a:fillRect/>
+          </a:stretch>
+        </p:blipFill>
+        <p:spPr>
+          <a:xfrm>
+            <a:off x="7202811" y="1373355"/>
+            <a:ext cx="728967" cy="728967"/>
+          </a:xfrm>
+          <a:prstGeom prst="rect">
+            <a:avLst/>
+          </a:prstGeom>
+        </p:spPr>
+      </p:pic>
+      <p:pic>
+        <p:nvPicPr>
+          <p:cNvPr id="25" name="Obrázek 24" descr="Obsah obrázku pokrývka hlavy, oblečení, klobouk, Lidská tvář&#10;&#10;Popis byl vytvořen automaticky">
+            <a:extLst>
+              <a:ext uri="{FF2B5EF4-FFF2-40B4-BE49-F238E27FC236}">
+                <a16:creationId xmlns:a16="http://schemas.microsoft.com/office/drawing/2014/main" id="{BB9F1DD8-2BB2-CE99-44FF-B51DB64F532B}"/>
+              </a:ext>
+            </a:extLst>
+          </p:cNvPr>
+          <p:cNvPicPr>
+            <a:picLocks noChangeAspect="1"/>
+          </p:cNvPicPr>
+          <p:nvPr/>
+        </p:nvPicPr>
+        <p:blipFill>
+          <a:blip r:embed="rId6" cstate="print">
+            <a:extLst>
+              <a:ext uri="{28A0092B-C50C-407E-A947-70E740481C1C}">
+                <a14:useLocalDpi xmlns:a14="http://schemas.microsoft.com/office/drawing/2010/main" val="0"/>
+              </a:ext>
+            </a:extLst>
+          </a:blip>
+          <a:stretch>
+            <a:fillRect/>
+          </a:stretch>
+        </p:blipFill>
+        <p:spPr>
+          <a:xfrm>
+            <a:off x="7202811" y="2272619"/>
+            <a:ext cx="746030" cy="746028"/>
+          </a:xfrm>
+          <a:prstGeom prst="rect">
+            <a:avLst/>
+          </a:prstGeom>
+        </p:spPr>
+      </p:pic>
+      <p:grpSp>
+        <p:nvGrpSpPr>
+          <p:cNvPr id="26" name="Skupina 25">
+            <a:extLst>
+              <a:ext uri="{FF2B5EF4-FFF2-40B4-BE49-F238E27FC236}">
+                <a16:creationId xmlns:a16="http://schemas.microsoft.com/office/drawing/2014/main" id="{CDAAEB65-189E-48A8-42C8-8F13542F3809}"/>
+              </a:ext>
+            </a:extLst>
+          </p:cNvPr>
+          <p:cNvGrpSpPr/>
+          <p:nvPr/>
+        </p:nvGrpSpPr>
+        <p:grpSpPr>
+          <a:xfrm>
+            <a:off x="715729" y="4938862"/>
+            <a:ext cx="4723435" cy="1372260"/>
+            <a:chOff x="267459" y="4673445"/>
+            <a:chExt cx="4723435" cy="1372260"/>
+          </a:xfrm>
+        </p:grpSpPr>
+        <p:pic>
+          <p:nvPicPr>
+            <p:cNvPr id="27" name="Obrázek 26" descr="Obsah obrázku bílé, design&#10;&#10;Popis byl vytvořen automaticky">
+              <a:extLst>
+                <a:ext uri="{FF2B5EF4-FFF2-40B4-BE49-F238E27FC236}">
+                  <a16:creationId xmlns:a16="http://schemas.microsoft.com/office/drawing/2014/main" id="{3C426167-F7E3-BE76-65D7-291835E9F80C}"/>
+                </a:ext>
+              </a:extLst>
+            </p:cNvPr>
+            <p:cNvPicPr>
+              <a:picLocks noChangeAspect="1"/>
+            </p:cNvPicPr>
+            <p:nvPr/>
+          </p:nvPicPr>
+          <p:blipFill>
+            <a:blip r:embed="rId7">
+              <a:extLst>
+                <a:ext uri="{28A0092B-C50C-407E-A947-70E740481C1C}">
+                  <a14:useLocalDpi xmlns:a14="http://schemas.microsoft.com/office/drawing/2010/main" val="0"/>
+                </a:ext>
+              </a:extLst>
+            </a:blip>
+            <a:stretch>
+              <a:fillRect/>
+            </a:stretch>
+          </p:blipFill>
+          <p:spPr>
+            <a:xfrm>
+              <a:off x="1956522" y="4673445"/>
+              <a:ext cx="1372260" cy="1372260"/>
+            </a:xfrm>
+            <a:prstGeom prst="rect">
+              <a:avLst/>
+            </a:prstGeom>
+            <a:ln>
+              <a:solidFill>
+                <a:schemeClr val="tx1"/>
+              </a:solidFill>
+            </a:ln>
+          </p:spPr>
+        </p:pic>
+        <p:pic>
+          <p:nvPicPr>
+            <p:cNvPr id="28" name="Obrázek 27" descr="Obsah obrázku Lidská tvář, černobílá, žena, klobouk&#10;&#10;Popis byl vytvořen automaticky">
+              <a:extLst>
+                <a:ext uri="{FF2B5EF4-FFF2-40B4-BE49-F238E27FC236}">
+                  <a16:creationId xmlns:a16="http://schemas.microsoft.com/office/drawing/2014/main" id="{F9475E14-4637-3D6D-2794-9B338A5ACC66}"/>
+                </a:ext>
+              </a:extLst>
+            </p:cNvPr>
+            <p:cNvPicPr>
+              <a:picLocks noChangeAspect="1"/>
+            </p:cNvPicPr>
+            <p:nvPr/>
+          </p:nvPicPr>
+          <p:blipFill>
+            <a:blip r:embed="rId8">
+              <a:extLst>
+                <a:ext uri="{28A0092B-C50C-407E-A947-70E740481C1C}">
+                  <a14:useLocalDpi xmlns:a14="http://schemas.microsoft.com/office/drawing/2010/main" val="0"/>
+                </a:ext>
+              </a:extLst>
+            </a:blip>
+            <a:stretch>
+              <a:fillRect/>
+            </a:stretch>
+          </p:blipFill>
+          <p:spPr>
+            <a:xfrm>
+              <a:off x="3618634" y="4673445"/>
+              <a:ext cx="1372260" cy="1372260"/>
+            </a:xfrm>
+            <a:prstGeom prst="rect">
+              <a:avLst/>
+            </a:prstGeom>
+          </p:spPr>
+        </p:pic>
+        <p:pic>
+          <p:nvPicPr>
+            <p:cNvPr id="29" name="Obrázek 28" descr="Obsah obrázku skica, kresba, Lidská tvář, černobílá&#10;&#10;Popis byl vytvořen automaticky">
+              <a:extLst>
+                <a:ext uri="{FF2B5EF4-FFF2-40B4-BE49-F238E27FC236}">
+                  <a16:creationId xmlns:a16="http://schemas.microsoft.com/office/drawing/2014/main" id="{DA8F6599-3839-5160-AB5B-59B95D9A2C06}"/>
+                </a:ext>
+              </a:extLst>
+            </p:cNvPr>
+            <p:cNvPicPr>
+              <a:picLocks noChangeAspect="1"/>
+            </p:cNvPicPr>
+            <p:nvPr/>
+          </p:nvPicPr>
+          <p:blipFill>
+            <a:blip r:embed="rId9">
+              <a:extLst>
+                <a:ext uri="{28A0092B-C50C-407E-A947-70E740481C1C}">
+                  <a14:useLocalDpi xmlns:a14="http://schemas.microsoft.com/office/drawing/2010/main" val="0"/>
+                </a:ext>
+              </a:extLst>
+            </a:blip>
+            <a:stretch>
+              <a:fillRect/>
+            </a:stretch>
+          </p:blipFill>
+          <p:spPr>
+            <a:xfrm>
+              <a:off x="267459" y="4673445"/>
+              <a:ext cx="1372260" cy="1372260"/>
+            </a:xfrm>
+            <a:prstGeom prst="rect">
+              <a:avLst/>
+            </a:prstGeom>
+          </p:spPr>
+        </p:pic>
+      </p:grpSp>
+      <p:sp>
+        <p:nvSpPr>
+          <p:cNvPr id="30" name="TextovéPole 29">
+            <a:extLst>
+              <a:ext uri="{FF2B5EF4-FFF2-40B4-BE49-F238E27FC236}">
+                <a16:creationId xmlns:a16="http://schemas.microsoft.com/office/drawing/2014/main" id="{94960BD0-D3E1-4B1F-B16E-1370E8ABDE11}"/>
+              </a:ext>
+            </a:extLst>
+          </p:cNvPr>
+          <p:cNvSpPr txBox="1"/>
+          <p:nvPr/>
+        </p:nvSpPr>
+        <p:spPr>
+          <a:xfrm>
+            <a:off x="1454858" y="4413557"/>
+            <a:ext cx="3279744" cy="400110"/>
+          </a:xfrm>
+          <a:prstGeom prst="rect">
+            <a:avLst/>
+          </a:prstGeom>
+          <a:noFill/>
+        </p:spPr>
+        <p:txBody>
+          <a:bodyPr wrap="none" rtlCol="0">
+            <a:spAutoFit/>
+          </a:bodyPr>
+          <a:lstStyle/>
+          <a:p>
+            <a:pPr algn="l">
+              <a:buNone/>
+            </a:pPr>
+            <a:r>
+              <a:rPr lang="cs-CZ" sz="2000" b="0" dirty="0">
+                <a:solidFill>
+                  <a:schemeClr val="tx1"/>
+                </a:solidFill>
+                <a:latin typeface="Calibri" panose="020F0502020204030204" pitchFamily="34" charset="0"/>
+                <a:ea typeface="Calibri" panose="020F0502020204030204" pitchFamily="34" charset="0"/>
+                <a:cs typeface="Calibri" panose="020F0502020204030204" pitchFamily="34" charset="0"/>
+              </a:rPr>
+              <a:t>Výsledek pro Gaussovský šum</a:t>
+            </a:r>
+          </a:p>
+        </p:txBody>
+      </p:sp>
+    </p:spTree>
+    <p:extLst>
+      <p:ext uri="{BB962C8B-B14F-4D97-AF65-F5344CB8AC3E}">
+        <p14:creationId xmlns:p14="http://schemas.microsoft.com/office/powerpoint/2010/main" val="1448532963"/>
+      </p:ext>
+    </p:extLst>
+  </p:cSld>
+  <p:clrMapOvr>
+    <a:masterClrMapping/>
+  </p:clrMapOvr>
+</p:sld>
+</file>
+
+<file path=ppt/slides/slide7.xml><?xml version="1.0" encoding="utf-8"?>
+<p:sld xmlns:a="http://schemas.openxmlformats.org/drawingml/2006/main" xmlns:r="http://schemas.openxmlformats.org/officeDocument/2006/relationships" xmlns:p="http://schemas.openxmlformats.org/presentationml/2006/main">
+  <p:cSld>
+    <p:spTree>
+      <p:nvGrpSpPr>
+        <p:cNvPr id="1" name=""/>
+        <p:cNvGrpSpPr/>
+        <p:nvPr/>
+      </p:nvGrpSpPr>
+      <p:grpSpPr>
+        <a:xfrm>
+          <a:off x="0" y="0"/>
+          <a:ext cx="0" cy="0"/>
+          <a:chOff x="0" y="0"/>
+          <a:chExt cx="0" cy="0"/>
+        </a:xfrm>
+      </p:grpSpPr>
+      <p:sp>
+        <p:nvSpPr>
+          <p:cNvPr id="2" name="Nadpis 1"/>
           <p:cNvSpPr>
             <a:spLocks noGrp="1"/>
           </p:cNvSpPr>
           <p:nvPr>
-            <p:ph type="sldNum" sz="quarter" idx="11"/>
+            <p:ph type="title"/>
           </p:nvPr>
         </p:nvSpPr>
         <p:spPr/>
@@ -7083,19 +11326,1156 @@
           <a:bodyPr/>
           <a:lstStyle/>
           <a:p>
-            <a:fld id="{7C839148-7006-41C4-ABC2-D2A9F4595A63}" type="slidenum">
-              <a:rPr lang="en-US" altLang="cs-CZ" smtClean="0"/>
-              <a:pPr/>
-              <a:t>6</a:t>
-            </a:fld>
-            <a:endParaRPr lang="en-US" altLang="cs-CZ"/>
+            <a:r>
+              <a:rPr lang="cs-CZ" dirty="0"/>
+              <a:t>Vliv pravděpodobnosti mutace a velikosti matice</a:t>
+            </a:r>
+          </a:p>
+        </p:txBody>
+      </p:sp>
+      <p:sp>
+        <p:nvSpPr>
+          <p:cNvPr id="5" name="Zástupný symbol pro zápatí 3">
+            <a:extLst>
+              <a:ext uri="{FF2B5EF4-FFF2-40B4-BE49-F238E27FC236}">
+                <a16:creationId xmlns:a16="http://schemas.microsoft.com/office/drawing/2014/main" id="{3DE61977-3B64-3A40-2C61-7D194B9677EC}"/>
+              </a:ext>
+            </a:extLst>
+          </p:cNvPr>
+          <p:cNvSpPr>
+            <a:spLocks noGrp="1"/>
+          </p:cNvSpPr>
+          <p:nvPr>
+            <p:ph type="ftr" sz="quarter" idx="10"/>
+          </p:nvPr>
+        </p:nvSpPr>
+        <p:spPr>
+          <a:xfrm>
+            <a:off x="1631504" y="6518422"/>
+            <a:ext cx="10464800" cy="333375"/>
+          </a:xfrm>
+        </p:spPr>
+        <p:txBody>
+          <a:bodyPr/>
+          <a:lstStyle/>
+          <a:p>
+            <a:pPr>
+              <a:defRPr/>
+            </a:pPr>
+            <a:r>
+              <a:rPr lang="cs-CZ" dirty="0"/>
+              <a:t>1/x</a:t>
+            </a:r>
+          </a:p>
+        </p:txBody>
+      </p:sp>
+      <p:pic>
+        <p:nvPicPr>
+          <p:cNvPr id="7" name="Obrázek 6" descr="Obsah obrázku text, diagram, snímek obrazovky, Plán&#10;&#10;Popis byl vytvořen automaticky">
+            <a:extLst>
+              <a:ext uri="{FF2B5EF4-FFF2-40B4-BE49-F238E27FC236}">
+                <a16:creationId xmlns:a16="http://schemas.microsoft.com/office/drawing/2014/main" id="{37485680-A238-072F-BBB0-9F262767C96A}"/>
+              </a:ext>
+            </a:extLst>
+          </p:cNvPr>
+          <p:cNvPicPr>
+            <a:picLocks noChangeAspect="1"/>
+          </p:cNvPicPr>
+          <p:nvPr/>
+        </p:nvPicPr>
+        <p:blipFill>
+          <a:blip r:embed="rId3">
+            <a:extLst>
+              <a:ext uri="{28A0092B-C50C-407E-A947-70E740481C1C}">
+                <a14:useLocalDpi xmlns:a14="http://schemas.microsoft.com/office/drawing/2010/main" val="0"/>
+              </a:ext>
+            </a:extLst>
+          </a:blip>
+          <a:stretch>
+            <a:fillRect/>
+          </a:stretch>
+        </p:blipFill>
+        <p:spPr>
+          <a:xfrm>
+            <a:off x="4943872" y="620713"/>
+            <a:ext cx="4649707" cy="5040535"/>
+          </a:xfrm>
+          <a:prstGeom prst="rect">
+            <a:avLst/>
+          </a:prstGeom>
+        </p:spPr>
+      </p:pic>
+      <p:pic>
+        <p:nvPicPr>
+          <p:cNvPr id="11" name="Obrázek 10" descr="Obsah obrázku text, diagram, snímek obrazovky, Plán&#10;&#10;Popis byl vytvořen automaticky">
+            <a:extLst>
+              <a:ext uri="{FF2B5EF4-FFF2-40B4-BE49-F238E27FC236}">
+                <a16:creationId xmlns:a16="http://schemas.microsoft.com/office/drawing/2014/main" id="{2563D92E-F3FA-0555-36D6-7F3EF39AD8F5}"/>
+              </a:ext>
+            </a:extLst>
+          </p:cNvPr>
+          <p:cNvPicPr>
+            <a:picLocks noChangeAspect="1"/>
+          </p:cNvPicPr>
+          <p:nvPr/>
+        </p:nvPicPr>
+        <p:blipFill>
+          <a:blip r:embed="rId4">
+            <a:extLst>
+              <a:ext uri="{28A0092B-C50C-407E-A947-70E740481C1C}">
+                <a14:useLocalDpi xmlns:a14="http://schemas.microsoft.com/office/drawing/2010/main" val="0"/>
+              </a:ext>
+            </a:extLst>
+          </a:blip>
+          <a:stretch>
+            <a:fillRect/>
+          </a:stretch>
+        </p:blipFill>
+        <p:spPr>
+          <a:xfrm>
+            <a:off x="111117" y="694673"/>
+            <a:ext cx="4616731" cy="4125953"/>
+          </a:xfrm>
+          <a:prstGeom prst="rect">
+            <a:avLst/>
+          </a:prstGeom>
+        </p:spPr>
+      </p:pic>
+      <p:pic>
+        <p:nvPicPr>
+          <p:cNvPr id="13" name="Obrázek 12" descr="Obsah obrázku text, snímek obrazovky, řada/pruh, diagram&#10;&#10;Popis byl vytvořen automaticky">
+            <a:extLst>
+              <a:ext uri="{FF2B5EF4-FFF2-40B4-BE49-F238E27FC236}">
+                <a16:creationId xmlns:a16="http://schemas.microsoft.com/office/drawing/2014/main" id="{0CF44DDD-B2C6-3959-5424-77E12F541DA3}"/>
+              </a:ext>
+            </a:extLst>
+          </p:cNvPr>
+          <p:cNvPicPr>
+            <a:picLocks noChangeAspect="1"/>
+          </p:cNvPicPr>
+          <p:nvPr/>
+        </p:nvPicPr>
+        <p:blipFill>
+          <a:blip r:embed="rId5">
+            <a:extLst>
+              <a:ext uri="{28A0092B-C50C-407E-A947-70E740481C1C}">
+                <a14:useLocalDpi xmlns:a14="http://schemas.microsoft.com/office/drawing/2010/main" val="0"/>
+              </a:ext>
+            </a:extLst>
+          </a:blip>
+          <a:stretch>
+            <a:fillRect/>
+          </a:stretch>
+        </p:blipFill>
+        <p:spPr>
+          <a:xfrm>
+            <a:off x="9237097" y="3365426"/>
+            <a:ext cx="2921074" cy="2112307"/>
+          </a:xfrm>
+          <a:prstGeom prst="rect">
+            <a:avLst/>
+          </a:prstGeom>
+        </p:spPr>
+      </p:pic>
+      <p:pic>
+        <p:nvPicPr>
+          <p:cNvPr id="15" name="Obrázek 14" descr="Obsah obrázku text, snímek obrazovky, řada/pruh, diagram&#10;&#10;Popis byl vytvořen automaticky">
+            <a:extLst>
+              <a:ext uri="{FF2B5EF4-FFF2-40B4-BE49-F238E27FC236}">
+                <a16:creationId xmlns:a16="http://schemas.microsoft.com/office/drawing/2014/main" id="{5A443AA1-B706-7213-60E6-4639688AA335}"/>
+              </a:ext>
+            </a:extLst>
+          </p:cNvPr>
+          <p:cNvPicPr>
+            <a:picLocks noChangeAspect="1"/>
+          </p:cNvPicPr>
+          <p:nvPr/>
+        </p:nvPicPr>
+        <p:blipFill>
+          <a:blip r:embed="rId6">
+            <a:extLst>
+              <a:ext uri="{28A0092B-C50C-407E-A947-70E740481C1C}">
+                <a14:useLocalDpi xmlns:a14="http://schemas.microsoft.com/office/drawing/2010/main" val="0"/>
+              </a:ext>
+            </a:extLst>
+          </a:blip>
+          <a:stretch>
+            <a:fillRect/>
+          </a:stretch>
+        </p:blipFill>
+        <p:spPr>
+          <a:xfrm>
+            <a:off x="9270390" y="1068993"/>
+            <a:ext cx="2854487" cy="2064156"/>
+          </a:xfrm>
+          <a:prstGeom prst="rect">
+            <a:avLst/>
+          </a:prstGeom>
+        </p:spPr>
+      </p:pic>
+      <p:grpSp>
+        <p:nvGrpSpPr>
+          <p:cNvPr id="29" name="Skupina 28">
+            <a:extLst>
+              <a:ext uri="{FF2B5EF4-FFF2-40B4-BE49-F238E27FC236}">
+                <a16:creationId xmlns:a16="http://schemas.microsoft.com/office/drawing/2014/main" id="{AFDB2A9E-B875-C28E-77C6-B0FA533654A4}"/>
+              </a:ext>
+            </a:extLst>
+          </p:cNvPr>
+          <p:cNvGrpSpPr/>
+          <p:nvPr/>
+        </p:nvGrpSpPr>
+        <p:grpSpPr>
+          <a:xfrm>
+            <a:off x="1056649" y="5298571"/>
+            <a:ext cx="2645261" cy="894078"/>
+            <a:chOff x="999871" y="5185960"/>
+            <a:chExt cx="2645261" cy="894078"/>
+          </a:xfrm>
+        </p:grpSpPr>
+        <p:pic>
+          <p:nvPicPr>
+            <p:cNvPr id="17" name="Grafický objekt 16">
+              <a:extLst>
+                <a:ext uri="{FF2B5EF4-FFF2-40B4-BE49-F238E27FC236}">
+                  <a16:creationId xmlns:a16="http://schemas.microsoft.com/office/drawing/2014/main" id="{7E4E7A50-FC0F-B7D9-F93C-30304517CEE2}"/>
+                </a:ext>
+              </a:extLst>
+            </p:cNvPr>
+            <p:cNvPicPr>
+              <a:picLocks noChangeAspect="1"/>
+            </p:cNvPicPr>
+            <p:nvPr/>
+          </p:nvPicPr>
+          <p:blipFill>
+            <a:blip r:embed="rId7">
+              <a:extLst>
+                <a:ext uri="{96DAC541-7B7A-43D3-8B79-37D633B846F1}">
+                  <asvg:svgBlip xmlns:asvg="http://schemas.microsoft.com/office/drawing/2016/SVG/main" r:embed="rId8"/>
+                </a:ext>
+              </a:extLst>
+            </a:blip>
+            <a:stretch>
+              <a:fillRect/>
+            </a:stretch>
+          </p:blipFill>
+          <p:spPr>
+            <a:xfrm flipV="1">
+              <a:off x="1551709" y="5661248"/>
+              <a:ext cx="2093423" cy="405532"/>
+            </a:xfrm>
+            <a:prstGeom prst="rect">
+              <a:avLst/>
+            </a:prstGeom>
+          </p:spPr>
+        </p:pic>
+        <p:cxnSp>
+          <p:nvCxnSpPr>
+            <p:cNvPr id="22" name="Přímá spojnice se šipkou 21">
+              <a:extLst>
+                <a:ext uri="{FF2B5EF4-FFF2-40B4-BE49-F238E27FC236}">
+                  <a16:creationId xmlns:a16="http://schemas.microsoft.com/office/drawing/2014/main" id="{1388578E-2A7A-70BD-72FB-38E7348E9E7D}"/>
+                </a:ext>
+              </a:extLst>
+            </p:cNvPr>
+            <p:cNvCxnSpPr>
+              <a:cxnSpLocks/>
+            </p:cNvCxnSpPr>
+            <p:nvPr/>
+          </p:nvCxnSpPr>
+          <p:spPr bwMode="auto">
+            <a:xfrm flipH="1">
+              <a:off x="1631504" y="5517232"/>
+              <a:ext cx="1944216" cy="0"/>
+            </a:xfrm>
+            <a:prstGeom prst="straightConnector1">
+              <a:avLst/>
+            </a:prstGeom>
+            <a:noFill/>
+            <a:ln w="38100" cap="flat" cmpd="sng" algn="ctr">
+              <a:solidFill>
+                <a:schemeClr val="accent6">
+                  <a:lumMod val="75000"/>
+                </a:schemeClr>
+              </a:solidFill>
+              <a:prstDash val="solid"/>
+              <a:round/>
+              <a:headEnd type="triangle"/>
+              <a:tailEnd type="triangle"/>
+            </a:ln>
+            <a:effectLst/>
+          </p:spPr>
+        </p:cxnSp>
+        <p:cxnSp>
+          <p:nvCxnSpPr>
+            <p:cNvPr id="24" name="Přímá spojnice se šipkou 23">
+              <a:extLst>
+                <a:ext uri="{FF2B5EF4-FFF2-40B4-BE49-F238E27FC236}">
+                  <a16:creationId xmlns:a16="http://schemas.microsoft.com/office/drawing/2014/main" id="{FC716970-8132-D138-2C83-1FE98D23A1DB}"/>
+                </a:ext>
+              </a:extLst>
+            </p:cNvPr>
+            <p:cNvCxnSpPr>
+              <a:cxnSpLocks/>
+            </p:cNvCxnSpPr>
+            <p:nvPr/>
+          </p:nvCxnSpPr>
+          <p:spPr bwMode="auto">
+            <a:xfrm flipV="1">
+              <a:off x="1343472" y="5647990"/>
+              <a:ext cx="0" cy="432048"/>
+            </a:xfrm>
+            <a:prstGeom prst="straightConnector1">
+              <a:avLst/>
+            </a:prstGeom>
+            <a:noFill/>
+            <a:ln w="38100" cap="flat" cmpd="sng" algn="ctr">
+              <a:solidFill>
+                <a:schemeClr val="accent6">
+                  <a:lumMod val="75000"/>
+                </a:schemeClr>
+              </a:solidFill>
+              <a:prstDash val="solid"/>
+              <a:round/>
+              <a:headEnd type="triangle"/>
+              <a:tailEnd type="triangle"/>
+            </a:ln>
+            <a:effectLst/>
+          </p:spPr>
+        </p:cxnSp>
+        <p:sp>
+          <p:nvSpPr>
+            <p:cNvPr id="27" name="TextovéPole 26">
+              <a:extLst>
+                <a:ext uri="{FF2B5EF4-FFF2-40B4-BE49-F238E27FC236}">
+                  <a16:creationId xmlns:a16="http://schemas.microsoft.com/office/drawing/2014/main" id="{51D2A58C-A918-E7EB-DAC7-9F7392970E66}"/>
+                </a:ext>
+              </a:extLst>
+            </p:cNvPr>
+            <p:cNvSpPr txBox="1"/>
+            <p:nvPr/>
+          </p:nvSpPr>
+          <p:spPr>
+            <a:xfrm>
+              <a:off x="2392274" y="5185960"/>
+              <a:ext cx="412292" cy="338554"/>
+            </a:xfrm>
+            <a:prstGeom prst="rect">
+              <a:avLst/>
+            </a:prstGeom>
+            <a:noFill/>
+          </p:spPr>
+          <p:txBody>
+            <a:bodyPr wrap="none" rtlCol="0">
+              <a:spAutoFit/>
+            </a:bodyPr>
+            <a:lstStyle/>
+            <a:p>
+              <a:pPr algn="l">
+                <a:buNone/>
+              </a:pPr>
+              <a:r>
+                <a:rPr lang="cs-CZ" sz="1600" b="0" dirty="0">
+                  <a:solidFill>
+                    <a:schemeClr val="tx1"/>
+                  </a:solidFill>
+                  <a:latin typeface="Cambria Math" panose="02040503050406030204" pitchFamily="18" charset="0"/>
+                  <a:ea typeface="Cambria Math" panose="02040503050406030204" pitchFamily="18" charset="0"/>
+                  <a:cs typeface="Calibri" panose="020F0502020204030204" pitchFamily="34" charset="0"/>
+                </a:rPr>
+                <a:t>10</a:t>
+              </a:r>
+            </a:p>
+          </p:txBody>
+        </p:sp>
+        <p:sp>
+          <p:nvSpPr>
+            <p:cNvPr id="28" name="TextovéPole 27">
+              <a:extLst>
+                <a:ext uri="{FF2B5EF4-FFF2-40B4-BE49-F238E27FC236}">
+                  <a16:creationId xmlns:a16="http://schemas.microsoft.com/office/drawing/2014/main" id="{99C8AD33-5842-F3F1-6513-72293F41C343}"/>
+                </a:ext>
+              </a:extLst>
+            </p:cNvPr>
+            <p:cNvSpPr txBox="1"/>
+            <p:nvPr/>
+          </p:nvSpPr>
+          <p:spPr>
+            <a:xfrm>
+              <a:off x="999871" y="5706607"/>
+              <a:ext cx="298480" cy="338554"/>
+            </a:xfrm>
+            <a:prstGeom prst="rect">
+              <a:avLst/>
+            </a:prstGeom>
+            <a:noFill/>
+          </p:spPr>
+          <p:txBody>
+            <a:bodyPr wrap="none" rtlCol="0">
+              <a:spAutoFit/>
+            </a:bodyPr>
+            <a:lstStyle/>
+            <a:p>
+              <a:pPr algn="l">
+                <a:buNone/>
+              </a:pPr>
+              <a:r>
+                <a:rPr lang="cs-CZ" sz="1600" b="0" dirty="0">
+                  <a:solidFill>
+                    <a:schemeClr val="tx1"/>
+                  </a:solidFill>
+                  <a:latin typeface="Cambria Math" panose="02040503050406030204" pitchFamily="18" charset="0"/>
+                  <a:ea typeface="Cambria Math" panose="02040503050406030204" pitchFamily="18" charset="0"/>
+                  <a:cs typeface="Calibri" panose="020F0502020204030204" pitchFamily="34" charset="0"/>
+                </a:rPr>
+                <a:t>2</a:t>
+              </a:r>
+            </a:p>
+          </p:txBody>
+        </p:sp>
+      </p:grpSp>
+    </p:spTree>
+    <p:extLst>
+      <p:ext uri="{BB962C8B-B14F-4D97-AF65-F5344CB8AC3E}">
+        <p14:creationId xmlns:p14="http://schemas.microsoft.com/office/powerpoint/2010/main" val="2482937778"/>
+      </p:ext>
+    </p:extLst>
+  </p:cSld>
+  <p:clrMapOvr>
+    <a:masterClrMapping/>
+  </p:clrMapOvr>
+</p:sld>
+</file>
+
+<file path=ppt/slides/slide8.xml><?xml version="1.0" encoding="utf-8"?>
+<p:sld xmlns:a="http://schemas.openxmlformats.org/drawingml/2006/main" xmlns:r="http://schemas.openxmlformats.org/officeDocument/2006/relationships" xmlns:p="http://schemas.openxmlformats.org/presentationml/2006/main">
+  <p:cSld>
+    <p:spTree>
+      <p:nvGrpSpPr>
+        <p:cNvPr id="1" name=""/>
+        <p:cNvGrpSpPr/>
+        <p:nvPr/>
+      </p:nvGrpSpPr>
+      <p:grpSpPr>
+        <a:xfrm>
+          <a:off x="0" y="0"/>
+          <a:ext cx="0" cy="0"/>
+          <a:chOff x="0" y="0"/>
+          <a:chExt cx="0" cy="0"/>
+        </a:xfrm>
+      </p:grpSpPr>
+      <p:sp>
+        <p:nvSpPr>
+          <p:cNvPr id="2" name="Nadpis 1"/>
+          <p:cNvSpPr>
+            <a:spLocks noGrp="1"/>
+          </p:cNvSpPr>
+          <p:nvPr>
+            <p:ph type="title"/>
+          </p:nvPr>
+        </p:nvSpPr>
+        <p:spPr/>
+        <p:txBody>
+          <a:bodyPr/>
+          <a:lstStyle/>
+          <a:p>
+            <a:r>
+              <a:rPr lang="cs-CZ" dirty="0"/>
+              <a:t>Děkuji za pozornost!</a:t>
+            </a:r>
+          </a:p>
+        </p:txBody>
+      </p:sp>
+      <p:sp>
+        <p:nvSpPr>
+          <p:cNvPr id="5" name="Zástupný symbol pro zápatí 3">
+            <a:extLst>
+              <a:ext uri="{FF2B5EF4-FFF2-40B4-BE49-F238E27FC236}">
+                <a16:creationId xmlns:a16="http://schemas.microsoft.com/office/drawing/2014/main" id="{3DE61977-3B64-3A40-2C61-7D194B9677EC}"/>
+              </a:ext>
+            </a:extLst>
+          </p:cNvPr>
+          <p:cNvSpPr>
+            <a:spLocks noGrp="1"/>
+          </p:cNvSpPr>
+          <p:nvPr>
+            <p:ph type="ftr" sz="quarter" idx="10"/>
+          </p:nvPr>
+        </p:nvSpPr>
+        <p:spPr>
+          <a:xfrm>
+            <a:off x="1631504" y="6518422"/>
+            <a:ext cx="10464800" cy="333375"/>
+          </a:xfrm>
+        </p:spPr>
+        <p:txBody>
+          <a:bodyPr/>
+          <a:lstStyle/>
+          <a:p>
+            <a:pPr>
+              <a:defRPr/>
+            </a:pPr>
+            <a:r>
+              <a:rPr lang="cs-CZ" dirty="0"/>
+              <a:t>1/x</a:t>
+            </a:r>
           </a:p>
         </p:txBody>
       </p:sp>
     </p:spTree>
     <p:extLst>
       <p:ext uri="{BB962C8B-B14F-4D97-AF65-F5344CB8AC3E}">
-        <p14:creationId xmlns:p14="http://schemas.microsoft.com/office/powerpoint/2010/main" val="3810281690"/>
+        <p14:creationId xmlns:p14="http://schemas.microsoft.com/office/powerpoint/2010/main" val="3864078324"/>
+      </p:ext>
+    </p:extLst>
+  </p:cSld>
+  <p:clrMapOvr>
+    <a:masterClrMapping/>
+  </p:clrMapOvr>
+</p:sld>
+</file>
+
+<file path=ppt/slides/slide9.xml><?xml version="1.0" encoding="utf-8"?>
+<p:sld xmlns:a="http://schemas.openxmlformats.org/drawingml/2006/main" xmlns:r="http://schemas.openxmlformats.org/officeDocument/2006/relationships" xmlns:p="http://schemas.openxmlformats.org/presentationml/2006/main">
+  <p:cSld>
+    <p:spTree>
+      <p:nvGrpSpPr>
+        <p:cNvPr id="1" name=""/>
+        <p:cNvGrpSpPr/>
+        <p:nvPr/>
+      </p:nvGrpSpPr>
+      <p:grpSpPr>
+        <a:xfrm>
+          <a:off x="0" y="0"/>
+          <a:ext cx="0" cy="0"/>
+          <a:chOff x="0" y="0"/>
+          <a:chExt cx="0" cy="0"/>
+        </a:xfrm>
+      </p:grpSpPr>
+      <p:sp>
+        <p:nvSpPr>
+          <p:cNvPr id="2" name="Nadpis 1"/>
+          <p:cNvSpPr>
+            <a:spLocks noGrp="1"/>
+          </p:cNvSpPr>
+          <p:nvPr>
+            <p:ph type="title"/>
+          </p:nvPr>
+        </p:nvSpPr>
+        <p:spPr/>
+        <p:txBody>
+          <a:bodyPr/>
+          <a:lstStyle/>
+          <a:p>
+            <a:r>
+              <a:rPr lang="cs-CZ" dirty="0"/>
+              <a:t>Vliv tvaru okolí pixelu (rozšíření pro předmět BIN)</a:t>
+            </a:r>
+          </a:p>
+        </p:txBody>
+      </p:sp>
+      <p:sp>
+        <p:nvSpPr>
+          <p:cNvPr id="5" name="Zástupný symbol pro zápatí 3">
+            <a:extLst>
+              <a:ext uri="{FF2B5EF4-FFF2-40B4-BE49-F238E27FC236}">
+                <a16:creationId xmlns:a16="http://schemas.microsoft.com/office/drawing/2014/main" id="{3DE61977-3B64-3A40-2C61-7D194B9677EC}"/>
+              </a:ext>
+            </a:extLst>
+          </p:cNvPr>
+          <p:cNvSpPr>
+            <a:spLocks noGrp="1"/>
+          </p:cNvSpPr>
+          <p:nvPr>
+            <p:ph type="ftr" sz="quarter" idx="10"/>
+          </p:nvPr>
+        </p:nvSpPr>
+        <p:spPr>
+          <a:xfrm>
+            <a:off x="1631504" y="6518422"/>
+            <a:ext cx="10464800" cy="333375"/>
+          </a:xfrm>
+        </p:spPr>
+        <p:txBody>
+          <a:bodyPr/>
+          <a:lstStyle/>
+          <a:p>
+            <a:pPr>
+              <a:defRPr/>
+            </a:pPr>
+            <a:r>
+              <a:rPr lang="cs-CZ" dirty="0"/>
+              <a:t>1/x</a:t>
+            </a:r>
+          </a:p>
+        </p:txBody>
+      </p:sp>
+      <p:grpSp>
+        <p:nvGrpSpPr>
+          <p:cNvPr id="42" name="Skupina 41">
+            <a:extLst>
+              <a:ext uri="{FF2B5EF4-FFF2-40B4-BE49-F238E27FC236}">
+                <a16:creationId xmlns:a16="http://schemas.microsoft.com/office/drawing/2014/main" id="{6D3A0ACA-D603-089E-2431-06023BD751B6}"/>
+              </a:ext>
+            </a:extLst>
+          </p:cNvPr>
+          <p:cNvGrpSpPr/>
+          <p:nvPr/>
+        </p:nvGrpSpPr>
+        <p:grpSpPr>
+          <a:xfrm>
+            <a:off x="8688288" y="910440"/>
+            <a:ext cx="3097584" cy="1021439"/>
+            <a:chOff x="8255000" y="882067"/>
+            <a:chExt cx="3274123" cy="1078678"/>
+          </a:xfrm>
+        </p:grpSpPr>
+        <p:pic>
+          <p:nvPicPr>
+            <p:cNvPr id="24" name="Grafický objekt 23">
+              <a:extLst>
+                <a:ext uri="{FF2B5EF4-FFF2-40B4-BE49-F238E27FC236}">
+                  <a16:creationId xmlns:a16="http://schemas.microsoft.com/office/drawing/2014/main" id="{41F5F409-DB6A-CF2C-632F-945FDD06F1F8}"/>
+                </a:ext>
+              </a:extLst>
+            </p:cNvPr>
+            <p:cNvPicPr>
+              <a:picLocks noChangeAspect="1"/>
+            </p:cNvPicPr>
+            <p:nvPr/>
+          </p:nvPicPr>
+          <p:blipFill>
+            <a:blip r:embed="rId3">
+              <a:extLst>
+                <a:ext uri="{96DAC541-7B7A-43D3-8B79-37D633B846F1}">
+                  <asvg:svgBlip xmlns:asvg="http://schemas.microsoft.com/office/drawing/2016/SVG/main" r:embed="rId4"/>
+                </a:ext>
+              </a:extLst>
+            </a:blip>
+            <a:stretch>
+              <a:fillRect/>
+            </a:stretch>
+          </p:blipFill>
+          <p:spPr>
+            <a:xfrm>
+              <a:off x="8255000" y="979488"/>
+              <a:ext cx="433288" cy="433288"/>
+            </a:xfrm>
+            <a:prstGeom prst="rect">
+              <a:avLst/>
+            </a:prstGeom>
+          </p:spPr>
+        </p:pic>
+        <p:pic>
+          <p:nvPicPr>
+            <p:cNvPr id="26" name="Grafický objekt 25">
+              <a:extLst>
+                <a:ext uri="{FF2B5EF4-FFF2-40B4-BE49-F238E27FC236}">
+                  <a16:creationId xmlns:a16="http://schemas.microsoft.com/office/drawing/2014/main" id="{6FA82FF5-E79B-5F00-3C74-2754317AF96E}"/>
+                </a:ext>
+              </a:extLst>
+            </p:cNvPr>
+            <p:cNvPicPr>
+              <a:picLocks noChangeAspect="1"/>
+            </p:cNvPicPr>
+            <p:nvPr/>
+          </p:nvPicPr>
+          <p:blipFill>
+            <a:blip r:embed="rId5">
+              <a:extLst>
+                <a:ext uri="{96DAC541-7B7A-43D3-8B79-37D633B846F1}">
+                  <asvg:svgBlip xmlns:asvg="http://schemas.microsoft.com/office/drawing/2016/SVG/main" r:embed="rId6"/>
+                </a:ext>
+              </a:extLst>
+            </a:blip>
+            <a:stretch>
+              <a:fillRect/>
+            </a:stretch>
+          </p:blipFill>
+          <p:spPr>
+            <a:xfrm>
+              <a:off x="8978288" y="942743"/>
+              <a:ext cx="166117" cy="478417"/>
+            </a:xfrm>
+            <a:prstGeom prst="rect">
+              <a:avLst/>
+            </a:prstGeom>
+          </p:spPr>
+        </p:pic>
+        <p:pic>
+          <p:nvPicPr>
+            <p:cNvPr id="29" name="Grafický objekt 28">
+              <a:extLst>
+                <a:ext uri="{FF2B5EF4-FFF2-40B4-BE49-F238E27FC236}">
+                  <a16:creationId xmlns:a16="http://schemas.microsoft.com/office/drawing/2014/main" id="{70B293B2-2D40-6274-E169-88508F1526B9}"/>
+                </a:ext>
+              </a:extLst>
+            </p:cNvPr>
+            <p:cNvPicPr>
+              <a:picLocks noChangeAspect="1"/>
+            </p:cNvPicPr>
+            <p:nvPr/>
+          </p:nvPicPr>
+          <p:blipFill>
+            <a:blip r:embed="rId7">
+              <a:extLst>
+                <a:ext uri="{96DAC541-7B7A-43D3-8B79-37D633B846F1}">
+                  <asvg:svgBlip xmlns:asvg="http://schemas.microsoft.com/office/drawing/2016/SVG/main" r:embed="rId8"/>
+                </a:ext>
+              </a:extLst>
+            </a:blip>
+            <a:stretch>
+              <a:fillRect/>
+            </a:stretch>
+          </p:blipFill>
+          <p:spPr>
+            <a:xfrm>
+              <a:off x="9408368" y="882067"/>
+              <a:ext cx="648047" cy="648047"/>
+            </a:xfrm>
+            <a:prstGeom prst="rect">
+              <a:avLst/>
+            </a:prstGeom>
+          </p:spPr>
+        </p:pic>
+        <p:pic>
+          <p:nvPicPr>
+            <p:cNvPr id="31" name="Grafický objekt 30">
+              <a:extLst>
+                <a:ext uri="{FF2B5EF4-FFF2-40B4-BE49-F238E27FC236}">
+                  <a16:creationId xmlns:a16="http://schemas.microsoft.com/office/drawing/2014/main" id="{B7421FA4-5BAA-212D-7029-57AD9FA0F84C}"/>
+                </a:ext>
+              </a:extLst>
+            </p:cNvPr>
+            <p:cNvPicPr>
+              <a:picLocks noChangeAspect="1"/>
+            </p:cNvPicPr>
+            <p:nvPr/>
+          </p:nvPicPr>
+          <p:blipFill>
+            <a:blip r:embed="rId9">
+              <a:extLst>
+                <a:ext uri="{96DAC541-7B7A-43D3-8B79-37D633B846F1}">
+                  <asvg:svgBlip xmlns:asvg="http://schemas.microsoft.com/office/drawing/2016/SVG/main" r:embed="rId10"/>
+                </a:ext>
+              </a:extLst>
+            </a:blip>
+            <a:stretch>
+              <a:fillRect/>
+            </a:stretch>
+          </p:blipFill>
+          <p:spPr>
+            <a:xfrm>
+              <a:off x="10302590" y="999406"/>
+              <a:ext cx="413370" cy="413370"/>
+            </a:xfrm>
+            <a:prstGeom prst="rect">
+              <a:avLst/>
+            </a:prstGeom>
+          </p:spPr>
+        </p:pic>
+        <p:pic>
+          <p:nvPicPr>
+            <p:cNvPr id="33" name="Grafický objekt 32">
+              <a:extLst>
+                <a:ext uri="{FF2B5EF4-FFF2-40B4-BE49-F238E27FC236}">
+                  <a16:creationId xmlns:a16="http://schemas.microsoft.com/office/drawing/2014/main" id="{EF802F61-68AF-CA78-EA81-C0EB46A41F0B}"/>
+                </a:ext>
+              </a:extLst>
+            </p:cNvPr>
+            <p:cNvPicPr>
+              <a:picLocks noChangeAspect="1"/>
+            </p:cNvPicPr>
+            <p:nvPr/>
+          </p:nvPicPr>
+          <p:blipFill>
+            <a:blip r:embed="rId11">
+              <a:extLst>
+                <a:ext uri="{96DAC541-7B7A-43D3-8B79-37D633B846F1}">
+                  <asvg:svgBlip xmlns:asvg="http://schemas.microsoft.com/office/drawing/2016/SVG/main" r:embed="rId12"/>
+                </a:ext>
+              </a:extLst>
+            </a:blip>
+            <a:stretch>
+              <a:fillRect/>
+            </a:stretch>
+          </p:blipFill>
+          <p:spPr>
+            <a:xfrm>
+              <a:off x="11115897" y="1047893"/>
+              <a:ext cx="345231" cy="345231"/>
+            </a:xfrm>
+            <a:prstGeom prst="rect">
+              <a:avLst/>
+            </a:prstGeom>
+          </p:spPr>
+        </p:pic>
+        <p:sp>
+          <p:nvSpPr>
+            <p:cNvPr id="35" name="TextovéPole 34">
+              <a:extLst>
+                <a:ext uri="{FF2B5EF4-FFF2-40B4-BE49-F238E27FC236}">
+                  <a16:creationId xmlns:a16="http://schemas.microsoft.com/office/drawing/2014/main" id="{F544538D-390D-C972-37D0-F4BFA6757EE7}"/>
+                </a:ext>
+              </a:extLst>
+            </p:cNvPr>
+            <p:cNvSpPr txBox="1"/>
+            <p:nvPr/>
+          </p:nvSpPr>
+          <p:spPr>
+            <a:xfrm>
+              <a:off x="8323437" y="1622191"/>
+              <a:ext cx="396262" cy="338554"/>
+            </a:xfrm>
+            <a:prstGeom prst="rect">
+              <a:avLst/>
+            </a:prstGeom>
+            <a:noFill/>
+          </p:spPr>
+          <p:txBody>
+            <a:bodyPr wrap="none" rtlCol="0">
+              <a:spAutoFit/>
+            </a:bodyPr>
+            <a:lstStyle/>
+            <a:p>
+              <a:pPr algn="l">
+                <a:buNone/>
+              </a:pPr>
+              <a:r>
+                <a:rPr lang="cs-CZ" sz="1600" b="0" dirty="0">
+                  <a:solidFill>
+                    <a:schemeClr val="tx1"/>
+                  </a:solidFill>
+                  <a:latin typeface="Calibri" panose="020F0502020204030204" pitchFamily="34" charset="0"/>
+                  <a:ea typeface="Calibri" panose="020F0502020204030204" pitchFamily="34" charset="0"/>
+                  <a:cs typeface="Calibri" panose="020F0502020204030204" pitchFamily="34" charset="0"/>
+                </a:rPr>
+                <a:t>3d</a:t>
+              </a:r>
+            </a:p>
+          </p:txBody>
+        </p:sp>
+        <p:sp>
+          <p:nvSpPr>
+            <p:cNvPr id="38" name="TextovéPole 37">
+              <a:extLst>
+                <a:ext uri="{FF2B5EF4-FFF2-40B4-BE49-F238E27FC236}">
+                  <a16:creationId xmlns:a16="http://schemas.microsoft.com/office/drawing/2014/main" id="{2BFF77C5-D8D1-AADD-100A-E1CCA14A8FAA}"/>
+                </a:ext>
+              </a:extLst>
+            </p:cNvPr>
+            <p:cNvSpPr txBox="1"/>
+            <p:nvPr/>
+          </p:nvSpPr>
+          <p:spPr>
+            <a:xfrm>
+              <a:off x="8860941" y="1622191"/>
+              <a:ext cx="481222" cy="338554"/>
+            </a:xfrm>
+            <a:prstGeom prst="rect">
+              <a:avLst/>
+            </a:prstGeom>
+            <a:noFill/>
+          </p:spPr>
+          <p:txBody>
+            <a:bodyPr wrap="none" rtlCol="0">
+              <a:spAutoFit/>
+            </a:bodyPr>
+            <a:lstStyle/>
+            <a:p>
+              <a:pPr algn="l">
+                <a:buNone/>
+              </a:pPr>
+              <a:r>
+                <a:rPr lang="cs-CZ" sz="1600" b="0" dirty="0">
+                  <a:solidFill>
+                    <a:schemeClr val="tx1"/>
+                  </a:solidFill>
+                  <a:latin typeface="Calibri" panose="020F0502020204030204" pitchFamily="34" charset="0"/>
+                  <a:ea typeface="Calibri" panose="020F0502020204030204" pitchFamily="34" charset="0"/>
+                  <a:cs typeface="Calibri" panose="020F0502020204030204" pitchFamily="34" charset="0"/>
+                </a:rPr>
+                <a:t>3x1</a:t>
+              </a:r>
+            </a:p>
+          </p:txBody>
+        </p:sp>
+        <p:sp>
+          <p:nvSpPr>
+            <p:cNvPr id="39" name="TextovéPole 38">
+              <a:extLst>
+                <a:ext uri="{FF2B5EF4-FFF2-40B4-BE49-F238E27FC236}">
+                  <a16:creationId xmlns:a16="http://schemas.microsoft.com/office/drawing/2014/main" id="{468421A4-554A-7CB9-1890-BDDBC7735050}"/>
+                </a:ext>
+              </a:extLst>
+            </p:cNvPr>
+            <p:cNvSpPr txBox="1"/>
+            <p:nvPr/>
+          </p:nvSpPr>
+          <p:spPr>
+            <a:xfrm>
+              <a:off x="9506556" y="1622191"/>
+              <a:ext cx="481222" cy="338554"/>
+            </a:xfrm>
+            <a:prstGeom prst="rect">
+              <a:avLst/>
+            </a:prstGeom>
+            <a:noFill/>
+          </p:spPr>
+          <p:txBody>
+            <a:bodyPr wrap="none" rtlCol="0">
+              <a:spAutoFit/>
+            </a:bodyPr>
+            <a:lstStyle/>
+            <a:p>
+              <a:pPr algn="l">
+                <a:buNone/>
+              </a:pPr>
+              <a:r>
+                <a:rPr lang="cs-CZ" sz="1600" b="0" dirty="0">
+                  <a:solidFill>
+                    <a:schemeClr val="tx1"/>
+                  </a:solidFill>
+                  <a:latin typeface="Calibri" panose="020F0502020204030204" pitchFamily="34" charset="0"/>
+                  <a:ea typeface="Calibri" panose="020F0502020204030204" pitchFamily="34" charset="0"/>
+                  <a:cs typeface="Calibri" panose="020F0502020204030204" pitchFamily="34" charset="0"/>
+                </a:rPr>
+                <a:t>5x5</a:t>
+              </a:r>
+            </a:p>
+          </p:txBody>
+        </p:sp>
+        <p:sp>
+          <p:nvSpPr>
+            <p:cNvPr id="40" name="TextovéPole 39">
+              <a:extLst>
+                <a:ext uri="{FF2B5EF4-FFF2-40B4-BE49-F238E27FC236}">
+                  <a16:creationId xmlns:a16="http://schemas.microsoft.com/office/drawing/2014/main" id="{A86392CD-0016-9FD2-E686-6226FA1AE65C}"/>
+                </a:ext>
+              </a:extLst>
+            </p:cNvPr>
+            <p:cNvSpPr txBox="1"/>
+            <p:nvPr/>
+          </p:nvSpPr>
+          <p:spPr>
+            <a:xfrm>
+              <a:off x="10213172" y="1600496"/>
+              <a:ext cx="609334" cy="338554"/>
+            </a:xfrm>
+            <a:prstGeom prst="rect">
+              <a:avLst/>
+            </a:prstGeom>
+            <a:noFill/>
+          </p:spPr>
+          <p:txBody>
+            <a:bodyPr wrap="none" rtlCol="0">
+              <a:spAutoFit/>
+            </a:bodyPr>
+            <a:lstStyle/>
+            <a:p>
+              <a:pPr algn="l">
+                <a:buNone/>
+              </a:pPr>
+              <a:r>
+                <a:rPr lang="cs-CZ" sz="1600" b="0" dirty="0" err="1">
+                  <a:solidFill>
+                    <a:schemeClr val="tx1"/>
+                  </a:solidFill>
+                  <a:latin typeface="Calibri" panose="020F0502020204030204" pitchFamily="34" charset="0"/>
+                  <a:ea typeface="Calibri" panose="020F0502020204030204" pitchFamily="34" charset="0"/>
+                  <a:cs typeface="Calibri" panose="020F0502020204030204" pitchFamily="34" charset="0"/>
+                </a:rPr>
+                <a:t>cross</a:t>
+              </a:r>
+              <a:endParaRPr lang="cs-CZ" sz="1600" b="0" dirty="0">
+                <a:solidFill>
+                  <a:schemeClr val="tx1"/>
+                </a:solidFill>
+                <a:latin typeface="Calibri" panose="020F0502020204030204" pitchFamily="34" charset="0"/>
+                <a:ea typeface="Calibri" panose="020F0502020204030204" pitchFamily="34" charset="0"/>
+                <a:cs typeface="Calibri" panose="020F0502020204030204" pitchFamily="34" charset="0"/>
+              </a:endParaRPr>
+            </a:p>
+          </p:txBody>
+        </p:sp>
+        <p:sp>
+          <p:nvSpPr>
+            <p:cNvPr id="41" name="TextovéPole 40">
+              <a:extLst>
+                <a:ext uri="{FF2B5EF4-FFF2-40B4-BE49-F238E27FC236}">
+                  <a16:creationId xmlns:a16="http://schemas.microsoft.com/office/drawing/2014/main" id="{557C47C9-3907-CC1E-4513-F98CDFB8CE3F}"/>
+                </a:ext>
+              </a:extLst>
+            </p:cNvPr>
+            <p:cNvSpPr txBox="1"/>
+            <p:nvPr/>
+          </p:nvSpPr>
+          <p:spPr>
+            <a:xfrm>
+              <a:off x="11047901" y="1600496"/>
+              <a:ext cx="481222" cy="338554"/>
+            </a:xfrm>
+            <a:prstGeom prst="rect">
+              <a:avLst/>
+            </a:prstGeom>
+            <a:noFill/>
+          </p:spPr>
+          <p:txBody>
+            <a:bodyPr wrap="none" rtlCol="0">
+              <a:spAutoFit/>
+            </a:bodyPr>
+            <a:lstStyle/>
+            <a:p>
+              <a:pPr algn="l">
+                <a:buNone/>
+              </a:pPr>
+              <a:r>
+                <a:rPr lang="cs-CZ" sz="1600" b="0" dirty="0">
+                  <a:solidFill>
+                    <a:schemeClr val="tx1"/>
+                  </a:solidFill>
+                  <a:latin typeface="Calibri" panose="020F0502020204030204" pitchFamily="34" charset="0"/>
+                  <a:ea typeface="Calibri" panose="020F0502020204030204" pitchFamily="34" charset="0"/>
+                  <a:cs typeface="Calibri" panose="020F0502020204030204" pitchFamily="34" charset="0"/>
+                </a:rPr>
+                <a:t>3x3</a:t>
+              </a:r>
+            </a:p>
+          </p:txBody>
+        </p:sp>
+      </p:grpSp>
+      <p:pic>
+        <p:nvPicPr>
+          <p:cNvPr id="44" name="Obrázek 43" descr="Obsah obrázku text, diagram, snímek obrazovky, Plán&#10;&#10;Popis byl vytvořen automaticky">
+            <a:extLst>
+              <a:ext uri="{FF2B5EF4-FFF2-40B4-BE49-F238E27FC236}">
+                <a16:creationId xmlns:a16="http://schemas.microsoft.com/office/drawing/2014/main" id="{88010518-D248-B2AA-ED1F-8C4E6CA4C358}"/>
+              </a:ext>
+            </a:extLst>
+          </p:cNvPr>
+          <p:cNvPicPr>
+            <a:picLocks noChangeAspect="1"/>
+          </p:cNvPicPr>
+          <p:nvPr/>
+        </p:nvPicPr>
+        <p:blipFill>
+          <a:blip r:embed="rId13">
+            <a:extLst>
+              <a:ext uri="{28A0092B-C50C-407E-A947-70E740481C1C}">
+                <a14:useLocalDpi xmlns:a14="http://schemas.microsoft.com/office/drawing/2010/main" val="0"/>
+              </a:ext>
+            </a:extLst>
+          </a:blip>
+          <a:stretch>
+            <a:fillRect/>
+          </a:stretch>
+        </p:blipFill>
+        <p:spPr>
+          <a:xfrm>
+            <a:off x="477744" y="841978"/>
+            <a:ext cx="7504072" cy="5455178"/>
+          </a:xfrm>
+          <a:prstGeom prst="rect">
+            <a:avLst/>
+          </a:prstGeom>
+        </p:spPr>
+      </p:pic>
+      <p:pic>
+        <p:nvPicPr>
+          <p:cNvPr id="46" name="Obrázek 45" descr="Obsah obrázku text, diagram, snímek obrazovky, řada/pruh&#10;&#10;Popis byl vytvořen automaticky">
+            <a:extLst>
+              <a:ext uri="{FF2B5EF4-FFF2-40B4-BE49-F238E27FC236}">
+                <a16:creationId xmlns:a16="http://schemas.microsoft.com/office/drawing/2014/main" id="{D99E8A36-DD3F-EB03-550D-C64950E34EA4}"/>
+              </a:ext>
+            </a:extLst>
+          </p:cNvPr>
+          <p:cNvPicPr>
+            <a:picLocks noChangeAspect="1"/>
+          </p:cNvPicPr>
+          <p:nvPr/>
+        </p:nvPicPr>
+        <p:blipFill>
+          <a:blip r:embed="rId14">
+            <a:extLst>
+              <a:ext uri="{28A0092B-C50C-407E-A947-70E740481C1C}">
+                <a14:useLocalDpi xmlns:a14="http://schemas.microsoft.com/office/drawing/2010/main" val="0"/>
+              </a:ext>
+            </a:extLst>
+          </a:blip>
+          <a:stretch>
+            <a:fillRect/>
+          </a:stretch>
+        </p:blipFill>
+        <p:spPr>
+          <a:xfrm>
+            <a:off x="8184232" y="2851745"/>
+            <a:ext cx="3742372" cy="2745428"/>
+          </a:xfrm>
+          <a:prstGeom prst="rect">
+            <a:avLst/>
+          </a:prstGeom>
+        </p:spPr>
+      </p:pic>
+      <p:sp>
+        <p:nvSpPr>
+          <p:cNvPr id="47" name="TextovéPole 46">
+            <a:extLst>
+              <a:ext uri="{FF2B5EF4-FFF2-40B4-BE49-F238E27FC236}">
+                <a16:creationId xmlns:a16="http://schemas.microsoft.com/office/drawing/2014/main" id="{D46908CE-7290-9352-47A4-3F01CAEC93AB}"/>
+              </a:ext>
+            </a:extLst>
+          </p:cNvPr>
+          <p:cNvSpPr txBox="1"/>
+          <p:nvPr/>
+        </p:nvSpPr>
+        <p:spPr>
+          <a:xfrm>
+            <a:off x="9068835" y="2579295"/>
+            <a:ext cx="2489399" cy="338554"/>
+          </a:xfrm>
+          <a:prstGeom prst="rect">
+            <a:avLst/>
+          </a:prstGeom>
+          <a:noFill/>
+        </p:spPr>
+        <p:txBody>
+          <a:bodyPr wrap="none" rtlCol="0">
+            <a:spAutoFit/>
+          </a:bodyPr>
+          <a:lstStyle/>
+          <a:p>
+            <a:pPr algn="l">
+              <a:buNone/>
+            </a:pPr>
+            <a:r>
+              <a:rPr lang="cs-CZ" sz="1600" b="0" dirty="0" err="1">
+                <a:solidFill>
+                  <a:schemeClr val="tx1"/>
+                </a:solidFill>
+                <a:latin typeface="Calibri" panose="020F0502020204030204" pitchFamily="34" charset="0"/>
+                <a:ea typeface="Calibri" panose="020F0502020204030204" pitchFamily="34" charset="0"/>
+                <a:cs typeface="Calibri" panose="020F0502020204030204" pitchFamily="34" charset="0"/>
+              </a:rPr>
+              <a:t>Konv</a:t>
+            </a:r>
+            <a:r>
+              <a:rPr lang="cs-CZ" sz="1600" b="0" dirty="0">
+                <a:solidFill>
+                  <a:schemeClr val="tx1"/>
+                </a:solidFill>
+                <a:latin typeface="Calibri" panose="020F0502020204030204" pitchFamily="34" charset="0"/>
+                <a:ea typeface="Calibri" panose="020F0502020204030204" pitchFamily="34" charset="0"/>
+                <a:cs typeface="Calibri" panose="020F0502020204030204" pitchFamily="34" charset="0"/>
+              </a:rPr>
+              <a:t>. křivky pro Gauss. šum</a:t>
+            </a:r>
+          </a:p>
+        </p:txBody>
+      </p:sp>
+    </p:spTree>
+    <p:extLst>
+      <p:ext uri="{BB962C8B-B14F-4D97-AF65-F5344CB8AC3E}">
+        <p14:creationId xmlns:p14="http://schemas.microsoft.com/office/powerpoint/2010/main" val="1709527670"/>
       </p:ext>
     </p:extLst>
   </p:cSld>

--- a/prezentace.pptx
+++ b/prezentace.pptx
@@ -5,10 +5,10 @@
     <p:sldMasterId id="2147483649" r:id="rId1"/>
   </p:sldMasterIdLst>
   <p:notesMasterIdLst>
-    <p:notesMasterId r:id="rId13"/>
+    <p:notesMasterId r:id="rId14"/>
   </p:notesMasterIdLst>
   <p:handoutMasterIdLst>
-    <p:handoutMasterId r:id="rId14"/>
+    <p:handoutMasterId r:id="rId15"/>
   </p:handoutMasterIdLst>
   <p:sldIdLst>
     <p:sldId id="256" r:id="rId2"/>
@@ -21,7 +21,8 @@
     <p:sldId id="270" r:id="rId9"/>
     <p:sldId id="264" r:id="rId10"/>
     <p:sldId id="269" r:id="rId11"/>
-    <p:sldId id="266" r:id="rId12"/>
+    <p:sldId id="271" r:id="rId12"/>
+    <p:sldId id="266" r:id="rId13"/>
   </p:sldIdLst>
   <p:sldSz cx="12192000" cy="6858000"/>
   <p:notesSz cx="6858000" cy="9144000"/>
@@ -1084,6 +1085,91 @@
               <a:rPr lang="cs-CZ" altLang="cs-CZ" smtClean="0"/>
               <a:pPr/>
               <a:t>11</a:t>
+            </a:fld>
+            <a:endParaRPr lang="cs-CZ" altLang="cs-CZ"/>
+          </a:p>
+        </p:txBody>
+      </p:sp>
+    </p:spTree>
+    <p:extLst>
+      <p:ext uri="{BB962C8B-B14F-4D97-AF65-F5344CB8AC3E}">
+        <p14:creationId xmlns:p14="http://schemas.microsoft.com/office/powerpoint/2010/main" val="1388679344"/>
+      </p:ext>
+    </p:extLst>
+  </p:cSld>
+  <p:clrMapOvr>
+    <a:masterClrMapping/>
+  </p:clrMapOvr>
+</p:notes>
+</file>
+
+<file path=ppt/notesSlides/notesSlide11.xml><?xml version="1.0" encoding="utf-8"?>
+<p:notes xmlns:a="http://schemas.openxmlformats.org/drawingml/2006/main" xmlns:r="http://schemas.openxmlformats.org/officeDocument/2006/relationships" xmlns:p="http://schemas.openxmlformats.org/presentationml/2006/main">
+  <p:cSld>
+    <p:spTree>
+      <p:nvGrpSpPr>
+        <p:cNvPr id="1" name=""/>
+        <p:cNvGrpSpPr/>
+        <p:nvPr/>
+      </p:nvGrpSpPr>
+      <p:grpSpPr>
+        <a:xfrm>
+          <a:off x="0" y="0"/>
+          <a:ext cx="0" cy="0"/>
+          <a:chOff x="0" y="0"/>
+          <a:chExt cx="0" cy="0"/>
+        </a:xfrm>
+      </p:grpSpPr>
+      <p:sp>
+        <p:nvSpPr>
+          <p:cNvPr id="2" name="Zástupný symbol pro obrázek snímku 1"/>
+          <p:cNvSpPr>
+            <a:spLocks noGrp="1" noRot="1" noChangeAspect="1"/>
+          </p:cNvSpPr>
+          <p:nvPr>
+            <p:ph type="sldImg"/>
+          </p:nvPr>
+        </p:nvSpPr>
+        <p:spPr/>
+      </p:sp>
+      <p:sp>
+        <p:nvSpPr>
+          <p:cNvPr id="3" name="Zástupný symbol pro poznámky 2"/>
+          <p:cNvSpPr>
+            <a:spLocks noGrp="1"/>
+          </p:cNvSpPr>
+          <p:nvPr>
+            <p:ph type="body" idx="1"/>
+          </p:nvPr>
+        </p:nvSpPr>
+        <p:spPr/>
+        <p:txBody>
+          <a:bodyPr/>
+          <a:lstStyle/>
+          <a:p>
+            <a:endParaRPr lang="cs-CZ"/>
+          </a:p>
+        </p:txBody>
+      </p:sp>
+      <p:sp>
+        <p:nvSpPr>
+          <p:cNvPr id="4" name="Zástupný symbol pro číslo snímku 3"/>
+          <p:cNvSpPr>
+            <a:spLocks noGrp="1"/>
+          </p:cNvSpPr>
+          <p:nvPr>
+            <p:ph type="sldNum" sz="quarter" idx="10"/>
+          </p:nvPr>
+        </p:nvSpPr>
+        <p:spPr/>
+        <p:txBody>
+          <a:bodyPr/>
+          <a:lstStyle/>
+          <a:p>
+            <a:fld id="{511FA9D6-BDC7-4110-B055-029A3A5CC98B}" type="slidenum">
+              <a:rPr lang="cs-CZ" altLang="cs-CZ" smtClean="0"/>
+              <a:pPr/>
+              <a:t>12</a:t>
             </a:fld>
             <a:endParaRPr lang="cs-CZ" altLang="cs-CZ"/>
           </a:p>
@@ -4627,7 +4713,7 @@
             </a:pPr>
             <a:r>
               <a:rPr lang="cs-CZ" dirty="0"/>
-              <a:t>1/x</a:t>
+              <a:t>9/11</a:t>
             </a:r>
           </a:p>
         </p:txBody>
@@ -5359,7 +5445,7 @@
           <a:p>
             <a:r>
               <a:rPr lang="cs-CZ" dirty="0"/>
-              <a:t>Děkuji za pozornost!</a:t>
+              <a:t>Univerzální filtr pro Gauss a S&amp;P</a:t>
             </a:r>
           </a:p>
         </p:txBody>
@@ -5395,7 +5481,717 @@
             </a:pPr>
             <a:r>
               <a:rPr lang="cs-CZ" dirty="0"/>
-              <a:t>1/x</a:t>
+              <a:t>10/11</a:t>
+            </a:r>
+          </a:p>
+        </p:txBody>
+      </p:sp>
+      <p:pic>
+        <p:nvPicPr>
+          <p:cNvPr id="4" name="Obrázek 3" descr="Obsah obrázku text, snímek obrazovky, řada/pruh, diagram&#10;&#10;Popis byl vytvořen automaticky">
+            <a:extLst>
+              <a:ext uri="{FF2B5EF4-FFF2-40B4-BE49-F238E27FC236}">
+                <a16:creationId xmlns:a16="http://schemas.microsoft.com/office/drawing/2014/main" id="{EDACA79C-A651-7FEE-B16A-8D768CD8D0D8}"/>
+              </a:ext>
+            </a:extLst>
+          </p:cNvPr>
+          <p:cNvPicPr>
+            <a:picLocks noChangeAspect="1"/>
+          </p:cNvPicPr>
+          <p:nvPr/>
+        </p:nvPicPr>
+        <p:blipFill>
+          <a:blip r:embed="rId3">
+            <a:extLst>
+              <a:ext uri="{28A0092B-C50C-407E-A947-70E740481C1C}">
+                <a14:useLocalDpi xmlns:a14="http://schemas.microsoft.com/office/drawing/2010/main" val="0"/>
+              </a:ext>
+            </a:extLst>
+          </a:blip>
+          <a:stretch>
+            <a:fillRect/>
+          </a:stretch>
+        </p:blipFill>
+        <p:spPr>
+          <a:xfrm>
+            <a:off x="304217" y="620713"/>
+            <a:ext cx="4860401" cy="3106930"/>
+          </a:xfrm>
+          <a:prstGeom prst="rect">
+            <a:avLst/>
+          </a:prstGeom>
+        </p:spPr>
+      </p:pic>
+      <p:pic>
+        <p:nvPicPr>
+          <p:cNvPr id="7" name="Obrázek 6" descr="Obsah obrázku text, diagram, snímek obrazovky, Obdélník&#10;&#10;Popis byl vytvořen automaticky">
+            <a:extLst>
+              <a:ext uri="{FF2B5EF4-FFF2-40B4-BE49-F238E27FC236}">
+                <a16:creationId xmlns:a16="http://schemas.microsoft.com/office/drawing/2014/main" id="{2A44794E-6DB0-3864-CC60-D6B65C4845F6}"/>
+              </a:ext>
+            </a:extLst>
+          </p:cNvPr>
+          <p:cNvPicPr>
+            <a:picLocks noChangeAspect="1"/>
+          </p:cNvPicPr>
+          <p:nvPr/>
+        </p:nvPicPr>
+        <p:blipFill>
+          <a:blip r:embed="rId4">
+            <a:extLst>
+              <a:ext uri="{28A0092B-C50C-407E-A947-70E740481C1C}">
+                <a14:useLocalDpi xmlns:a14="http://schemas.microsoft.com/office/drawing/2010/main" val="0"/>
+              </a:ext>
+            </a:extLst>
+          </a:blip>
+          <a:stretch>
+            <a:fillRect/>
+          </a:stretch>
+        </p:blipFill>
+        <p:spPr>
+          <a:xfrm>
+            <a:off x="551384" y="3727643"/>
+            <a:ext cx="3580626" cy="2727858"/>
+          </a:xfrm>
+          <a:prstGeom prst="rect">
+            <a:avLst/>
+          </a:prstGeom>
+        </p:spPr>
+      </p:pic>
+      <p:pic>
+        <p:nvPicPr>
+          <p:cNvPr id="9" name="Obrázek 8" descr="Obsah obrázku černobílá, venku, obloha, budova&#10;&#10;Popis byl vytvořen automaticky">
+            <a:extLst>
+              <a:ext uri="{FF2B5EF4-FFF2-40B4-BE49-F238E27FC236}">
+                <a16:creationId xmlns:a16="http://schemas.microsoft.com/office/drawing/2014/main" id="{94939CA2-86AF-7220-5C57-31A788BC1D49}"/>
+              </a:ext>
+            </a:extLst>
+          </p:cNvPr>
+          <p:cNvPicPr>
+            <a:picLocks noChangeAspect="1"/>
+          </p:cNvPicPr>
+          <p:nvPr/>
+        </p:nvPicPr>
+        <p:blipFill>
+          <a:blip r:embed="rId5">
+            <a:extLst>
+              <a:ext uri="{28A0092B-C50C-407E-A947-70E740481C1C}">
+                <a14:useLocalDpi xmlns:a14="http://schemas.microsoft.com/office/drawing/2010/main" val="0"/>
+              </a:ext>
+            </a:extLst>
+          </a:blip>
+          <a:stretch>
+            <a:fillRect/>
+          </a:stretch>
+        </p:blipFill>
+        <p:spPr>
+          <a:xfrm>
+            <a:off x="5455355" y="1486972"/>
+            <a:ext cx="1608130" cy="1608130"/>
+          </a:xfrm>
+          <a:prstGeom prst="rect">
+            <a:avLst/>
+          </a:prstGeom>
+        </p:spPr>
+      </p:pic>
+      <p:pic>
+        <p:nvPicPr>
+          <p:cNvPr id="12" name="Obrázek 11" descr="Obsah obrázku bílé, design&#10;&#10;Popis byl vytvořen automaticky">
+            <a:extLst>
+              <a:ext uri="{FF2B5EF4-FFF2-40B4-BE49-F238E27FC236}">
+                <a16:creationId xmlns:a16="http://schemas.microsoft.com/office/drawing/2014/main" id="{B5D0F0FA-0170-B268-E140-EC2BD96A7C26}"/>
+              </a:ext>
+            </a:extLst>
+          </p:cNvPr>
+          <p:cNvPicPr>
+            <a:picLocks noChangeAspect="1"/>
+          </p:cNvPicPr>
+          <p:nvPr/>
+        </p:nvPicPr>
+        <p:blipFill>
+          <a:blip r:embed="rId6">
+            <a:extLst>
+              <a:ext uri="{28A0092B-C50C-407E-A947-70E740481C1C}">
+                <a14:useLocalDpi xmlns:a14="http://schemas.microsoft.com/office/drawing/2010/main" val="0"/>
+              </a:ext>
+            </a:extLst>
+          </a:blip>
+          <a:stretch>
+            <a:fillRect/>
+          </a:stretch>
+        </p:blipFill>
+        <p:spPr>
+          <a:xfrm>
+            <a:off x="7063485" y="1480290"/>
+            <a:ext cx="1608130" cy="1608130"/>
+          </a:xfrm>
+          <a:prstGeom prst="rect">
+            <a:avLst/>
+          </a:prstGeom>
+          <a:ln>
+            <a:solidFill>
+              <a:schemeClr val="tx1"/>
+            </a:solidFill>
+          </a:ln>
+        </p:spPr>
+      </p:pic>
+      <p:pic>
+        <p:nvPicPr>
+          <p:cNvPr id="14" name="Obrázek 13" descr="Obsah obrázku černobílá, venku, obloha, budova&#10;&#10;Popis byl vytvořen automaticky">
+            <a:extLst>
+              <a:ext uri="{FF2B5EF4-FFF2-40B4-BE49-F238E27FC236}">
+                <a16:creationId xmlns:a16="http://schemas.microsoft.com/office/drawing/2014/main" id="{16E82FA2-8647-FC7D-8B69-8CF80C084C04}"/>
+              </a:ext>
+            </a:extLst>
+          </p:cNvPr>
+          <p:cNvPicPr>
+            <a:picLocks noChangeAspect="1"/>
+          </p:cNvPicPr>
+          <p:nvPr/>
+        </p:nvPicPr>
+        <p:blipFill>
+          <a:blip r:embed="rId7">
+            <a:extLst>
+              <a:ext uri="{28A0092B-C50C-407E-A947-70E740481C1C}">
+                <a14:useLocalDpi xmlns:a14="http://schemas.microsoft.com/office/drawing/2010/main" val="0"/>
+              </a:ext>
+            </a:extLst>
+          </a:blip>
+          <a:stretch>
+            <a:fillRect/>
+          </a:stretch>
+        </p:blipFill>
+        <p:spPr>
+          <a:xfrm>
+            <a:off x="8803654" y="1486972"/>
+            <a:ext cx="1608130" cy="1608130"/>
+          </a:xfrm>
+          <a:prstGeom prst="rect">
+            <a:avLst/>
+          </a:prstGeom>
+        </p:spPr>
+      </p:pic>
+      <p:pic>
+        <p:nvPicPr>
+          <p:cNvPr id="18" name="Obrázek 17" descr="Obsah obrázku bílé, design&#10;&#10;Popis byl vytvořen automaticky">
+            <a:extLst>
+              <a:ext uri="{FF2B5EF4-FFF2-40B4-BE49-F238E27FC236}">
+                <a16:creationId xmlns:a16="http://schemas.microsoft.com/office/drawing/2014/main" id="{B9434812-E33A-386C-6572-5959C4ED6884}"/>
+              </a:ext>
+            </a:extLst>
+          </p:cNvPr>
+          <p:cNvPicPr>
+            <a:picLocks noChangeAspect="1"/>
+          </p:cNvPicPr>
+          <p:nvPr/>
+        </p:nvPicPr>
+        <p:blipFill>
+          <a:blip r:embed="rId6">
+            <a:extLst>
+              <a:ext uri="{28A0092B-C50C-407E-A947-70E740481C1C}">
+                <a14:useLocalDpi xmlns:a14="http://schemas.microsoft.com/office/drawing/2010/main" val="0"/>
+              </a:ext>
+            </a:extLst>
+          </a:blip>
+          <a:stretch>
+            <a:fillRect/>
+          </a:stretch>
+        </p:blipFill>
+        <p:spPr>
+          <a:xfrm>
+            <a:off x="10411784" y="1480290"/>
+            <a:ext cx="1608130" cy="1608130"/>
+          </a:xfrm>
+          <a:prstGeom prst="rect">
+            <a:avLst/>
+          </a:prstGeom>
+          <a:ln>
+            <a:solidFill>
+              <a:schemeClr val="tx1"/>
+            </a:solidFill>
+          </a:ln>
+        </p:spPr>
+      </p:pic>
+      <p:pic>
+        <p:nvPicPr>
+          <p:cNvPr id="23" name="Obrázek 22" descr="Obsah obrázku černobílá, venku, budova, obloha&#10;&#10;Popis byl vytvořen automaticky">
+            <a:extLst>
+              <a:ext uri="{FF2B5EF4-FFF2-40B4-BE49-F238E27FC236}">
+                <a16:creationId xmlns:a16="http://schemas.microsoft.com/office/drawing/2014/main" id="{B9D86FD9-8074-AC8C-ED0C-52B8F059F5CD}"/>
+              </a:ext>
+            </a:extLst>
+          </p:cNvPr>
+          <p:cNvPicPr>
+            <a:picLocks noChangeAspect="1"/>
+          </p:cNvPicPr>
+          <p:nvPr/>
+        </p:nvPicPr>
+        <p:blipFill>
+          <a:blip r:embed="rId8">
+            <a:extLst>
+              <a:ext uri="{28A0092B-C50C-407E-A947-70E740481C1C}">
+                <a14:useLocalDpi xmlns:a14="http://schemas.microsoft.com/office/drawing/2010/main" val="0"/>
+              </a:ext>
+            </a:extLst>
+          </a:blip>
+          <a:stretch>
+            <a:fillRect/>
+          </a:stretch>
+        </p:blipFill>
+        <p:spPr>
+          <a:xfrm>
+            <a:off x="8822168" y="3992959"/>
+            <a:ext cx="1608130" cy="1608130"/>
+          </a:xfrm>
+          <a:prstGeom prst="rect">
+            <a:avLst/>
+          </a:prstGeom>
+        </p:spPr>
+      </p:pic>
+      <p:pic>
+        <p:nvPicPr>
+          <p:cNvPr id="25" name="Obrázek 24" descr="Obsah obrázku bílé, design&#10;&#10;Popis byl vytvořen automaticky">
+            <a:extLst>
+              <a:ext uri="{FF2B5EF4-FFF2-40B4-BE49-F238E27FC236}">
+                <a16:creationId xmlns:a16="http://schemas.microsoft.com/office/drawing/2014/main" id="{C4247AC2-D99C-0BC7-038F-4D826DBE673B}"/>
+              </a:ext>
+            </a:extLst>
+          </p:cNvPr>
+          <p:cNvPicPr>
+            <a:picLocks noChangeAspect="1"/>
+          </p:cNvPicPr>
+          <p:nvPr/>
+        </p:nvPicPr>
+        <p:blipFill>
+          <a:blip r:embed="rId6">
+            <a:extLst>
+              <a:ext uri="{28A0092B-C50C-407E-A947-70E740481C1C}">
+                <a14:useLocalDpi xmlns:a14="http://schemas.microsoft.com/office/drawing/2010/main" val="0"/>
+              </a:ext>
+            </a:extLst>
+          </a:blip>
+          <a:stretch>
+            <a:fillRect/>
+          </a:stretch>
+        </p:blipFill>
+        <p:spPr>
+          <a:xfrm>
+            <a:off x="10430298" y="3998664"/>
+            <a:ext cx="1608130" cy="1608130"/>
+          </a:xfrm>
+          <a:prstGeom prst="rect">
+            <a:avLst/>
+          </a:prstGeom>
+          <a:ln>
+            <a:solidFill>
+              <a:schemeClr val="tx1"/>
+            </a:solidFill>
+          </a:ln>
+        </p:spPr>
+      </p:pic>
+      <p:pic>
+        <p:nvPicPr>
+          <p:cNvPr id="34" name="Obrázek 33" descr="Obsah obrázku venku, černobílá, obloha, budova&#10;&#10;Popis byl vytvořen automaticky">
+            <a:extLst>
+              <a:ext uri="{FF2B5EF4-FFF2-40B4-BE49-F238E27FC236}">
+                <a16:creationId xmlns:a16="http://schemas.microsoft.com/office/drawing/2014/main" id="{4B037EC0-891F-45FF-0C39-80A84F6C5CF5}"/>
+              </a:ext>
+            </a:extLst>
+          </p:cNvPr>
+          <p:cNvPicPr>
+            <a:picLocks noChangeAspect="1"/>
+          </p:cNvPicPr>
+          <p:nvPr/>
+        </p:nvPicPr>
+        <p:blipFill>
+          <a:blip r:embed="rId9">
+            <a:extLst>
+              <a:ext uri="{28A0092B-C50C-407E-A947-70E740481C1C}">
+                <a14:useLocalDpi xmlns:a14="http://schemas.microsoft.com/office/drawing/2010/main" val="0"/>
+              </a:ext>
+            </a:extLst>
+          </a:blip>
+          <a:stretch>
+            <a:fillRect/>
+          </a:stretch>
+        </p:blipFill>
+        <p:spPr>
+          <a:xfrm>
+            <a:off x="5475099" y="4001025"/>
+            <a:ext cx="1608130" cy="1608130"/>
+          </a:xfrm>
+          <a:prstGeom prst="rect">
+            <a:avLst/>
+          </a:prstGeom>
+        </p:spPr>
+      </p:pic>
+      <p:pic>
+        <p:nvPicPr>
+          <p:cNvPr id="36" name="Obrázek 35" descr="Obsah obrázku umění, černobílá, kresba, skica&#10;&#10;Popis byl vytvořen automaticky">
+            <a:extLst>
+              <a:ext uri="{FF2B5EF4-FFF2-40B4-BE49-F238E27FC236}">
+                <a16:creationId xmlns:a16="http://schemas.microsoft.com/office/drawing/2014/main" id="{40CD0196-C14A-D9A0-6DB8-F4B0389A83D1}"/>
+              </a:ext>
+            </a:extLst>
+          </p:cNvPr>
+          <p:cNvPicPr>
+            <a:picLocks noChangeAspect="1"/>
+          </p:cNvPicPr>
+          <p:nvPr/>
+        </p:nvPicPr>
+        <p:blipFill>
+          <a:blip r:embed="rId10">
+            <a:extLst>
+              <a:ext uri="{28A0092B-C50C-407E-A947-70E740481C1C}">
+                <a14:useLocalDpi xmlns:a14="http://schemas.microsoft.com/office/drawing/2010/main" val="0"/>
+              </a:ext>
+            </a:extLst>
+          </a:blip>
+          <a:stretch>
+            <a:fillRect/>
+          </a:stretch>
+        </p:blipFill>
+        <p:spPr>
+          <a:xfrm>
+            <a:off x="7073590" y="4001025"/>
+            <a:ext cx="1608130" cy="1608130"/>
+          </a:xfrm>
+          <a:prstGeom prst="rect">
+            <a:avLst/>
+          </a:prstGeom>
+        </p:spPr>
+      </p:pic>
+      <p:sp>
+        <p:nvSpPr>
+          <p:cNvPr id="37" name="TextovéPole 36">
+            <a:extLst>
+              <a:ext uri="{FF2B5EF4-FFF2-40B4-BE49-F238E27FC236}">
+                <a16:creationId xmlns:a16="http://schemas.microsoft.com/office/drawing/2014/main" id="{9F2B40C1-607F-9544-FEC0-E7583DC91620}"/>
+              </a:ext>
+            </a:extLst>
+          </p:cNvPr>
+          <p:cNvSpPr txBox="1"/>
+          <p:nvPr/>
+        </p:nvSpPr>
+        <p:spPr>
+          <a:xfrm>
+            <a:off x="5316076" y="702341"/>
+            <a:ext cx="2328714" cy="492443"/>
+          </a:xfrm>
+          <a:prstGeom prst="rect">
+            <a:avLst/>
+          </a:prstGeom>
+          <a:noFill/>
+        </p:spPr>
+        <p:txBody>
+          <a:bodyPr wrap="none" rtlCol="0">
+            <a:spAutoFit/>
+          </a:bodyPr>
+          <a:lstStyle/>
+          <a:p>
+            <a:pPr algn="l">
+              <a:buNone/>
+            </a:pPr>
+            <a:r>
+              <a:rPr lang="cs-CZ" sz="2600" b="0" dirty="0">
+                <a:solidFill>
+                  <a:schemeClr val="tx1"/>
+                </a:solidFill>
+                <a:latin typeface="Calibri" panose="020F0502020204030204" pitchFamily="34" charset="0"/>
+                <a:ea typeface="Calibri" panose="020F0502020204030204" pitchFamily="34" charset="0"/>
+                <a:cs typeface="Calibri" panose="020F0502020204030204" pitchFamily="34" charset="0"/>
+              </a:rPr>
+              <a:t>Univerzální filtr:</a:t>
+            </a:r>
+          </a:p>
+        </p:txBody>
+      </p:sp>
+      <p:sp>
+        <p:nvSpPr>
+          <p:cNvPr id="38" name="TextovéPole 37">
+            <a:extLst>
+              <a:ext uri="{FF2B5EF4-FFF2-40B4-BE49-F238E27FC236}">
+                <a16:creationId xmlns:a16="http://schemas.microsoft.com/office/drawing/2014/main" id="{3AFCAE27-0DF7-1B7D-0C78-88A8AD43E6A8}"/>
+              </a:ext>
+            </a:extLst>
+          </p:cNvPr>
+          <p:cNvSpPr txBox="1"/>
+          <p:nvPr/>
+        </p:nvSpPr>
+        <p:spPr>
+          <a:xfrm>
+            <a:off x="6800635" y="1135270"/>
+            <a:ext cx="566181" cy="369332"/>
+          </a:xfrm>
+          <a:prstGeom prst="rect">
+            <a:avLst/>
+          </a:prstGeom>
+          <a:noFill/>
+        </p:spPr>
+        <p:txBody>
+          <a:bodyPr wrap="none" rtlCol="0">
+            <a:spAutoFit/>
+          </a:bodyPr>
+          <a:lstStyle/>
+          <a:p>
+            <a:pPr algn="l">
+              <a:buNone/>
+            </a:pPr>
+            <a:r>
+              <a:rPr lang="cs-CZ" sz="1800" b="0" dirty="0">
+                <a:solidFill>
+                  <a:schemeClr val="tx1"/>
+                </a:solidFill>
+                <a:latin typeface="Calibri" panose="020F0502020204030204" pitchFamily="34" charset="0"/>
+                <a:ea typeface="Calibri" panose="020F0502020204030204" pitchFamily="34" charset="0"/>
+                <a:cs typeface="Calibri" panose="020F0502020204030204" pitchFamily="34" charset="0"/>
+              </a:rPr>
+              <a:t>S&amp;P</a:t>
+            </a:r>
+          </a:p>
+        </p:txBody>
+      </p:sp>
+      <p:sp>
+        <p:nvSpPr>
+          <p:cNvPr id="40" name="TextovéPole 39">
+            <a:extLst>
+              <a:ext uri="{FF2B5EF4-FFF2-40B4-BE49-F238E27FC236}">
+                <a16:creationId xmlns:a16="http://schemas.microsoft.com/office/drawing/2014/main" id="{E7FE0023-E48A-7E4B-516F-29EF5827922B}"/>
+              </a:ext>
+            </a:extLst>
+          </p:cNvPr>
+          <p:cNvSpPr txBox="1"/>
+          <p:nvPr/>
+        </p:nvSpPr>
+        <p:spPr>
+          <a:xfrm>
+            <a:off x="10017640" y="1122560"/>
+            <a:ext cx="679994" cy="338554"/>
+          </a:xfrm>
+          <a:prstGeom prst="rect">
+            <a:avLst/>
+          </a:prstGeom>
+          <a:noFill/>
+        </p:spPr>
+        <p:txBody>
+          <a:bodyPr wrap="none" rtlCol="0">
+            <a:spAutoFit/>
+          </a:bodyPr>
+          <a:lstStyle/>
+          <a:p>
+            <a:pPr algn="l">
+              <a:buNone/>
+            </a:pPr>
+            <a:r>
+              <a:rPr lang="cs-CZ" sz="1600" b="0" dirty="0">
+                <a:solidFill>
+                  <a:schemeClr val="tx1"/>
+                </a:solidFill>
+                <a:latin typeface="Calibri" panose="020F0502020204030204" pitchFamily="34" charset="0"/>
+                <a:ea typeface="Calibri" panose="020F0502020204030204" pitchFamily="34" charset="0"/>
+                <a:cs typeface="Calibri" panose="020F0502020204030204" pitchFamily="34" charset="0"/>
+              </a:rPr>
+              <a:t>Gauss</a:t>
+            </a:r>
+          </a:p>
+        </p:txBody>
+      </p:sp>
+      <p:sp>
+        <p:nvSpPr>
+          <p:cNvPr id="48" name="TextovéPole 47">
+            <a:extLst>
+              <a:ext uri="{FF2B5EF4-FFF2-40B4-BE49-F238E27FC236}">
+                <a16:creationId xmlns:a16="http://schemas.microsoft.com/office/drawing/2014/main" id="{C18DD513-E8E6-5F49-58B5-95EB3C2FAB08}"/>
+              </a:ext>
+            </a:extLst>
+          </p:cNvPr>
+          <p:cNvSpPr txBox="1"/>
+          <p:nvPr/>
+        </p:nvSpPr>
+        <p:spPr>
+          <a:xfrm>
+            <a:off x="5319269" y="3429338"/>
+            <a:ext cx="2569999" cy="492443"/>
+          </a:xfrm>
+          <a:prstGeom prst="rect">
+            <a:avLst/>
+          </a:prstGeom>
+          <a:noFill/>
+        </p:spPr>
+        <p:txBody>
+          <a:bodyPr wrap="none" rtlCol="0">
+            <a:spAutoFit/>
+          </a:bodyPr>
+          <a:lstStyle/>
+          <a:p>
+            <a:pPr algn="l">
+              <a:buNone/>
+            </a:pPr>
+            <a:r>
+              <a:rPr lang="cs-CZ" sz="2600" b="0" dirty="0">
+                <a:solidFill>
+                  <a:schemeClr val="tx1"/>
+                </a:solidFill>
+                <a:latin typeface="Calibri" panose="020F0502020204030204" pitchFamily="34" charset="0"/>
+                <a:ea typeface="Calibri" panose="020F0502020204030204" pitchFamily="34" charset="0"/>
+                <a:cs typeface="Calibri" panose="020F0502020204030204" pitchFamily="34" charset="0"/>
+              </a:rPr>
+              <a:t>Dedikované filtry:</a:t>
+            </a:r>
+          </a:p>
+        </p:txBody>
+      </p:sp>
+      <p:sp>
+        <p:nvSpPr>
+          <p:cNvPr id="50" name="TextovéPole 49">
+            <a:extLst>
+              <a:ext uri="{FF2B5EF4-FFF2-40B4-BE49-F238E27FC236}">
+                <a16:creationId xmlns:a16="http://schemas.microsoft.com/office/drawing/2014/main" id="{464B7E41-742A-9EE0-4CB0-B1438735DDCF}"/>
+              </a:ext>
+            </a:extLst>
+          </p:cNvPr>
+          <p:cNvSpPr txBox="1"/>
+          <p:nvPr/>
+        </p:nvSpPr>
+        <p:spPr>
+          <a:xfrm>
+            <a:off x="8576989" y="5879199"/>
+            <a:ext cx="3561296" cy="492443"/>
+          </a:xfrm>
+          <a:prstGeom prst="rect">
+            <a:avLst/>
+          </a:prstGeom>
+          <a:noFill/>
+        </p:spPr>
+        <p:txBody>
+          <a:bodyPr wrap="none" rtlCol="0">
+            <a:spAutoFit/>
+          </a:bodyPr>
+          <a:lstStyle/>
+          <a:p>
+            <a:pPr algn="l">
+              <a:buNone/>
+            </a:pPr>
+            <a:r>
+              <a:rPr lang="cs-CZ" sz="2600" b="0" dirty="0">
+                <a:solidFill>
+                  <a:schemeClr val="tx1"/>
+                </a:solidFill>
+                <a:latin typeface="Calibri" panose="020F0502020204030204" pitchFamily="34" charset="0"/>
+                <a:ea typeface="Calibri" panose="020F0502020204030204" pitchFamily="34" charset="0"/>
+                <a:cs typeface="Calibri" panose="020F0502020204030204" pitchFamily="34" charset="0"/>
+              </a:rPr>
+              <a:t>(Trénovací obrázek: </a:t>
+            </a:r>
+            <a:r>
+              <a:rPr lang="cs-CZ" sz="2600" b="0" i="1" dirty="0" err="1">
+                <a:solidFill>
+                  <a:schemeClr val="tx1"/>
+                </a:solidFill>
+                <a:latin typeface="Calibri" panose="020F0502020204030204" pitchFamily="34" charset="0"/>
+                <a:ea typeface="Calibri" panose="020F0502020204030204" pitchFamily="34" charset="0"/>
+                <a:cs typeface="Calibri" panose="020F0502020204030204" pitchFamily="34" charset="0"/>
+              </a:rPr>
+              <a:t>lena</a:t>
+            </a:r>
+            <a:r>
+              <a:rPr lang="cs-CZ" sz="2600" b="0" i="1" dirty="0">
+                <a:solidFill>
+                  <a:schemeClr val="tx1"/>
+                </a:solidFill>
+                <a:latin typeface="Calibri" panose="020F0502020204030204" pitchFamily="34" charset="0"/>
+                <a:ea typeface="Calibri" panose="020F0502020204030204" pitchFamily="34" charset="0"/>
+                <a:cs typeface="Calibri" panose="020F0502020204030204" pitchFamily="34" charset="0"/>
+              </a:rPr>
+              <a:t>)</a:t>
+            </a:r>
+          </a:p>
+        </p:txBody>
+      </p:sp>
+    </p:spTree>
+    <p:extLst>
+      <p:ext uri="{BB962C8B-B14F-4D97-AF65-F5344CB8AC3E}">
+        <p14:creationId xmlns:p14="http://schemas.microsoft.com/office/powerpoint/2010/main" val="2566126866"/>
+      </p:ext>
+    </p:extLst>
+  </p:cSld>
+  <p:clrMapOvr>
+    <a:masterClrMapping/>
+  </p:clrMapOvr>
+</p:sld>
+</file>
+
+<file path=ppt/slides/slide12.xml><?xml version="1.0" encoding="utf-8"?>
+<p:sld xmlns:a="http://schemas.openxmlformats.org/drawingml/2006/main" xmlns:r="http://schemas.openxmlformats.org/officeDocument/2006/relationships" xmlns:p="http://schemas.openxmlformats.org/presentationml/2006/main">
+  <p:cSld>
+    <p:spTree>
+      <p:nvGrpSpPr>
+        <p:cNvPr id="1" name=""/>
+        <p:cNvGrpSpPr/>
+        <p:nvPr/>
+      </p:nvGrpSpPr>
+      <p:grpSpPr>
+        <a:xfrm>
+          <a:off x="0" y="0"/>
+          <a:ext cx="0" cy="0"/>
+          <a:chOff x="0" y="0"/>
+          <a:chExt cx="0" cy="0"/>
+        </a:xfrm>
+      </p:grpSpPr>
+      <p:sp>
+        <p:nvSpPr>
+          <p:cNvPr id="2" name="Nadpis 1"/>
+          <p:cNvSpPr>
+            <a:spLocks noGrp="1"/>
+          </p:cNvSpPr>
+          <p:nvPr>
+            <p:ph type="title"/>
+          </p:nvPr>
+        </p:nvSpPr>
+        <p:spPr/>
+        <p:txBody>
+          <a:bodyPr/>
+          <a:lstStyle/>
+          <a:p>
+            <a:r>
+              <a:rPr lang="cs-CZ" dirty="0"/>
+              <a:t>Děkuji za pozornost!</a:t>
+            </a:r>
+          </a:p>
+        </p:txBody>
+      </p:sp>
+      <p:sp>
+        <p:nvSpPr>
+          <p:cNvPr id="5" name="Zástupný symbol pro zápatí 3">
+            <a:extLst>
+              <a:ext uri="{FF2B5EF4-FFF2-40B4-BE49-F238E27FC236}">
+                <a16:creationId xmlns:a16="http://schemas.microsoft.com/office/drawing/2014/main" id="{3DE61977-3B64-3A40-2C61-7D194B9677EC}"/>
+              </a:ext>
+            </a:extLst>
+          </p:cNvPr>
+          <p:cNvSpPr>
+            <a:spLocks noGrp="1"/>
+          </p:cNvSpPr>
+          <p:nvPr>
+            <p:ph type="ftr" sz="quarter" idx="10"/>
+          </p:nvPr>
+        </p:nvSpPr>
+        <p:spPr>
+          <a:xfrm>
+            <a:off x="1631504" y="6518422"/>
+            <a:ext cx="10464800" cy="333375"/>
+          </a:xfrm>
+        </p:spPr>
+        <p:txBody>
+          <a:bodyPr/>
+          <a:lstStyle/>
+          <a:p>
+            <a:pPr>
+              <a:defRPr/>
+            </a:pPr>
+            <a:r>
+              <a:rPr lang="cs-CZ" dirty="0"/>
+              <a:t>11/11</a:t>
             </a:r>
           </a:p>
         </p:txBody>
@@ -6420,7 +7216,7 @@
             </a:pPr>
             <a:r>
               <a:rPr lang="cs-CZ" dirty="0"/>
-              <a:t>1/x</a:t>
+              <a:t>1/11</a:t>
             </a:r>
           </a:p>
         </p:txBody>
@@ -9223,7 +10019,7 @@
             </a:pPr>
             <a:r>
               <a:rPr lang="cs-CZ" dirty="0"/>
-              <a:t>1/x</a:t>
+              <a:t>2/11</a:t>
             </a:r>
           </a:p>
         </p:txBody>
@@ -9598,6 +10394,19 @@
             </a:r>
           </a:p>
           <a:p>
+            <a:endParaRPr lang="cs-CZ" dirty="0"/>
+          </a:p>
+          <a:p>
+            <a:r>
+              <a:rPr lang="cs-CZ" b="1" dirty="0"/>
+              <a:t>Univerzální filtr </a:t>
+            </a:r>
+            <a:r>
+              <a:rPr lang="cs-CZ" dirty="0"/>
+              <a:t>pro šumy Gauss a S&amp;P</a:t>
+            </a:r>
+          </a:p>
+          <a:p>
             <a:endParaRPr lang="cs-CZ" b="1" dirty="0"/>
           </a:p>
           <a:p>
@@ -9636,7 +10445,7 @@
             </a:pPr>
             <a:r>
               <a:rPr lang="cs-CZ" dirty="0"/>
-              <a:t>1/x</a:t>
+              <a:t>3/11</a:t>
             </a:r>
           </a:p>
         </p:txBody>
@@ -9937,7 +10746,7 @@
             </a:pPr>
             <a:r>
               <a:rPr lang="cs-CZ" dirty="0"/>
-              <a:t>1/x</a:t>
+              <a:t>4/11</a:t>
             </a:r>
           </a:p>
         </p:txBody>
@@ -10618,7 +11427,7 @@
             </a:pPr>
             <a:r>
               <a:rPr lang="cs-CZ" dirty="0"/>
-              <a:t>1/x</a:t>
+              <a:t>5/11</a:t>
             </a:r>
           </a:p>
         </p:txBody>
@@ -11328,7 +12137,7 @@
           <a:p>
             <a:r>
               <a:rPr lang="cs-CZ" dirty="0"/>
-              <a:t>Vliv pravděpodobnosti mutace a velikosti matice</a:t>
+              <a:t>Vliv velikosti matice</a:t>
             </a:r>
           </a:p>
         </p:txBody>
@@ -11364,17 +12173,17 @@
             </a:pPr>
             <a:r>
               <a:rPr lang="cs-CZ" dirty="0"/>
-              <a:t>1/x</a:t>
+              <a:t>6/11</a:t>
             </a:r>
           </a:p>
         </p:txBody>
       </p:sp>
       <p:pic>
         <p:nvPicPr>
-          <p:cNvPr id="7" name="Obrázek 6" descr="Obsah obrázku text, diagram, snímek obrazovky, Plán&#10;&#10;Popis byl vytvořen automaticky">
+          <p:cNvPr id="11" name="Obrázek 10" descr="Obsah obrázku text, diagram, snímek obrazovky, Plán&#10;&#10;Popis byl vytvořen automaticky">
             <a:extLst>
               <a:ext uri="{FF2B5EF4-FFF2-40B4-BE49-F238E27FC236}">
-                <a16:creationId xmlns:a16="http://schemas.microsoft.com/office/drawing/2014/main" id="{37485680-A238-072F-BBB0-9F262767C96A}"/>
+                <a16:creationId xmlns:a16="http://schemas.microsoft.com/office/drawing/2014/main" id="{2563D92E-F3FA-0555-36D6-7F3EF39AD8F5}"/>
               </a:ext>
             </a:extLst>
           </p:cNvPr>
@@ -11397,116 +12206,8 @@
         </p:blipFill>
         <p:spPr>
           <a:xfrm>
-            <a:off x="4943872" y="620713"/>
-            <a:ext cx="4649707" cy="5040535"/>
-          </a:xfrm>
-          <a:prstGeom prst="rect">
-            <a:avLst/>
-          </a:prstGeom>
-        </p:spPr>
-      </p:pic>
-      <p:pic>
-        <p:nvPicPr>
-          <p:cNvPr id="11" name="Obrázek 10" descr="Obsah obrázku text, diagram, snímek obrazovky, Plán&#10;&#10;Popis byl vytvořen automaticky">
-            <a:extLst>
-              <a:ext uri="{FF2B5EF4-FFF2-40B4-BE49-F238E27FC236}">
-                <a16:creationId xmlns:a16="http://schemas.microsoft.com/office/drawing/2014/main" id="{2563D92E-F3FA-0555-36D6-7F3EF39AD8F5}"/>
-              </a:ext>
-            </a:extLst>
-          </p:cNvPr>
-          <p:cNvPicPr>
-            <a:picLocks noChangeAspect="1"/>
-          </p:cNvPicPr>
-          <p:nvPr/>
-        </p:nvPicPr>
-        <p:blipFill>
-          <a:blip r:embed="rId4">
-            <a:extLst>
-              <a:ext uri="{28A0092B-C50C-407E-A947-70E740481C1C}">
-                <a14:useLocalDpi xmlns:a14="http://schemas.microsoft.com/office/drawing/2010/main" val="0"/>
-              </a:ext>
-            </a:extLst>
-          </a:blip>
-          <a:stretch>
-            <a:fillRect/>
-          </a:stretch>
-        </p:blipFill>
-        <p:spPr>
-          <a:xfrm>
-            <a:off x="111117" y="694673"/>
+            <a:off x="622749" y="942834"/>
             <a:ext cx="4616731" cy="4125953"/>
-          </a:xfrm>
-          <a:prstGeom prst="rect">
-            <a:avLst/>
-          </a:prstGeom>
-        </p:spPr>
-      </p:pic>
-      <p:pic>
-        <p:nvPicPr>
-          <p:cNvPr id="13" name="Obrázek 12" descr="Obsah obrázku text, snímek obrazovky, řada/pruh, diagram&#10;&#10;Popis byl vytvořen automaticky">
-            <a:extLst>
-              <a:ext uri="{FF2B5EF4-FFF2-40B4-BE49-F238E27FC236}">
-                <a16:creationId xmlns:a16="http://schemas.microsoft.com/office/drawing/2014/main" id="{0CF44DDD-B2C6-3959-5424-77E12F541DA3}"/>
-              </a:ext>
-            </a:extLst>
-          </p:cNvPr>
-          <p:cNvPicPr>
-            <a:picLocks noChangeAspect="1"/>
-          </p:cNvPicPr>
-          <p:nvPr/>
-        </p:nvPicPr>
-        <p:blipFill>
-          <a:blip r:embed="rId5">
-            <a:extLst>
-              <a:ext uri="{28A0092B-C50C-407E-A947-70E740481C1C}">
-                <a14:useLocalDpi xmlns:a14="http://schemas.microsoft.com/office/drawing/2010/main" val="0"/>
-              </a:ext>
-            </a:extLst>
-          </a:blip>
-          <a:stretch>
-            <a:fillRect/>
-          </a:stretch>
-        </p:blipFill>
-        <p:spPr>
-          <a:xfrm>
-            <a:off x="9237097" y="3365426"/>
-            <a:ext cx="2921074" cy="2112307"/>
-          </a:xfrm>
-          <a:prstGeom prst="rect">
-            <a:avLst/>
-          </a:prstGeom>
-        </p:spPr>
-      </p:pic>
-      <p:pic>
-        <p:nvPicPr>
-          <p:cNvPr id="15" name="Obrázek 14" descr="Obsah obrázku text, snímek obrazovky, řada/pruh, diagram&#10;&#10;Popis byl vytvořen automaticky">
-            <a:extLst>
-              <a:ext uri="{FF2B5EF4-FFF2-40B4-BE49-F238E27FC236}">
-                <a16:creationId xmlns:a16="http://schemas.microsoft.com/office/drawing/2014/main" id="{5A443AA1-B706-7213-60E6-4639688AA335}"/>
-              </a:ext>
-            </a:extLst>
-          </p:cNvPr>
-          <p:cNvPicPr>
-            <a:picLocks noChangeAspect="1"/>
-          </p:cNvPicPr>
-          <p:nvPr/>
-        </p:nvPicPr>
-        <p:blipFill>
-          <a:blip r:embed="rId6">
-            <a:extLst>
-              <a:ext uri="{28A0092B-C50C-407E-A947-70E740481C1C}">
-                <a14:useLocalDpi xmlns:a14="http://schemas.microsoft.com/office/drawing/2010/main" val="0"/>
-              </a:ext>
-            </a:extLst>
-          </a:blip>
-          <a:stretch>
-            <a:fillRect/>
-          </a:stretch>
-        </p:blipFill>
-        <p:spPr>
-          <a:xfrm>
-            <a:off x="9270390" y="1068993"/>
-            <a:ext cx="2854487" cy="2064156"/>
           </a:xfrm>
           <a:prstGeom prst="rect">
             <a:avLst/>
@@ -11527,7 +12228,7 @@
         </p:nvGrpSpPr>
         <p:grpSpPr>
           <a:xfrm>
-            <a:off x="1056649" y="5298571"/>
+            <a:off x="1332566" y="5301082"/>
             <a:ext cx="2645261" cy="894078"/>
             <a:chOff x="999871" y="5185960"/>
             <a:chExt cx="2645261" cy="894078"/>
@@ -11548,10 +12249,10 @@
             <p:nvPr/>
           </p:nvPicPr>
           <p:blipFill>
-            <a:blip r:embed="rId7">
+            <a:blip r:embed="rId4">
               <a:extLst>
                 <a:ext uri="{96DAC541-7B7A-43D3-8B79-37D633B846F1}">
-                  <asvg:svgBlip xmlns:asvg="http://schemas.microsoft.com/office/drawing/2016/SVG/main" r:embed="rId8"/>
+                  <asvg:svgBlip xmlns:asvg="http://schemas.microsoft.com/office/drawing/2016/SVG/main" r:embed="rId5"/>
                 </a:ext>
               </a:extLst>
             </a:blip>
@@ -11734,6 +12435,487 @@
           </p:txBody>
         </p:sp>
       </p:grpSp>
+      <p:sp>
+        <p:nvSpPr>
+          <p:cNvPr id="30" name="TextovéPole 29">
+            <a:extLst>
+              <a:ext uri="{FF2B5EF4-FFF2-40B4-BE49-F238E27FC236}">
+                <a16:creationId xmlns:a16="http://schemas.microsoft.com/office/drawing/2014/main" id="{4C1F9810-8A2E-7A25-AD4F-28C36DE5D599}"/>
+              </a:ext>
+            </a:extLst>
+          </p:cNvPr>
+          <p:cNvSpPr txBox="1"/>
+          <p:nvPr/>
+        </p:nvSpPr>
+        <p:spPr>
+          <a:xfrm>
+            <a:off x="6304412" y="942834"/>
+            <a:ext cx="5264839" cy="972574"/>
+          </a:xfrm>
+          <a:prstGeom prst="rect">
+            <a:avLst/>
+          </a:prstGeom>
+          <a:noFill/>
+        </p:spPr>
+        <p:txBody>
+          <a:bodyPr wrap="none" rtlCol="0">
+            <a:spAutoFit/>
+          </a:bodyPr>
+          <a:lstStyle/>
+          <a:p>
+            <a:pPr algn="l">
+              <a:buNone/>
+            </a:pPr>
+            <a:r>
+              <a:rPr lang="cs-CZ" sz="2600" b="0" dirty="0">
+                <a:solidFill>
+                  <a:schemeClr val="tx1"/>
+                </a:solidFill>
+                <a:latin typeface="Calibri" panose="020F0502020204030204" pitchFamily="34" charset="0"/>
+                <a:ea typeface="Calibri" panose="020F0502020204030204" pitchFamily="34" charset="0"/>
+                <a:cs typeface="Calibri" panose="020F0502020204030204" pitchFamily="34" charset="0"/>
+              </a:rPr>
+              <a:t>Je rozdíl u Gauss mezi 2x10 a 5x5, 9x6</a:t>
+            </a:r>
+          </a:p>
+          <a:p>
+            <a:pPr algn="l">
+              <a:buNone/>
+            </a:pPr>
+            <a:r>
+              <a:rPr lang="cs-CZ" sz="2600" b="0" dirty="0">
+                <a:solidFill>
+                  <a:schemeClr val="tx1"/>
+                </a:solidFill>
+                <a:latin typeface="Calibri" panose="020F0502020204030204" pitchFamily="34" charset="0"/>
+                <a:ea typeface="Calibri" panose="020F0502020204030204" pitchFamily="34" charset="0"/>
+                <a:cs typeface="Calibri" panose="020F0502020204030204" pitchFamily="34" charset="0"/>
+              </a:rPr>
+              <a:t>významný?</a:t>
+            </a:r>
+          </a:p>
+        </p:txBody>
+      </p:sp>
+      <p:sp>
+        <p:nvSpPr>
+          <p:cNvPr id="33" name="TextovéPole 32">
+            <a:extLst>
+              <a:ext uri="{FF2B5EF4-FFF2-40B4-BE49-F238E27FC236}">
+                <a16:creationId xmlns:a16="http://schemas.microsoft.com/office/drawing/2014/main" id="{46D182E8-A365-FFF5-6BBA-6B490DD670D0}"/>
+              </a:ext>
+            </a:extLst>
+          </p:cNvPr>
+          <p:cNvSpPr txBox="1"/>
+          <p:nvPr/>
+        </p:nvSpPr>
+        <p:spPr>
+          <a:xfrm>
+            <a:off x="6304412" y="2639862"/>
+            <a:ext cx="1186800" cy="492443"/>
+          </a:xfrm>
+          <a:prstGeom prst="rect">
+            <a:avLst/>
+          </a:prstGeom>
+          <a:noFill/>
+        </p:spPr>
+        <p:txBody>
+          <a:bodyPr wrap="none" rtlCol="0">
+            <a:spAutoFit/>
+          </a:bodyPr>
+          <a:lstStyle/>
+          <a:p>
+            <a:pPr algn="l">
+              <a:buNone/>
+            </a:pPr>
+            <a:r>
+              <a:rPr lang="cs-CZ" sz="2600" b="0" dirty="0">
+                <a:solidFill>
+                  <a:schemeClr val="tx1"/>
+                </a:solidFill>
+                <a:latin typeface="Cambria Math" panose="02040503050406030204" pitchFamily="18" charset="0"/>
+                <a:ea typeface="Cambria Math" panose="02040503050406030204" pitchFamily="18" charset="0"/>
+                <a:cs typeface="Calibri" panose="020F0502020204030204" pitchFamily="34" charset="0"/>
+              </a:rPr>
+              <a:t>U-Test:</a:t>
+            </a:r>
+          </a:p>
+        </p:txBody>
+      </p:sp>
+      <p:cxnSp>
+        <p:nvCxnSpPr>
+          <p:cNvPr id="39" name="Přímá spojnice 38">
+            <a:extLst>
+              <a:ext uri="{FF2B5EF4-FFF2-40B4-BE49-F238E27FC236}">
+                <a16:creationId xmlns:a16="http://schemas.microsoft.com/office/drawing/2014/main" id="{24DE32C1-F1D8-DE81-3408-8BA699BF897E}"/>
+              </a:ext>
+            </a:extLst>
+          </p:cNvPr>
+          <p:cNvCxnSpPr/>
+          <p:nvPr/>
+        </p:nvCxnSpPr>
+        <p:spPr bwMode="auto">
+          <a:xfrm>
+            <a:off x="8184232" y="3237224"/>
+            <a:ext cx="0" cy="1535680"/>
+          </a:xfrm>
+          <a:prstGeom prst="line">
+            <a:avLst/>
+          </a:prstGeom>
+          <a:noFill/>
+          <a:ln w="38100" cap="flat" cmpd="sng" algn="ctr">
+            <a:solidFill>
+              <a:schemeClr val="accent6">
+                <a:lumMod val="75000"/>
+              </a:schemeClr>
+            </a:solidFill>
+            <a:prstDash val="solid"/>
+            <a:round/>
+            <a:headEnd type="none" w="med" len="med"/>
+            <a:tailEnd type="none" w="med" len="med"/>
+          </a:ln>
+          <a:effectLst/>
+        </p:spPr>
+      </p:cxnSp>
+      <p:cxnSp>
+        <p:nvCxnSpPr>
+          <p:cNvPr id="41" name="Přímá spojnice 40">
+            <a:extLst>
+              <a:ext uri="{FF2B5EF4-FFF2-40B4-BE49-F238E27FC236}">
+                <a16:creationId xmlns:a16="http://schemas.microsoft.com/office/drawing/2014/main" id="{39D07865-3ECF-2AB2-9E21-8A225B741FBB}"/>
+              </a:ext>
+            </a:extLst>
+          </p:cNvPr>
+          <p:cNvCxnSpPr/>
+          <p:nvPr/>
+        </p:nvCxnSpPr>
+        <p:spPr bwMode="auto">
+          <a:xfrm>
+            <a:off x="6384032" y="4005064"/>
+            <a:ext cx="5256584" cy="0"/>
+          </a:xfrm>
+          <a:prstGeom prst="line">
+            <a:avLst/>
+          </a:prstGeom>
+          <a:noFill/>
+          <a:ln w="38100" cap="flat" cmpd="sng" algn="ctr">
+            <a:solidFill>
+              <a:schemeClr val="accent6">
+                <a:lumMod val="75000"/>
+              </a:schemeClr>
+            </a:solidFill>
+            <a:prstDash val="solid"/>
+            <a:round/>
+            <a:headEnd type="none" w="med" len="med"/>
+            <a:tailEnd type="none" w="med" len="med"/>
+          </a:ln>
+          <a:effectLst/>
+        </p:spPr>
+      </p:cxnSp>
+      <p:cxnSp>
+        <p:nvCxnSpPr>
+          <p:cNvPr id="42" name="Přímá spojnice 41">
+            <a:extLst>
+              <a:ext uri="{FF2B5EF4-FFF2-40B4-BE49-F238E27FC236}">
+                <a16:creationId xmlns:a16="http://schemas.microsoft.com/office/drawing/2014/main" id="{BC492DD2-F290-398B-0948-EA59BEF13D20}"/>
+              </a:ext>
+            </a:extLst>
+          </p:cNvPr>
+          <p:cNvCxnSpPr/>
+          <p:nvPr/>
+        </p:nvCxnSpPr>
+        <p:spPr bwMode="auto">
+          <a:xfrm>
+            <a:off x="9984432" y="3237224"/>
+            <a:ext cx="0" cy="1535680"/>
+          </a:xfrm>
+          <a:prstGeom prst="line">
+            <a:avLst/>
+          </a:prstGeom>
+          <a:noFill/>
+          <a:ln w="38100" cap="flat" cmpd="sng" algn="ctr">
+            <a:solidFill>
+              <a:schemeClr val="accent6">
+                <a:lumMod val="75000"/>
+              </a:schemeClr>
+            </a:solidFill>
+            <a:prstDash val="solid"/>
+            <a:round/>
+            <a:headEnd type="none" w="med" len="med"/>
+            <a:tailEnd type="none" w="med" len="med"/>
+          </a:ln>
+          <a:effectLst/>
+        </p:spPr>
+      </p:cxnSp>
+      <p:sp>
+        <p:nvSpPr>
+          <p:cNvPr id="43" name="TextovéPole 42">
+            <a:extLst>
+              <a:ext uri="{FF2B5EF4-FFF2-40B4-BE49-F238E27FC236}">
+                <a16:creationId xmlns:a16="http://schemas.microsoft.com/office/drawing/2014/main" id="{EACC649C-0F77-CE53-F8AC-0F82264E3896}"/>
+              </a:ext>
+            </a:extLst>
+          </p:cNvPr>
+          <p:cNvSpPr txBox="1"/>
+          <p:nvPr/>
+        </p:nvSpPr>
+        <p:spPr>
+          <a:xfrm>
+            <a:off x="6747111" y="4191094"/>
+            <a:ext cx="899605" cy="492443"/>
+          </a:xfrm>
+          <a:prstGeom prst="rect">
+            <a:avLst/>
+          </a:prstGeom>
+          <a:noFill/>
+        </p:spPr>
+        <p:txBody>
+          <a:bodyPr wrap="none" rtlCol="0">
+            <a:spAutoFit/>
+          </a:bodyPr>
+          <a:lstStyle/>
+          <a:p>
+            <a:pPr algn="l">
+              <a:buNone/>
+            </a:pPr>
+            <a:r>
+              <a:rPr lang="cs-CZ" sz="2600" b="0" dirty="0">
+                <a:solidFill>
+                  <a:schemeClr val="tx1"/>
+                </a:solidFill>
+                <a:latin typeface="Cambria Math" panose="02040503050406030204" pitchFamily="18" charset="0"/>
+                <a:ea typeface="Cambria Math" panose="02040503050406030204" pitchFamily="18" charset="0"/>
+                <a:cs typeface="Calibri" panose="020F0502020204030204" pitchFamily="34" charset="0"/>
+              </a:rPr>
+              <a:t>2x10</a:t>
+            </a:r>
+          </a:p>
+        </p:txBody>
+      </p:sp>
+      <p:sp>
+        <p:nvSpPr>
+          <p:cNvPr id="44" name="TextovéPole 43">
+            <a:extLst>
+              <a:ext uri="{FF2B5EF4-FFF2-40B4-BE49-F238E27FC236}">
+                <a16:creationId xmlns:a16="http://schemas.microsoft.com/office/drawing/2014/main" id="{30D743C7-9E7E-D58B-DE39-78E0C13F75D0}"/>
+              </a:ext>
+            </a:extLst>
+          </p:cNvPr>
+          <p:cNvSpPr txBox="1"/>
+          <p:nvPr/>
+        </p:nvSpPr>
+        <p:spPr>
+          <a:xfrm>
+            <a:off x="8721749" y="3333551"/>
+            <a:ext cx="715260" cy="492443"/>
+          </a:xfrm>
+          <a:prstGeom prst="rect">
+            <a:avLst/>
+          </a:prstGeom>
+          <a:noFill/>
+        </p:spPr>
+        <p:txBody>
+          <a:bodyPr wrap="none" rtlCol="0">
+            <a:spAutoFit/>
+          </a:bodyPr>
+          <a:lstStyle/>
+          <a:p>
+            <a:pPr algn="l">
+              <a:buNone/>
+            </a:pPr>
+            <a:r>
+              <a:rPr lang="cs-CZ" sz="2600" b="0" dirty="0">
+                <a:solidFill>
+                  <a:schemeClr val="tx1"/>
+                </a:solidFill>
+                <a:latin typeface="Cambria Math" panose="02040503050406030204" pitchFamily="18" charset="0"/>
+                <a:ea typeface="Cambria Math" panose="02040503050406030204" pitchFamily="18" charset="0"/>
+                <a:cs typeface="Calibri" panose="020F0502020204030204" pitchFamily="34" charset="0"/>
+              </a:rPr>
+              <a:t>5x5</a:t>
+            </a:r>
+          </a:p>
+        </p:txBody>
+      </p:sp>
+      <p:sp>
+        <p:nvSpPr>
+          <p:cNvPr id="45" name="TextovéPole 44">
+            <a:extLst>
+              <a:ext uri="{FF2B5EF4-FFF2-40B4-BE49-F238E27FC236}">
+                <a16:creationId xmlns:a16="http://schemas.microsoft.com/office/drawing/2014/main" id="{EC3BDDF0-285C-873F-8145-842E41EF4317}"/>
+              </a:ext>
+            </a:extLst>
+          </p:cNvPr>
+          <p:cNvSpPr txBox="1"/>
+          <p:nvPr/>
+        </p:nvSpPr>
+        <p:spPr>
+          <a:xfrm>
+            <a:off x="10430969" y="3317773"/>
+            <a:ext cx="715260" cy="492443"/>
+          </a:xfrm>
+          <a:prstGeom prst="rect">
+            <a:avLst/>
+          </a:prstGeom>
+          <a:noFill/>
+        </p:spPr>
+        <p:txBody>
+          <a:bodyPr wrap="none" rtlCol="0">
+            <a:spAutoFit/>
+          </a:bodyPr>
+          <a:lstStyle/>
+          <a:p>
+            <a:pPr algn="l">
+              <a:buNone/>
+            </a:pPr>
+            <a:r>
+              <a:rPr lang="cs-CZ" sz="2600" b="0" dirty="0">
+                <a:solidFill>
+                  <a:schemeClr val="tx1"/>
+                </a:solidFill>
+                <a:latin typeface="Cambria Math" panose="02040503050406030204" pitchFamily="18" charset="0"/>
+                <a:ea typeface="Cambria Math" panose="02040503050406030204" pitchFamily="18" charset="0"/>
+                <a:cs typeface="Calibri" panose="020F0502020204030204" pitchFamily="34" charset="0"/>
+              </a:rPr>
+              <a:t>9x6</a:t>
+            </a:r>
+          </a:p>
+        </p:txBody>
+      </p:sp>
+      <p:sp>
+        <p:nvSpPr>
+          <p:cNvPr id="46" name="TextovéPole 45">
+            <a:extLst>
+              <a:ext uri="{FF2B5EF4-FFF2-40B4-BE49-F238E27FC236}">
+                <a16:creationId xmlns:a16="http://schemas.microsoft.com/office/drawing/2014/main" id="{2C034CD1-C446-14DE-8F32-4CA50BCB6374}"/>
+              </a:ext>
+            </a:extLst>
+          </p:cNvPr>
+          <p:cNvSpPr txBox="1"/>
+          <p:nvPr/>
+        </p:nvSpPr>
+        <p:spPr>
+          <a:xfrm>
+            <a:off x="8535399" y="4191093"/>
+            <a:ext cx="1175322" cy="492443"/>
+          </a:xfrm>
+          <a:prstGeom prst="rect">
+            <a:avLst/>
+          </a:prstGeom>
+          <a:noFill/>
+        </p:spPr>
+        <p:txBody>
+          <a:bodyPr wrap="none" rtlCol="0">
+            <a:spAutoFit/>
+          </a:bodyPr>
+          <a:lstStyle/>
+          <a:p>
+            <a:pPr algn="l">
+              <a:buNone/>
+            </a:pPr>
+            <a:r>
+              <a:rPr lang="cs-CZ" sz="2600" b="0" dirty="0">
+                <a:solidFill>
+                  <a:schemeClr val="tx1"/>
+                </a:solidFill>
+                <a:latin typeface="Cambria Math" panose="02040503050406030204" pitchFamily="18" charset="0"/>
+                <a:ea typeface="Cambria Math" panose="02040503050406030204" pitchFamily="18" charset="0"/>
+                <a:cs typeface="Calibri" panose="020F0502020204030204" pitchFamily="34" charset="0"/>
+              </a:rPr>
+              <a:t>0.2062</a:t>
+            </a:r>
+          </a:p>
+        </p:txBody>
+      </p:sp>
+      <p:sp>
+        <p:nvSpPr>
+          <p:cNvPr id="47" name="TextovéPole 46">
+            <a:extLst>
+              <a:ext uri="{FF2B5EF4-FFF2-40B4-BE49-F238E27FC236}">
+                <a16:creationId xmlns:a16="http://schemas.microsoft.com/office/drawing/2014/main" id="{A12D02A3-D85F-9593-0C5C-04CFB15882D2}"/>
+              </a:ext>
+            </a:extLst>
+          </p:cNvPr>
+          <p:cNvSpPr txBox="1"/>
+          <p:nvPr/>
+        </p:nvSpPr>
+        <p:spPr>
+          <a:xfrm>
+            <a:off x="10271454" y="4200006"/>
+            <a:ext cx="1175322" cy="492443"/>
+          </a:xfrm>
+          <a:prstGeom prst="rect">
+            <a:avLst/>
+          </a:prstGeom>
+          <a:noFill/>
+        </p:spPr>
+        <p:txBody>
+          <a:bodyPr wrap="none" rtlCol="0">
+            <a:spAutoFit/>
+          </a:bodyPr>
+          <a:lstStyle/>
+          <a:p>
+            <a:pPr algn="l">
+              <a:buNone/>
+            </a:pPr>
+            <a:r>
+              <a:rPr lang="cs-CZ" sz="2600" b="0" dirty="0">
+                <a:solidFill>
+                  <a:schemeClr val="tx1"/>
+                </a:solidFill>
+                <a:latin typeface="Cambria Math" panose="02040503050406030204" pitchFamily="18" charset="0"/>
+                <a:ea typeface="Cambria Math" panose="02040503050406030204" pitchFamily="18" charset="0"/>
+                <a:cs typeface="Calibri" panose="020F0502020204030204" pitchFamily="34" charset="0"/>
+              </a:rPr>
+              <a:t>0.5201</a:t>
+            </a:r>
+          </a:p>
+        </p:txBody>
+      </p:sp>
+      <p:sp>
+        <p:nvSpPr>
+          <p:cNvPr id="49" name="TextovéPole 48">
+            <a:extLst>
+              <a:ext uri="{FF2B5EF4-FFF2-40B4-BE49-F238E27FC236}">
+                <a16:creationId xmlns:a16="http://schemas.microsoft.com/office/drawing/2014/main" id="{5599EA62-1F53-6F10-0AB5-B0F4D73D89FB}"/>
+              </a:ext>
+            </a:extLst>
+          </p:cNvPr>
+          <p:cNvSpPr txBox="1"/>
+          <p:nvPr/>
+        </p:nvSpPr>
+        <p:spPr>
+          <a:xfrm>
+            <a:off x="9437009" y="4982137"/>
+            <a:ext cx="1128835" cy="492443"/>
+          </a:xfrm>
+          <a:prstGeom prst="rect">
+            <a:avLst/>
+          </a:prstGeom>
+          <a:noFill/>
+        </p:spPr>
+        <p:txBody>
+          <a:bodyPr wrap="none" rtlCol="0">
+            <a:spAutoFit/>
+          </a:bodyPr>
+          <a:lstStyle/>
+          <a:p>
+            <a:pPr algn="l">
+              <a:buNone/>
+            </a:pPr>
+            <a:r>
+              <a:rPr lang="cs-CZ" sz="2600" b="0" dirty="0">
+                <a:solidFill>
+                  <a:schemeClr val="tx1"/>
+                </a:solidFill>
+                <a:latin typeface="+mn-lt"/>
+                <a:ea typeface="Cambria Math" panose="02040503050406030204" pitchFamily="18" charset="0"/>
+                <a:cs typeface="Calibri" panose="020F0502020204030204" pitchFamily="34" charset="0"/>
+              </a:rPr>
+              <a:t>(Není)</a:t>
+            </a:r>
+          </a:p>
+        </p:txBody>
+      </p:sp>
     </p:spTree>
     <p:extLst>
       <p:ext uri="{BB962C8B-B14F-4D97-AF65-F5344CB8AC3E}">
@@ -11781,7 +12963,7 @@
           <a:p>
             <a:r>
               <a:rPr lang="cs-CZ" dirty="0"/>
-              <a:t>Děkuji za pozornost!</a:t>
+              <a:t>Vliv pravděpodobnosti mutace</a:t>
             </a:r>
           </a:p>
         </p:txBody>
@@ -11817,7 +12999,180 @@
             </a:pPr>
             <a:r>
               <a:rPr lang="cs-CZ" dirty="0"/>
-              <a:t>1/x</a:t>
+              <a:t>7/11</a:t>
+            </a:r>
+          </a:p>
+        </p:txBody>
+      </p:sp>
+      <p:pic>
+        <p:nvPicPr>
+          <p:cNvPr id="3" name="Obrázek 2" descr="Obsah obrázku text, diagram, snímek obrazovky, Plán&#10;&#10;Popis byl vytvořen automaticky">
+            <a:extLst>
+              <a:ext uri="{FF2B5EF4-FFF2-40B4-BE49-F238E27FC236}">
+                <a16:creationId xmlns:a16="http://schemas.microsoft.com/office/drawing/2014/main" id="{C9B3C33C-9998-502E-2E60-9D099B899473}"/>
+              </a:ext>
+            </a:extLst>
+          </p:cNvPr>
+          <p:cNvPicPr>
+            <a:picLocks noChangeAspect="1"/>
+          </p:cNvPicPr>
+          <p:nvPr/>
+        </p:nvPicPr>
+        <p:blipFill>
+          <a:blip r:embed="rId3">
+            <a:extLst>
+              <a:ext uri="{28A0092B-C50C-407E-A947-70E740481C1C}">
+                <a14:useLocalDpi xmlns:a14="http://schemas.microsoft.com/office/drawing/2010/main" val="0"/>
+              </a:ext>
+            </a:extLst>
+          </a:blip>
+          <a:stretch>
+            <a:fillRect/>
+          </a:stretch>
+        </p:blipFill>
+        <p:spPr>
+          <a:xfrm>
+            <a:off x="285001" y="836712"/>
+            <a:ext cx="4874895" cy="5284651"/>
+          </a:xfrm>
+          <a:prstGeom prst="rect">
+            <a:avLst/>
+          </a:prstGeom>
+        </p:spPr>
+      </p:pic>
+      <p:pic>
+        <p:nvPicPr>
+          <p:cNvPr id="4" name="Obrázek 3" descr="Obsah obrázku text, snímek obrazovky, řada/pruh, diagram&#10;&#10;Popis byl vytvořen automaticky">
+            <a:extLst>
+              <a:ext uri="{FF2B5EF4-FFF2-40B4-BE49-F238E27FC236}">
+                <a16:creationId xmlns:a16="http://schemas.microsoft.com/office/drawing/2014/main" id="{93B8AE6C-EE5A-3D41-8992-461B946E4B7A}"/>
+              </a:ext>
+            </a:extLst>
+          </p:cNvPr>
+          <p:cNvPicPr>
+            <a:picLocks noChangeAspect="1"/>
+          </p:cNvPicPr>
+          <p:nvPr/>
+        </p:nvPicPr>
+        <p:blipFill>
+          <a:blip r:embed="rId4">
+            <a:extLst>
+              <a:ext uri="{28A0092B-C50C-407E-A947-70E740481C1C}">
+                <a14:useLocalDpi xmlns:a14="http://schemas.microsoft.com/office/drawing/2010/main" val="0"/>
+              </a:ext>
+            </a:extLst>
+          </a:blip>
+          <a:stretch>
+            <a:fillRect/>
+          </a:stretch>
+        </p:blipFill>
+        <p:spPr>
+          <a:xfrm>
+            <a:off x="5159896" y="1280161"/>
+            <a:ext cx="3305380" cy="2390209"/>
+          </a:xfrm>
+          <a:prstGeom prst="rect">
+            <a:avLst/>
+          </a:prstGeom>
+        </p:spPr>
+      </p:pic>
+      <p:pic>
+        <p:nvPicPr>
+          <p:cNvPr id="6" name="Obrázek 5" descr="Obsah obrázku text, snímek obrazovky, řada/pruh, diagram&#10;&#10;Popis byl vytvořen automaticky">
+            <a:extLst>
+              <a:ext uri="{FF2B5EF4-FFF2-40B4-BE49-F238E27FC236}">
+                <a16:creationId xmlns:a16="http://schemas.microsoft.com/office/drawing/2014/main" id="{33984D2E-D1EB-B684-DC6B-06E9DA7E06AC}"/>
+              </a:ext>
+            </a:extLst>
+          </p:cNvPr>
+          <p:cNvPicPr>
+            <a:picLocks noChangeAspect="1"/>
+          </p:cNvPicPr>
+          <p:nvPr/>
+        </p:nvPicPr>
+        <p:blipFill>
+          <a:blip r:embed="rId5">
+            <a:extLst>
+              <a:ext uri="{28A0092B-C50C-407E-A947-70E740481C1C}">
+                <a14:useLocalDpi xmlns:a14="http://schemas.microsoft.com/office/drawing/2010/main" val="0"/>
+              </a:ext>
+            </a:extLst>
+          </a:blip>
+          <a:stretch>
+            <a:fillRect/>
+          </a:stretch>
+        </p:blipFill>
+        <p:spPr>
+          <a:xfrm>
+            <a:off x="8544272" y="1280161"/>
+            <a:ext cx="3305381" cy="2390210"/>
+          </a:xfrm>
+          <a:prstGeom prst="rect">
+            <a:avLst/>
+          </a:prstGeom>
+        </p:spPr>
+      </p:pic>
+      <p:sp>
+        <p:nvSpPr>
+          <p:cNvPr id="7" name="TextovéPole 6">
+            <a:extLst>
+              <a:ext uri="{FF2B5EF4-FFF2-40B4-BE49-F238E27FC236}">
+                <a16:creationId xmlns:a16="http://schemas.microsoft.com/office/drawing/2014/main" id="{665C605C-EFBB-BF75-0501-ECAC671780E0}"/>
+              </a:ext>
+            </a:extLst>
+          </p:cNvPr>
+          <p:cNvSpPr txBox="1"/>
+          <p:nvPr/>
+        </p:nvSpPr>
+        <p:spPr>
+          <a:xfrm>
+            <a:off x="5591944" y="4505063"/>
+            <a:ext cx="5847664" cy="1292662"/>
+          </a:xfrm>
+          <a:prstGeom prst="rect">
+            <a:avLst/>
+          </a:prstGeom>
+          <a:noFill/>
+        </p:spPr>
+        <p:txBody>
+          <a:bodyPr wrap="square" rtlCol="0">
+            <a:spAutoFit/>
+          </a:bodyPr>
+          <a:lstStyle/>
+          <a:p>
+            <a:pPr marL="457200" indent="-457200"/>
+            <a:r>
+              <a:rPr lang="cs-CZ" sz="2600" b="0" dirty="0">
+                <a:solidFill>
+                  <a:schemeClr val="tx1"/>
+                </a:solidFill>
+                <a:latin typeface="Calibri" panose="020F0502020204030204" pitchFamily="34" charset="0"/>
+                <a:ea typeface="Calibri" panose="020F0502020204030204" pitchFamily="34" charset="0"/>
+                <a:cs typeface="Calibri" panose="020F0502020204030204" pitchFamily="34" charset="0"/>
+              </a:rPr>
+              <a:t>Významnost rozdílů u Gauss. a S&amp;P se </a:t>
+            </a:r>
+            <a:r>
+              <a:rPr lang="cs-CZ" sz="2600" dirty="0">
+                <a:solidFill>
+                  <a:schemeClr val="tx1"/>
+                </a:solidFill>
+                <a:latin typeface="Calibri" panose="020F0502020204030204" pitchFamily="34" charset="0"/>
+                <a:ea typeface="Calibri" panose="020F0502020204030204" pitchFamily="34" charset="0"/>
+                <a:cs typeface="Calibri" panose="020F0502020204030204" pitchFamily="34" charset="0"/>
+              </a:rPr>
+              <a:t>nepodařilo ověřit</a:t>
+            </a:r>
+            <a:r>
+              <a:rPr lang="cs-CZ" sz="2600" b="0" dirty="0">
+                <a:solidFill>
+                  <a:schemeClr val="tx1"/>
+                </a:solidFill>
+                <a:latin typeface="Calibri" panose="020F0502020204030204" pitchFamily="34" charset="0"/>
+                <a:ea typeface="Calibri" panose="020F0502020204030204" pitchFamily="34" charset="0"/>
+                <a:cs typeface="Calibri" panose="020F0502020204030204" pitchFamily="34" charset="0"/>
+              </a:rPr>
+              <a:t> statistickými testy (normalita, duplikované hodnoty)</a:t>
             </a:r>
           </a:p>
         </p:txBody>
@@ -11905,7 +13260,7 @@
             </a:pPr>
             <a:r>
               <a:rPr lang="cs-CZ" dirty="0"/>
-              <a:t>1/x</a:t>
+              <a:t>8/11</a:t>
             </a:r>
           </a:p>
         </p:txBody>
